--- a/BezierLine.pptx
+++ b/BezierLine.pptx
@@ -4,8 +4,14 @@
   <p:sldMasterIdLst>
     <p:sldMasterId id="2147483648" r:id="rId1"/>
   </p:sldMasterIdLst>
+  <p:notesMasterIdLst>
+    <p:notesMasterId r:id="rId6"/>
+  </p:notesMasterIdLst>
   <p:sldIdLst>
     <p:sldId id="256" r:id="rId2"/>
+    <p:sldId id="259" r:id="rId3"/>
+    <p:sldId id="257" r:id="rId4"/>
+    <p:sldId id="258" r:id="rId5"/>
   </p:sldIdLst>
   <p:sldSz cx="9144000" cy="6858000" type="screen4x3"/>
   <p:notesSz cx="6858000" cy="9144000"/>
@@ -107,6 +113,356 @@
 </p:presentation>
 </file>
 
+<file path=ppt/notesMasters/notesMaster1.xml><?xml version="1.0" encoding="utf-8"?>
+<p:notesMaster xmlns:a="http://schemas.openxmlformats.org/drawingml/2006/main" xmlns:r="http://schemas.openxmlformats.org/officeDocument/2006/relationships" xmlns:p="http://schemas.openxmlformats.org/presentationml/2006/main">
+  <p:cSld>
+    <p:bg>
+      <p:bgRef idx="1001">
+        <a:schemeClr val="bg1"/>
+      </p:bgRef>
+    </p:bg>
+    <p:spTree>
+      <p:nvGrpSpPr>
+        <p:cNvPr id="1" name=""/>
+        <p:cNvGrpSpPr/>
+        <p:nvPr/>
+      </p:nvGrpSpPr>
+      <p:grpSpPr>
+        <a:xfrm>
+          <a:off x="0" y="0"/>
+          <a:ext cx="0" cy="0"/>
+          <a:chOff x="0" y="0"/>
+          <a:chExt cx="0" cy="0"/>
+        </a:xfrm>
+      </p:grpSpPr>
+      <p:sp>
+        <p:nvSpPr>
+          <p:cNvPr id="2" name="页眉占位符 1"/>
+          <p:cNvSpPr>
+            <a:spLocks noGrp="1"/>
+          </p:cNvSpPr>
+          <p:nvPr>
+            <p:ph type="hdr" sz="quarter"/>
+          </p:nvPr>
+        </p:nvSpPr>
+        <p:spPr>
+          <a:xfrm>
+            <a:off x="0" y="0"/>
+            <a:ext cx="2971800" cy="457200"/>
+          </a:xfrm>
+          <a:prstGeom prst="rect">
+            <a:avLst/>
+          </a:prstGeom>
+        </p:spPr>
+        <p:txBody>
+          <a:bodyPr vert="horz" lIns="91440" tIns="45720" rIns="91440" bIns="45720" rtlCol="0"/>
+          <a:lstStyle>
+            <a:lvl1pPr algn="l">
+              <a:defRPr sz="1200"/>
+            </a:lvl1pPr>
+          </a:lstStyle>
+          <a:p>
+            <a:endParaRPr lang="zh-CN" altLang="en-US"/>
+          </a:p>
+        </p:txBody>
+      </p:sp>
+      <p:sp>
+        <p:nvSpPr>
+          <p:cNvPr id="3" name="日期占位符 2"/>
+          <p:cNvSpPr>
+            <a:spLocks noGrp="1"/>
+          </p:cNvSpPr>
+          <p:nvPr>
+            <p:ph type="dt" idx="1"/>
+          </p:nvPr>
+        </p:nvSpPr>
+        <p:spPr>
+          <a:xfrm>
+            <a:off x="3884613" y="0"/>
+            <a:ext cx="2971800" cy="457200"/>
+          </a:xfrm>
+          <a:prstGeom prst="rect">
+            <a:avLst/>
+          </a:prstGeom>
+        </p:spPr>
+        <p:txBody>
+          <a:bodyPr vert="horz" lIns="91440" tIns="45720" rIns="91440" bIns="45720" rtlCol="0"/>
+          <a:lstStyle>
+            <a:lvl1pPr algn="r">
+              <a:defRPr sz="1200"/>
+            </a:lvl1pPr>
+          </a:lstStyle>
+          <a:p>
+            <a:fld id="{F742C82A-D201-4BDD-AAB3-9B0E7401756D}" type="datetimeFigureOut">
+              <a:rPr lang="zh-CN" altLang="en-US" smtClean="0"/>
+              <a:t>2017/12/5</a:t>
+            </a:fld>
+            <a:endParaRPr lang="zh-CN" altLang="en-US"/>
+          </a:p>
+        </p:txBody>
+      </p:sp>
+      <p:sp>
+        <p:nvSpPr>
+          <p:cNvPr id="4" name="幻灯片图像占位符 3"/>
+          <p:cNvSpPr>
+            <a:spLocks noGrp="1" noRot="1" noChangeAspect="1"/>
+          </p:cNvSpPr>
+          <p:nvPr>
+            <p:ph type="sldImg" idx="2"/>
+          </p:nvPr>
+        </p:nvSpPr>
+        <p:spPr>
+          <a:xfrm>
+            <a:off x="1143000" y="685800"/>
+            <a:ext cx="4572000" cy="3429000"/>
+          </a:xfrm>
+          <a:prstGeom prst="rect">
+            <a:avLst/>
+          </a:prstGeom>
+          <a:noFill/>
+          <a:ln w="12700">
+            <a:solidFill>
+              <a:prstClr val="black"/>
+            </a:solidFill>
+          </a:ln>
+        </p:spPr>
+        <p:txBody>
+          <a:bodyPr vert="horz" lIns="91440" tIns="45720" rIns="91440" bIns="45720" rtlCol="0" anchor="ctr"/>
+          <a:lstStyle/>
+          <a:p>
+            <a:endParaRPr lang="zh-CN" altLang="en-US"/>
+          </a:p>
+        </p:txBody>
+      </p:sp>
+      <p:sp>
+        <p:nvSpPr>
+          <p:cNvPr id="5" name="备注占位符 4"/>
+          <p:cNvSpPr>
+            <a:spLocks noGrp="1"/>
+          </p:cNvSpPr>
+          <p:nvPr>
+            <p:ph type="body" sz="quarter" idx="3"/>
+          </p:nvPr>
+        </p:nvSpPr>
+        <p:spPr>
+          <a:xfrm>
+            <a:off x="685800" y="4343400"/>
+            <a:ext cx="5486400" cy="4114800"/>
+          </a:xfrm>
+          <a:prstGeom prst="rect">
+            <a:avLst/>
+          </a:prstGeom>
+        </p:spPr>
+        <p:txBody>
+          <a:bodyPr vert="horz" lIns="91440" tIns="45720" rIns="91440" bIns="45720" rtlCol="0"/>
+          <a:lstStyle/>
+          <a:p>
+            <a:pPr lvl="0"/>
+            <a:r>
+              <a:rPr lang="zh-CN" altLang="en-US" smtClean="0"/>
+              <a:t>单击此处编辑母版文本样式</a:t>
+            </a:r>
+          </a:p>
+          <a:p>
+            <a:pPr lvl="1"/>
+            <a:r>
+              <a:rPr lang="zh-CN" altLang="en-US" smtClean="0"/>
+              <a:t>第二级</a:t>
+            </a:r>
+          </a:p>
+          <a:p>
+            <a:pPr lvl="2"/>
+            <a:r>
+              <a:rPr lang="zh-CN" altLang="en-US" smtClean="0"/>
+              <a:t>第三级</a:t>
+            </a:r>
+          </a:p>
+          <a:p>
+            <a:pPr lvl="3"/>
+            <a:r>
+              <a:rPr lang="zh-CN" altLang="en-US" smtClean="0"/>
+              <a:t>第四级</a:t>
+            </a:r>
+          </a:p>
+          <a:p>
+            <a:pPr lvl="4"/>
+            <a:r>
+              <a:rPr lang="zh-CN" altLang="en-US" smtClean="0"/>
+              <a:t>第五级</a:t>
+            </a:r>
+            <a:endParaRPr lang="zh-CN" altLang="en-US"/>
+          </a:p>
+        </p:txBody>
+      </p:sp>
+      <p:sp>
+        <p:nvSpPr>
+          <p:cNvPr id="6" name="页脚占位符 5"/>
+          <p:cNvSpPr>
+            <a:spLocks noGrp="1"/>
+          </p:cNvSpPr>
+          <p:nvPr>
+            <p:ph type="ftr" sz="quarter" idx="4"/>
+          </p:nvPr>
+        </p:nvSpPr>
+        <p:spPr>
+          <a:xfrm>
+            <a:off x="0" y="8685213"/>
+            <a:ext cx="2971800" cy="457200"/>
+          </a:xfrm>
+          <a:prstGeom prst="rect">
+            <a:avLst/>
+          </a:prstGeom>
+        </p:spPr>
+        <p:txBody>
+          <a:bodyPr vert="horz" lIns="91440" tIns="45720" rIns="91440" bIns="45720" rtlCol="0" anchor="b"/>
+          <a:lstStyle>
+            <a:lvl1pPr algn="l">
+              <a:defRPr sz="1200"/>
+            </a:lvl1pPr>
+          </a:lstStyle>
+          <a:p>
+            <a:endParaRPr lang="zh-CN" altLang="en-US"/>
+          </a:p>
+        </p:txBody>
+      </p:sp>
+      <p:sp>
+        <p:nvSpPr>
+          <p:cNvPr id="7" name="灯片编号占位符 6"/>
+          <p:cNvSpPr>
+            <a:spLocks noGrp="1"/>
+          </p:cNvSpPr>
+          <p:nvPr>
+            <p:ph type="sldNum" sz="quarter" idx="5"/>
+          </p:nvPr>
+        </p:nvSpPr>
+        <p:spPr>
+          <a:xfrm>
+            <a:off x="3884613" y="8685213"/>
+            <a:ext cx="2971800" cy="457200"/>
+          </a:xfrm>
+          <a:prstGeom prst="rect">
+            <a:avLst/>
+          </a:prstGeom>
+        </p:spPr>
+        <p:txBody>
+          <a:bodyPr vert="horz" lIns="91440" tIns="45720" rIns="91440" bIns="45720" rtlCol="0" anchor="b"/>
+          <a:lstStyle>
+            <a:lvl1pPr algn="r">
+              <a:defRPr sz="1200"/>
+            </a:lvl1pPr>
+          </a:lstStyle>
+          <a:p>
+            <a:fld id="{89515043-B402-4B23-A05C-385033D90180}" type="slidenum">
+              <a:rPr lang="zh-CN" altLang="en-US" smtClean="0"/>
+              <a:t>‹#›</a:t>
+            </a:fld>
+            <a:endParaRPr lang="zh-CN" altLang="en-US"/>
+          </a:p>
+        </p:txBody>
+      </p:sp>
+    </p:spTree>
+    <p:extLst>
+      <p:ext uri="{BB962C8B-B14F-4D97-AF65-F5344CB8AC3E}">
+        <p14:creationId xmlns:p14="http://schemas.microsoft.com/office/powerpoint/2010/main" val="355956086"/>
+      </p:ext>
+    </p:extLst>
+  </p:cSld>
+  <p:clrMap bg1="lt1" tx1="dk1" bg2="lt2" tx2="dk2" accent1="accent1" accent2="accent2" accent3="accent3" accent4="accent4" accent5="accent5" accent6="accent6" hlink="hlink" folHlink="folHlink"/>
+  <p:notesStyle>
+    <a:lvl1pPr marL="0" algn="l" defTabSz="914400" rtl="0" eaLnBrk="1" latinLnBrk="0" hangingPunct="1">
+      <a:defRPr sz="1200" kern="1200">
+        <a:solidFill>
+          <a:schemeClr val="tx1"/>
+        </a:solidFill>
+        <a:latin typeface="+mn-lt"/>
+        <a:ea typeface="+mn-ea"/>
+        <a:cs typeface="+mn-cs"/>
+      </a:defRPr>
+    </a:lvl1pPr>
+    <a:lvl2pPr marL="457200" algn="l" defTabSz="914400" rtl="0" eaLnBrk="1" latinLnBrk="0" hangingPunct="1">
+      <a:defRPr sz="1200" kern="1200">
+        <a:solidFill>
+          <a:schemeClr val="tx1"/>
+        </a:solidFill>
+        <a:latin typeface="+mn-lt"/>
+        <a:ea typeface="+mn-ea"/>
+        <a:cs typeface="+mn-cs"/>
+      </a:defRPr>
+    </a:lvl2pPr>
+    <a:lvl3pPr marL="914400" algn="l" defTabSz="914400" rtl="0" eaLnBrk="1" latinLnBrk="0" hangingPunct="1">
+      <a:defRPr sz="1200" kern="1200">
+        <a:solidFill>
+          <a:schemeClr val="tx1"/>
+        </a:solidFill>
+        <a:latin typeface="+mn-lt"/>
+        <a:ea typeface="+mn-ea"/>
+        <a:cs typeface="+mn-cs"/>
+      </a:defRPr>
+    </a:lvl3pPr>
+    <a:lvl4pPr marL="1371600" algn="l" defTabSz="914400" rtl="0" eaLnBrk="1" latinLnBrk="0" hangingPunct="1">
+      <a:defRPr sz="1200" kern="1200">
+        <a:solidFill>
+          <a:schemeClr val="tx1"/>
+        </a:solidFill>
+        <a:latin typeface="+mn-lt"/>
+        <a:ea typeface="+mn-ea"/>
+        <a:cs typeface="+mn-cs"/>
+      </a:defRPr>
+    </a:lvl4pPr>
+    <a:lvl5pPr marL="1828800" algn="l" defTabSz="914400" rtl="0" eaLnBrk="1" latinLnBrk="0" hangingPunct="1">
+      <a:defRPr sz="1200" kern="1200">
+        <a:solidFill>
+          <a:schemeClr val="tx1"/>
+        </a:solidFill>
+        <a:latin typeface="+mn-lt"/>
+        <a:ea typeface="+mn-ea"/>
+        <a:cs typeface="+mn-cs"/>
+      </a:defRPr>
+    </a:lvl5pPr>
+    <a:lvl6pPr marL="2286000" algn="l" defTabSz="914400" rtl="0" eaLnBrk="1" latinLnBrk="0" hangingPunct="1">
+      <a:defRPr sz="1200" kern="1200">
+        <a:solidFill>
+          <a:schemeClr val="tx1"/>
+        </a:solidFill>
+        <a:latin typeface="+mn-lt"/>
+        <a:ea typeface="+mn-ea"/>
+        <a:cs typeface="+mn-cs"/>
+      </a:defRPr>
+    </a:lvl6pPr>
+    <a:lvl7pPr marL="2743200" algn="l" defTabSz="914400" rtl="0" eaLnBrk="1" latinLnBrk="0" hangingPunct="1">
+      <a:defRPr sz="1200" kern="1200">
+        <a:solidFill>
+          <a:schemeClr val="tx1"/>
+        </a:solidFill>
+        <a:latin typeface="+mn-lt"/>
+        <a:ea typeface="+mn-ea"/>
+        <a:cs typeface="+mn-cs"/>
+      </a:defRPr>
+    </a:lvl7pPr>
+    <a:lvl8pPr marL="3200400" algn="l" defTabSz="914400" rtl="0" eaLnBrk="1" latinLnBrk="0" hangingPunct="1">
+      <a:defRPr sz="1200" kern="1200">
+        <a:solidFill>
+          <a:schemeClr val="tx1"/>
+        </a:solidFill>
+        <a:latin typeface="+mn-lt"/>
+        <a:ea typeface="+mn-ea"/>
+        <a:cs typeface="+mn-cs"/>
+      </a:defRPr>
+    </a:lvl8pPr>
+    <a:lvl9pPr marL="3657600" algn="l" defTabSz="914400" rtl="0" eaLnBrk="1" latinLnBrk="0" hangingPunct="1">
+      <a:defRPr sz="1200" kern="1200">
+        <a:solidFill>
+          <a:schemeClr val="tx1"/>
+        </a:solidFill>
+        <a:latin typeface="+mn-lt"/>
+        <a:ea typeface="+mn-ea"/>
+        <a:cs typeface="+mn-cs"/>
+      </a:defRPr>
+    </a:lvl9pPr>
+  </p:notesStyle>
+</p:notesMaster>
+</file>
+
 <file path=ppt/slideLayouts/slideLayout1.xml><?xml version="1.0" encoding="utf-8"?>
 <p:sldLayout xmlns:a="http://schemas.openxmlformats.org/drawingml/2006/main" xmlns:r="http://schemas.openxmlformats.org/officeDocument/2006/relationships" xmlns:p="http://schemas.openxmlformats.org/presentationml/2006/main" type="title" preserve="1">
   <p:cSld name="标题幻灯片">
@@ -288,7 +644,7 @@
           <a:p>
             <a:fld id="{530820CF-B880-4189-942D-D702A7CBA730}" type="datetimeFigureOut">
               <a:rPr lang="zh-CN" altLang="en-US" smtClean="0"/>
-              <a:t>2017/11/26</a:t>
+              <a:t>2017/12/5</a:t>
             </a:fld>
             <a:endParaRPr lang="zh-CN" altLang="en-US"/>
           </a:p>
@@ -453,7 +809,7 @@
           <a:p>
             <a:fld id="{530820CF-B880-4189-942D-D702A7CBA730}" type="datetimeFigureOut">
               <a:rPr lang="zh-CN" altLang="en-US" smtClean="0"/>
-              <a:t>2017/11/26</a:t>
+              <a:t>2017/12/5</a:t>
             </a:fld>
             <a:endParaRPr lang="zh-CN" altLang="en-US"/>
           </a:p>
@@ -628,7 +984,7 @@
           <a:p>
             <a:fld id="{530820CF-B880-4189-942D-D702A7CBA730}" type="datetimeFigureOut">
               <a:rPr lang="zh-CN" altLang="en-US" smtClean="0"/>
-              <a:t>2017/11/26</a:t>
+              <a:t>2017/12/5</a:t>
             </a:fld>
             <a:endParaRPr lang="zh-CN" altLang="en-US"/>
           </a:p>
@@ -793,7 +1149,7 @@
           <a:p>
             <a:fld id="{530820CF-B880-4189-942D-D702A7CBA730}" type="datetimeFigureOut">
               <a:rPr lang="zh-CN" altLang="en-US" smtClean="0"/>
-              <a:t>2017/11/26</a:t>
+              <a:t>2017/12/5</a:t>
             </a:fld>
             <a:endParaRPr lang="zh-CN" altLang="en-US"/>
           </a:p>
@@ -1034,7 +1390,7 @@
           <a:p>
             <a:fld id="{530820CF-B880-4189-942D-D702A7CBA730}" type="datetimeFigureOut">
               <a:rPr lang="zh-CN" altLang="en-US" smtClean="0"/>
-              <a:t>2017/11/26</a:t>
+              <a:t>2017/12/5</a:t>
             </a:fld>
             <a:endParaRPr lang="zh-CN" altLang="en-US"/>
           </a:p>
@@ -1317,7 +1673,7 @@
           <a:p>
             <a:fld id="{530820CF-B880-4189-942D-D702A7CBA730}" type="datetimeFigureOut">
               <a:rPr lang="zh-CN" altLang="en-US" smtClean="0"/>
-              <a:t>2017/11/26</a:t>
+              <a:t>2017/12/5</a:t>
             </a:fld>
             <a:endParaRPr lang="zh-CN" altLang="en-US"/>
           </a:p>
@@ -1734,7 +2090,7 @@
           <a:p>
             <a:fld id="{530820CF-B880-4189-942D-D702A7CBA730}" type="datetimeFigureOut">
               <a:rPr lang="zh-CN" altLang="en-US" smtClean="0"/>
-              <a:t>2017/11/26</a:t>
+              <a:t>2017/12/5</a:t>
             </a:fld>
             <a:endParaRPr lang="zh-CN" altLang="en-US"/>
           </a:p>
@@ -1847,7 +2203,7 @@
           <a:p>
             <a:fld id="{530820CF-B880-4189-942D-D702A7CBA730}" type="datetimeFigureOut">
               <a:rPr lang="zh-CN" altLang="en-US" smtClean="0"/>
-              <a:t>2017/11/26</a:t>
+              <a:t>2017/12/5</a:t>
             </a:fld>
             <a:endParaRPr lang="zh-CN" altLang="en-US"/>
           </a:p>
@@ -1937,7 +2293,7 @@
           <a:p>
             <a:fld id="{530820CF-B880-4189-942D-D702A7CBA730}" type="datetimeFigureOut">
               <a:rPr lang="zh-CN" altLang="en-US" smtClean="0"/>
-              <a:t>2017/11/26</a:t>
+              <a:t>2017/12/5</a:t>
             </a:fld>
             <a:endParaRPr lang="zh-CN" altLang="en-US"/>
           </a:p>
@@ -2209,7 +2565,7 @@
           <a:p>
             <a:fld id="{530820CF-B880-4189-942D-D702A7CBA730}" type="datetimeFigureOut">
               <a:rPr lang="zh-CN" altLang="en-US" smtClean="0"/>
-              <a:t>2017/11/26</a:t>
+              <a:t>2017/12/5</a:t>
             </a:fld>
             <a:endParaRPr lang="zh-CN" altLang="en-US"/>
           </a:p>
@@ -2457,7 +2813,7 @@
           <a:p>
             <a:fld id="{530820CF-B880-4189-942D-D702A7CBA730}" type="datetimeFigureOut">
               <a:rPr lang="zh-CN" altLang="en-US" smtClean="0"/>
-              <a:t>2017/11/26</a:t>
+              <a:t>2017/12/5</a:t>
             </a:fld>
             <a:endParaRPr lang="zh-CN" altLang="en-US"/>
           </a:p>
@@ -2665,7 +3021,7 @@
           <a:p>
             <a:fld id="{530820CF-B880-4189-942D-D702A7CBA730}" type="datetimeFigureOut">
               <a:rPr lang="zh-CN" altLang="en-US" smtClean="0"/>
-              <a:t>2017/11/26</a:t>
+              <a:t>2017/12/5</a:t>
             </a:fld>
             <a:endParaRPr lang="zh-CN" altLang="en-US"/>
           </a:p>
@@ -3043,7 +3399,7 @@
         </p:nvSpPr>
         <p:spPr>
           <a:xfrm>
-            <a:off x="2051720" y="764704"/>
+            <a:off x="35496" y="2843644"/>
             <a:ext cx="2146742" cy="369332"/>
           </a:xfrm>
           <a:prstGeom prst="rect">
@@ -3112,7 +3468,7 @@
         </p:nvSpPr>
         <p:spPr>
           <a:xfrm>
-            <a:off x="2065716" y="1484784"/>
+            <a:off x="35496" y="3301984"/>
             <a:ext cx="6178692" cy="369332"/>
           </a:xfrm>
           <a:prstGeom prst="rect">
@@ -3143,7 +3499,75 @@
             </a:r>
             <a:r>
               <a:rPr lang="en-US" altLang="zh-CN" b="1" dirty="0"/>
-              <a:t>) ((1 - </a:t>
+              <a:t>) (</a:t>
+            </a:r>
+            <a:r>
+              <a:rPr lang="en-US" altLang="zh-CN" b="1" dirty="0">
+                <a:solidFill>
+                  <a:srgbClr val="FF0000"/>
+                </a:solidFill>
+              </a:rPr>
+              <a:t>(1 - </a:t>
+            </a:r>
+            <a:r>
+              <a:rPr lang="en-US" altLang="zh-CN" b="1" i="1" dirty="0">
+                <a:solidFill>
+                  <a:srgbClr val="FF0000"/>
+                </a:solidFill>
+              </a:rPr>
+              <a:t>t</a:t>
+            </a:r>
+            <a:r>
+              <a:rPr lang="en-US" altLang="zh-CN" b="1" dirty="0">
+                <a:solidFill>
+                  <a:srgbClr val="FF0000"/>
+                </a:solidFill>
+              </a:rPr>
+              <a:t>) P</a:t>
+            </a:r>
+            <a:r>
+              <a:rPr lang="en-US" altLang="zh-CN" b="1" baseline="-25000" dirty="0">
+                <a:solidFill>
+                  <a:srgbClr val="FF0000"/>
+                </a:solidFill>
+              </a:rPr>
+              <a:t>0</a:t>
+            </a:r>
+            <a:r>
+              <a:rPr lang="en-US" altLang="zh-CN" b="1" dirty="0">
+                <a:solidFill>
+                  <a:srgbClr val="FF0000"/>
+                </a:solidFill>
+              </a:rPr>
+              <a:t> + </a:t>
+            </a:r>
+            <a:r>
+              <a:rPr lang="en-US" altLang="zh-CN" b="1" i="1" dirty="0">
+                <a:solidFill>
+                  <a:srgbClr val="FF0000"/>
+                </a:solidFill>
+              </a:rPr>
+              <a:t>t</a:t>
+            </a:r>
+            <a:r>
+              <a:rPr lang="en-US" altLang="zh-CN" b="1" dirty="0">
+                <a:solidFill>
+                  <a:srgbClr val="FF0000"/>
+                </a:solidFill>
+              </a:rPr>
+              <a:t> P</a:t>
+            </a:r>
+            <a:r>
+              <a:rPr lang="en-US" altLang="zh-CN" b="1" baseline="-25000" dirty="0">
+                <a:solidFill>
+                  <a:srgbClr val="FF0000"/>
+                </a:solidFill>
+              </a:rPr>
+              <a:t>1</a:t>
+            </a:r>
+            <a:r>
+              <a:rPr lang="en-US" altLang="zh-CN" b="1" dirty="0"/>
+              <a:t>) + </a:t>
             </a:r>
             <a:r>
               <a:rPr lang="en-US" altLang="zh-CN" b="1" i="1" dirty="0"/>
@@ -3151,66 +3575,70 @@
             </a:r>
             <a:r>
               <a:rPr lang="en-US" altLang="zh-CN" b="1" dirty="0"/>
+              <a:t> (</a:t>
+            </a:r>
+            <a:r>
+              <a:rPr lang="en-US" altLang="zh-CN" b="1" dirty="0">
+                <a:solidFill>
+                  <a:srgbClr val="FF0000"/>
+                </a:solidFill>
+              </a:rPr>
+              <a:t>(1 - </a:t>
+            </a:r>
+            <a:r>
+              <a:rPr lang="en-US" altLang="zh-CN" b="1" i="1" dirty="0">
+                <a:solidFill>
+                  <a:srgbClr val="FF0000"/>
+                </a:solidFill>
+              </a:rPr>
+              <a:t>t</a:t>
+            </a:r>
+            <a:r>
+              <a:rPr lang="en-US" altLang="zh-CN" b="1" dirty="0">
+                <a:solidFill>
+                  <a:srgbClr val="FF0000"/>
+                </a:solidFill>
+              </a:rPr>
               <a:t>) P</a:t>
             </a:r>
             <a:r>
-              <a:rPr lang="en-US" altLang="zh-CN" b="1" baseline="-25000" dirty="0"/>
-              <a:t>0</a:t>
-            </a:r>
-            <a:r>
-              <a:rPr lang="en-US" altLang="zh-CN" b="1" dirty="0"/>
+              <a:rPr lang="en-US" altLang="zh-CN" b="1" baseline="-25000" dirty="0">
+                <a:solidFill>
+                  <a:srgbClr val="FF0000"/>
+                </a:solidFill>
+              </a:rPr>
+              <a:t>1</a:t>
+            </a:r>
+            <a:r>
+              <a:rPr lang="en-US" altLang="zh-CN" b="1" dirty="0">
+                <a:solidFill>
+                  <a:srgbClr val="FF0000"/>
+                </a:solidFill>
+              </a:rPr>
               <a:t> + </a:t>
             </a:r>
             <a:r>
-              <a:rPr lang="en-US" altLang="zh-CN" b="1" i="1" dirty="0"/>
+              <a:rPr lang="en-US" altLang="zh-CN" b="1" i="1" dirty="0">
+                <a:solidFill>
+                  <a:srgbClr val="FF0000"/>
+                </a:solidFill>
+              </a:rPr>
               <a:t>t</a:t>
             </a:r>
             <a:r>
-              <a:rPr lang="en-US" altLang="zh-CN" b="1" dirty="0"/>
+              <a:rPr lang="en-US" altLang="zh-CN" b="1" dirty="0">
+                <a:solidFill>
+                  <a:srgbClr val="FF0000"/>
+                </a:solidFill>
+              </a:rPr>
               <a:t> P</a:t>
             </a:r>
             <a:r>
-              <a:rPr lang="en-US" altLang="zh-CN" b="1" baseline="-25000" dirty="0"/>
-              <a:t>1</a:t>
-            </a:r>
-            <a:r>
-              <a:rPr lang="en-US" altLang="zh-CN" b="1" dirty="0"/>
-              <a:t>) + </a:t>
-            </a:r>
-            <a:r>
-              <a:rPr lang="en-US" altLang="zh-CN" b="1" i="1" dirty="0"/>
-              <a:t>t</a:t>
-            </a:r>
-            <a:r>
-              <a:rPr lang="en-US" altLang="zh-CN" b="1" dirty="0"/>
-              <a:t> ((1 - </a:t>
-            </a:r>
-            <a:r>
-              <a:rPr lang="en-US" altLang="zh-CN" b="1" i="1" dirty="0"/>
-              <a:t>t</a:t>
-            </a:r>
-            <a:r>
-              <a:rPr lang="en-US" altLang="zh-CN" b="1" dirty="0"/>
-              <a:t>) P</a:t>
-            </a:r>
-            <a:r>
-              <a:rPr lang="en-US" altLang="zh-CN" b="1" baseline="-25000" dirty="0"/>
-              <a:t>1</a:t>
-            </a:r>
-            <a:r>
-              <a:rPr lang="en-US" altLang="zh-CN" b="1" dirty="0"/>
-              <a:t> + </a:t>
-            </a:r>
-            <a:r>
-              <a:rPr lang="en-US" altLang="zh-CN" b="1" i="1" dirty="0"/>
-              <a:t>t</a:t>
-            </a:r>
-            <a:r>
-              <a:rPr lang="en-US" altLang="zh-CN" b="1" dirty="0"/>
-              <a:t> P</a:t>
-            </a:r>
-            <a:r>
-              <a:rPr lang="en-US" altLang="zh-CN" b="1" baseline="-25000" dirty="0"/>
+              <a:rPr lang="en-US" altLang="zh-CN" b="1" baseline="-25000" dirty="0">
+                <a:solidFill>
+                  <a:srgbClr val="FF0000"/>
+                </a:solidFill>
+              </a:rPr>
               <a:t>2</a:t>
             </a:r>
             <a:r>
@@ -3223,14 +3651,1274 @@
       </p:sp>
       <p:sp>
         <p:nvSpPr>
-          <p:cNvPr id="7" name="矩形 6"/>
+          <p:cNvPr id="2" name="椭圆 1"/>
           <p:cNvSpPr/>
           <p:nvPr/>
         </p:nvSpPr>
         <p:spPr>
           <a:xfrm>
-            <a:off x="2111705" y="2267580"/>
-            <a:ext cx="3600666" cy="369332"/>
+            <a:off x="2627784" y="692696"/>
+            <a:ext cx="432048" cy="432048"/>
+          </a:xfrm>
+          <a:prstGeom prst="ellipse">
+            <a:avLst/>
+          </a:prstGeom>
+        </p:spPr>
+        <p:style>
+          <a:lnRef idx="0">
+            <a:schemeClr val="accent4"/>
+          </a:lnRef>
+          <a:fillRef idx="3">
+            <a:schemeClr val="accent4"/>
+          </a:fillRef>
+          <a:effectRef idx="3">
+            <a:schemeClr val="accent4"/>
+          </a:effectRef>
+          <a:fontRef idx="minor">
+            <a:schemeClr val="lt1"/>
+          </a:fontRef>
+        </p:style>
+        <p:txBody>
+          <a:bodyPr rtlCol="0" anchor="ctr"/>
+          <a:lstStyle/>
+          <a:p>
+            <a:pPr algn="ctr"/>
+            <a:endParaRPr lang="zh-CN" altLang="en-US"/>
+          </a:p>
+        </p:txBody>
+      </p:sp>
+      <p:sp>
+        <p:nvSpPr>
+          <p:cNvPr id="8" name="椭圆 7"/>
+          <p:cNvSpPr/>
+          <p:nvPr/>
+        </p:nvSpPr>
+        <p:spPr>
+          <a:xfrm>
+            <a:off x="3949778" y="692696"/>
+            <a:ext cx="432048" cy="432048"/>
+          </a:xfrm>
+          <a:prstGeom prst="ellipse">
+            <a:avLst/>
+          </a:prstGeom>
+        </p:spPr>
+        <p:style>
+          <a:lnRef idx="0">
+            <a:schemeClr val="accent4"/>
+          </a:lnRef>
+          <a:fillRef idx="3">
+            <a:schemeClr val="accent4"/>
+          </a:fillRef>
+          <a:effectRef idx="3">
+            <a:schemeClr val="accent4"/>
+          </a:effectRef>
+          <a:fontRef idx="minor">
+            <a:schemeClr val="lt1"/>
+          </a:fontRef>
+        </p:style>
+        <p:txBody>
+          <a:bodyPr rtlCol="0" anchor="ctr"/>
+          <a:lstStyle/>
+          <a:p>
+            <a:pPr algn="ctr"/>
+            <a:endParaRPr lang="zh-CN" altLang="en-US"/>
+          </a:p>
+        </p:txBody>
+      </p:sp>
+      <p:sp>
+        <p:nvSpPr>
+          <p:cNvPr id="9" name="椭圆 8"/>
+          <p:cNvSpPr/>
+          <p:nvPr/>
+        </p:nvSpPr>
+        <p:spPr>
+          <a:xfrm>
+            <a:off x="2005472" y="1430490"/>
+            <a:ext cx="432048" cy="432048"/>
+          </a:xfrm>
+          <a:prstGeom prst="ellipse">
+            <a:avLst/>
+          </a:prstGeom>
+        </p:spPr>
+        <p:style>
+          <a:lnRef idx="0">
+            <a:schemeClr val="accent2"/>
+          </a:lnRef>
+          <a:fillRef idx="3">
+            <a:schemeClr val="accent2"/>
+          </a:fillRef>
+          <a:effectRef idx="3">
+            <a:schemeClr val="accent2"/>
+          </a:effectRef>
+          <a:fontRef idx="minor">
+            <a:schemeClr val="lt1"/>
+          </a:fontRef>
+        </p:style>
+        <p:txBody>
+          <a:bodyPr rtlCol="0" anchor="ctr"/>
+          <a:lstStyle/>
+          <a:p>
+            <a:pPr algn="ctr"/>
+            <a:endParaRPr lang="zh-CN" altLang="en-US"/>
+          </a:p>
+        </p:txBody>
+      </p:sp>
+      <p:sp>
+        <p:nvSpPr>
+          <p:cNvPr id="10" name="椭圆 9"/>
+          <p:cNvSpPr/>
+          <p:nvPr/>
+        </p:nvSpPr>
+        <p:spPr>
+          <a:xfrm>
+            <a:off x="3347864" y="1412776"/>
+            <a:ext cx="432048" cy="432048"/>
+          </a:xfrm>
+          <a:prstGeom prst="ellipse">
+            <a:avLst/>
+          </a:prstGeom>
+        </p:spPr>
+        <p:style>
+          <a:lnRef idx="0">
+            <a:schemeClr val="accent2"/>
+          </a:lnRef>
+          <a:fillRef idx="3">
+            <a:schemeClr val="accent2"/>
+          </a:fillRef>
+          <a:effectRef idx="3">
+            <a:schemeClr val="accent2"/>
+          </a:effectRef>
+          <a:fontRef idx="minor">
+            <a:schemeClr val="lt1"/>
+          </a:fontRef>
+        </p:style>
+        <p:txBody>
+          <a:bodyPr rtlCol="0" anchor="ctr"/>
+          <a:lstStyle/>
+          <a:p>
+            <a:pPr algn="ctr"/>
+            <a:endParaRPr lang="zh-CN" altLang="en-US"/>
+          </a:p>
+        </p:txBody>
+      </p:sp>
+      <p:sp>
+        <p:nvSpPr>
+          <p:cNvPr id="11" name="椭圆 10"/>
+          <p:cNvSpPr/>
+          <p:nvPr/>
+        </p:nvSpPr>
+        <p:spPr>
+          <a:xfrm>
+            <a:off x="4644008" y="1430490"/>
+            <a:ext cx="432048" cy="432048"/>
+          </a:xfrm>
+          <a:prstGeom prst="ellipse">
+            <a:avLst/>
+          </a:prstGeom>
+        </p:spPr>
+        <p:style>
+          <a:lnRef idx="0">
+            <a:schemeClr val="accent2"/>
+          </a:lnRef>
+          <a:fillRef idx="3">
+            <a:schemeClr val="accent2"/>
+          </a:fillRef>
+          <a:effectRef idx="3">
+            <a:schemeClr val="accent2"/>
+          </a:effectRef>
+          <a:fontRef idx="minor">
+            <a:schemeClr val="lt1"/>
+          </a:fontRef>
+        </p:style>
+        <p:txBody>
+          <a:bodyPr rtlCol="0" anchor="ctr"/>
+          <a:lstStyle/>
+          <a:p>
+            <a:pPr algn="ctr"/>
+            <a:endParaRPr lang="zh-CN" altLang="en-US"/>
+          </a:p>
+        </p:txBody>
+      </p:sp>
+      <p:sp>
+        <p:nvSpPr>
+          <p:cNvPr id="12" name="椭圆 11"/>
+          <p:cNvSpPr/>
+          <p:nvPr/>
+        </p:nvSpPr>
+        <p:spPr>
+          <a:xfrm>
+            <a:off x="1403648" y="2014938"/>
+            <a:ext cx="432048" cy="432048"/>
+          </a:xfrm>
+          <a:prstGeom prst="ellipse">
+            <a:avLst/>
+          </a:prstGeom>
+        </p:spPr>
+        <p:style>
+          <a:lnRef idx="0">
+            <a:schemeClr val="accent5"/>
+          </a:lnRef>
+          <a:fillRef idx="3">
+            <a:schemeClr val="accent5"/>
+          </a:fillRef>
+          <a:effectRef idx="3">
+            <a:schemeClr val="accent5"/>
+          </a:effectRef>
+          <a:fontRef idx="minor">
+            <a:schemeClr val="lt1"/>
+          </a:fontRef>
+        </p:style>
+        <p:txBody>
+          <a:bodyPr rtlCol="0" anchor="ctr"/>
+          <a:lstStyle/>
+          <a:p>
+            <a:pPr algn="ctr"/>
+            <a:endParaRPr lang="zh-CN" altLang="en-US" dirty="0"/>
+          </a:p>
+        </p:txBody>
+      </p:sp>
+      <p:sp>
+        <p:nvSpPr>
+          <p:cNvPr id="14" name="椭圆 13"/>
+          <p:cNvSpPr/>
+          <p:nvPr/>
+        </p:nvSpPr>
+        <p:spPr>
+          <a:xfrm>
+            <a:off x="2627784" y="2014938"/>
+            <a:ext cx="432048" cy="432048"/>
+          </a:xfrm>
+          <a:prstGeom prst="ellipse">
+            <a:avLst/>
+          </a:prstGeom>
+        </p:spPr>
+        <p:style>
+          <a:lnRef idx="0">
+            <a:schemeClr val="accent5"/>
+          </a:lnRef>
+          <a:fillRef idx="3">
+            <a:schemeClr val="accent5"/>
+          </a:fillRef>
+          <a:effectRef idx="3">
+            <a:schemeClr val="accent5"/>
+          </a:effectRef>
+          <a:fontRef idx="minor">
+            <a:schemeClr val="lt1"/>
+          </a:fontRef>
+        </p:style>
+        <p:txBody>
+          <a:bodyPr rtlCol="0" anchor="ctr"/>
+          <a:lstStyle/>
+          <a:p>
+            <a:pPr algn="ctr"/>
+            <a:endParaRPr lang="zh-CN" altLang="en-US" dirty="0"/>
+          </a:p>
+        </p:txBody>
+      </p:sp>
+      <p:sp>
+        <p:nvSpPr>
+          <p:cNvPr id="15" name="椭圆 14"/>
+          <p:cNvSpPr/>
+          <p:nvPr/>
+        </p:nvSpPr>
+        <p:spPr>
+          <a:xfrm>
+            <a:off x="3958027" y="2060848"/>
+            <a:ext cx="432048" cy="432048"/>
+          </a:xfrm>
+          <a:prstGeom prst="ellipse">
+            <a:avLst/>
+          </a:prstGeom>
+        </p:spPr>
+        <p:style>
+          <a:lnRef idx="0">
+            <a:schemeClr val="accent5"/>
+          </a:lnRef>
+          <a:fillRef idx="3">
+            <a:schemeClr val="accent5"/>
+          </a:fillRef>
+          <a:effectRef idx="3">
+            <a:schemeClr val="accent5"/>
+          </a:effectRef>
+          <a:fontRef idx="minor">
+            <a:schemeClr val="lt1"/>
+          </a:fontRef>
+        </p:style>
+        <p:txBody>
+          <a:bodyPr rtlCol="0" anchor="ctr"/>
+          <a:lstStyle/>
+          <a:p>
+            <a:pPr algn="ctr"/>
+            <a:endParaRPr lang="zh-CN" altLang="en-US" dirty="0"/>
+          </a:p>
+        </p:txBody>
+      </p:sp>
+      <p:sp>
+        <p:nvSpPr>
+          <p:cNvPr id="16" name="椭圆 15"/>
+          <p:cNvSpPr/>
+          <p:nvPr/>
+        </p:nvSpPr>
+        <p:spPr>
+          <a:xfrm>
+            <a:off x="5201051" y="2060848"/>
+            <a:ext cx="432048" cy="432048"/>
+          </a:xfrm>
+          <a:prstGeom prst="ellipse">
+            <a:avLst/>
+          </a:prstGeom>
+        </p:spPr>
+        <p:style>
+          <a:lnRef idx="0">
+            <a:schemeClr val="accent5"/>
+          </a:lnRef>
+          <a:fillRef idx="3">
+            <a:schemeClr val="accent5"/>
+          </a:fillRef>
+          <a:effectRef idx="3">
+            <a:schemeClr val="accent5"/>
+          </a:effectRef>
+          <a:fontRef idx="minor">
+            <a:schemeClr val="lt1"/>
+          </a:fontRef>
+        </p:style>
+        <p:txBody>
+          <a:bodyPr rtlCol="0" anchor="ctr"/>
+          <a:lstStyle/>
+          <a:p>
+            <a:pPr algn="ctr"/>
+            <a:endParaRPr lang="zh-CN" altLang="en-US" dirty="0"/>
+          </a:p>
+        </p:txBody>
+      </p:sp>
+      <p:sp>
+        <p:nvSpPr>
+          <p:cNvPr id="3" name="Rectangle 1"/>
+          <p:cNvSpPr>
+            <a:spLocks noChangeArrowheads="1"/>
+          </p:cNvSpPr>
+          <p:nvPr/>
+        </p:nvSpPr>
+        <p:spPr bwMode="auto">
+          <a:xfrm>
+            <a:off x="107504" y="3789040"/>
+            <a:ext cx="8964488" cy="553998"/>
+          </a:xfrm>
+          <a:prstGeom prst="rect">
+            <a:avLst/>
+          </a:prstGeom>
+          <a:solidFill>
+            <a:schemeClr val="bg1"/>
+          </a:solidFill>
+          <a:ln>
+            <a:noFill/>
+          </a:ln>
+          <a:effectLst/>
+        </p:spPr>
+        <p:txBody>
+          <a:bodyPr vert="horz" wrap="square" lIns="0" tIns="0" rIns="0" bIns="0" numCol="1" anchor="ctr" anchorCtr="0" compatLnSpc="1">
+            <a:prstTxWarp prst="textNoShape">
+              <a:avLst/>
+            </a:prstTxWarp>
+            <a:spAutoFit/>
+          </a:bodyPr>
+          <a:lstStyle/>
+          <a:p>
+            <a:pPr marL="0" marR="0" lvl="0" indent="0" algn="l" defTabSz="914400" rtl="0" eaLnBrk="1" fontAlgn="base" latinLnBrk="0" hangingPunct="1">
+              <a:lnSpc>
+                <a:spcPct val="100000"/>
+              </a:lnSpc>
+              <a:spcBef>
+                <a:spcPct val="0"/>
+              </a:spcBef>
+              <a:spcAft>
+                <a:spcPct val="0"/>
+              </a:spcAft>
+              <a:buClrTx/>
+              <a:buSzTx/>
+              <a:buFontTx/>
+              <a:buNone/>
+              <a:tabLst/>
+            </a:pPr>
+            <a:r>
+              <a:rPr lang="en-US" altLang="zh-CN" b="1" dirty="0">
+                <a:latin typeface="+mj-lt"/>
+                <a:ea typeface="微软雅黑" pitchFamily="34" charset="-122"/>
+                <a:cs typeface="宋体" pitchFamily="2" charset="-122"/>
+              </a:rPr>
+              <a:t>B</a:t>
+            </a:r>
+            <a:r>
+              <a:rPr kumimoji="0" lang="zh-CN" altLang="zh-CN" b="1" i="0" u="none" strike="noStrike" cap="none" normalizeH="0" baseline="0" dirty="0" smtClean="0">
+                <a:ln>
+                  <a:noFill/>
+                </a:ln>
+                <a:effectLst/>
+                <a:latin typeface="+mj-lt"/>
+                <a:ea typeface="微软雅黑" pitchFamily="34" charset="-122"/>
+                <a:cs typeface="宋体" pitchFamily="2" charset="-122"/>
+              </a:rPr>
+              <a:t>(t) = (1-t)³</a:t>
+            </a:r>
+            <a:r>
+              <a:rPr lang="en-US" altLang="zh-CN" b="1" dirty="0" smtClean="0">
+                <a:latin typeface="+mj-lt"/>
+                <a:ea typeface="微软雅黑" pitchFamily="34" charset="-122"/>
+                <a:cs typeface="宋体" pitchFamily="2" charset="-122"/>
+              </a:rPr>
+              <a:t>P0</a:t>
+            </a:r>
+            <a:r>
+              <a:rPr kumimoji="0" lang="zh-CN" altLang="zh-CN" b="1" i="0" u="none" strike="noStrike" cap="none" normalizeH="0" baseline="0" dirty="0" smtClean="0">
+                <a:ln>
+                  <a:noFill/>
+                </a:ln>
+                <a:effectLst/>
+                <a:latin typeface="+mj-lt"/>
+                <a:ea typeface="微软雅黑" pitchFamily="34" charset="-122"/>
+                <a:cs typeface="宋体" pitchFamily="2" charset="-122"/>
+              </a:rPr>
+              <a:t> + 3t(1-t)²</a:t>
+            </a:r>
+            <a:r>
+              <a:rPr kumimoji="0" lang="en-US" altLang="zh-CN" b="1" i="0" u="none" strike="noStrike" cap="none" normalizeH="0" baseline="0" dirty="0" smtClean="0">
+                <a:ln>
+                  <a:noFill/>
+                </a:ln>
+                <a:effectLst/>
+                <a:latin typeface="+mj-lt"/>
+                <a:ea typeface="微软雅黑" pitchFamily="34" charset="-122"/>
+                <a:cs typeface="宋体" pitchFamily="2" charset="-122"/>
+              </a:rPr>
+              <a:t>P1</a:t>
+            </a:r>
+            <a:r>
+              <a:rPr kumimoji="0" lang="zh-CN" altLang="zh-CN" b="1" i="0" u="none" strike="noStrike" cap="none" normalizeH="0" baseline="0" dirty="0" smtClean="0">
+                <a:ln>
+                  <a:noFill/>
+                </a:ln>
+                <a:effectLst/>
+                <a:latin typeface="+mj-lt"/>
+                <a:ea typeface="微软雅黑" pitchFamily="34" charset="-122"/>
+                <a:cs typeface="宋体" pitchFamily="2" charset="-122"/>
+              </a:rPr>
+              <a:t> + 3t²(1-t)</a:t>
+            </a:r>
+            <a:r>
+              <a:rPr kumimoji="0" lang="en-US" altLang="zh-CN" b="1" i="0" u="none" strike="noStrike" cap="none" normalizeH="0" baseline="0" dirty="0" smtClean="0">
+                <a:ln>
+                  <a:noFill/>
+                </a:ln>
+                <a:effectLst/>
+                <a:latin typeface="+mj-lt"/>
+                <a:ea typeface="微软雅黑" pitchFamily="34" charset="-122"/>
+                <a:cs typeface="宋体" pitchFamily="2" charset="-122"/>
+              </a:rPr>
+              <a:t>P2</a:t>
+            </a:r>
+            <a:r>
+              <a:rPr kumimoji="0" lang="zh-CN" altLang="zh-CN" b="1" i="0" u="none" strike="noStrike" cap="none" normalizeH="0" baseline="0" dirty="0" smtClean="0">
+                <a:ln>
+                  <a:noFill/>
+                </a:ln>
+                <a:effectLst/>
+                <a:latin typeface="+mj-lt"/>
+                <a:ea typeface="微软雅黑" pitchFamily="34" charset="-122"/>
+                <a:cs typeface="宋体" pitchFamily="2" charset="-122"/>
+              </a:rPr>
+              <a:t> + t³</a:t>
+            </a:r>
+            <a:r>
+              <a:rPr kumimoji="0" lang="en-US" altLang="zh-CN" b="1" i="0" u="none" strike="noStrike" cap="none" normalizeH="0" baseline="0" dirty="0" smtClean="0">
+                <a:ln>
+                  <a:noFill/>
+                </a:ln>
+                <a:effectLst/>
+                <a:latin typeface="+mj-lt"/>
+                <a:ea typeface="微软雅黑" pitchFamily="34" charset="-122"/>
+                <a:cs typeface="宋体" pitchFamily="2" charset="-122"/>
+              </a:rPr>
+              <a:t>P3</a:t>
+            </a:r>
+            <a:r>
+              <a:rPr kumimoji="0" lang="zh-CN" altLang="zh-CN" b="1" i="0" u="none" strike="noStrike" cap="none" normalizeH="0" baseline="0" dirty="0" smtClean="0">
+                <a:ln>
+                  <a:noFill/>
+                </a:ln>
+                <a:effectLst/>
+                <a:latin typeface="+mj-lt"/>
+                <a:ea typeface="微软雅黑" pitchFamily="34" charset="-122"/>
+                <a:cs typeface="宋体" pitchFamily="2" charset="-122"/>
+              </a:rPr>
+              <a:t> = </a:t>
+            </a:r>
+            <a:endParaRPr lang="en-US" altLang="zh-CN" b="1" dirty="0">
+              <a:latin typeface="+mj-lt"/>
+              <a:ea typeface="微软雅黑" pitchFamily="34" charset="-122"/>
+              <a:cs typeface="宋体" pitchFamily="2" charset="-122"/>
+            </a:endParaRPr>
+          </a:p>
+          <a:p>
+            <a:pPr marL="0" marR="0" lvl="0" indent="0" algn="l" defTabSz="914400" rtl="0" eaLnBrk="1" fontAlgn="base" latinLnBrk="0" hangingPunct="1">
+              <a:lnSpc>
+                <a:spcPct val="100000"/>
+              </a:lnSpc>
+              <a:spcBef>
+                <a:spcPct val="0"/>
+              </a:spcBef>
+              <a:spcAft>
+                <a:spcPct val="0"/>
+              </a:spcAft>
+              <a:buClrTx/>
+              <a:buSzTx/>
+              <a:buFontTx/>
+              <a:buNone/>
+              <a:tabLst/>
+            </a:pPr>
+            <a:r>
+              <a:rPr kumimoji="0" lang="en-US" altLang="zh-CN" b="1" i="0" u="none" strike="noStrike" cap="none" normalizeH="0" baseline="0" dirty="0" smtClean="0">
+                <a:ln>
+                  <a:noFill/>
+                </a:ln>
+                <a:effectLst/>
+                <a:latin typeface="+mj-lt"/>
+                <a:ea typeface="微软雅黑" pitchFamily="34" charset="-122"/>
+                <a:cs typeface="宋体" pitchFamily="2" charset="-122"/>
+              </a:rPr>
+              <a:t>		</a:t>
+            </a:r>
+            <a:r>
+              <a:rPr kumimoji="0" lang="zh-CN" altLang="zh-CN" b="1" i="0" u="none" strike="noStrike" cap="none" normalizeH="0" baseline="0" dirty="0" smtClean="0">
+                <a:ln>
+                  <a:noFill/>
+                </a:ln>
+                <a:effectLst/>
+                <a:latin typeface="+mj-lt"/>
+                <a:ea typeface="微软雅黑" pitchFamily="34" charset="-122"/>
+                <a:cs typeface="宋体" pitchFamily="2" charset="-122"/>
+              </a:rPr>
+              <a:t>t³(-</a:t>
+            </a:r>
+            <a:r>
+              <a:rPr kumimoji="0" lang="en-US" altLang="zh-CN" b="1" i="0" u="none" strike="noStrike" cap="none" normalizeH="0" baseline="0" dirty="0" smtClean="0">
+                <a:ln>
+                  <a:noFill/>
+                </a:ln>
+                <a:effectLst/>
+                <a:latin typeface="+mj-lt"/>
+                <a:ea typeface="微软雅黑" pitchFamily="34" charset="-122"/>
+                <a:cs typeface="宋体" pitchFamily="2" charset="-122"/>
+              </a:rPr>
+              <a:t>P0</a:t>
+            </a:r>
+            <a:r>
+              <a:rPr kumimoji="0" lang="zh-CN" altLang="zh-CN" b="1" i="0" u="none" strike="noStrike" cap="none" normalizeH="0" baseline="0" dirty="0" smtClean="0">
+                <a:ln>
+                  <a:noFill/>
+                </a:ln>
+                <a:effectLst/>
+                <a:latin typeface="+mj-lt"/>
+                <a:ea typeface="微软雅黑" pitchFamily="34" charset="-122"/>
+                <a:cs typeface="宋体" pitchFamily="2" charset="-122"/>
+              </a:rPr>
+              <a:t> + 3</a:t>
+            </a:r>
+            <a:r>
+              <a:rPr kumimoji="0" lang="en-US" altLang="zh-CN" b="1" i="0" u="none" strike="noStrike" cap="none" normalizeH="0" baseline="0" dirty="0" smtClean="0">
+                <a:ln>
+                  <a:noFill/>
+                </a:ln>
+                <a:effectLst/>
+                <a:latin typeface="+mj-lt"/>
+                <a:ea typeface="微软雅黑" pitchFamily="34" charset="-122"/>
+                <a:cs typeface="宋体" pitchFamily="2" charset="-122"/>
+              </a:rPr>
+              <a:t>P1</a:t>
+            </a:r>
+            <a:r>
+              <a:rPr kumimoji="0" lang="zh-CN" altLang="zh-CN" b="1" i="0" u="none" strike="noStrike" cap="none" normalizeH="0" baseline="0" dirty="0" smtClean="0">
+                <a:ln>
+                  <a:noFill/>
+                </a:ln>
+                <a:effectLst/>
+                <a:latin typeface="+mj-lt"/>
+                <a:ea typeface="微软雅黑" pitchFamily="34" charset="-122"/>
+                <a:cs typeface="宋体" pitchFamily="2" charset="-122"/>
+              </a:rPr>
+              <a:t> </a:t>
+            </a:r>
+            <a:r>
+              <a:rPr kumimoji="0" lang="en-US" altLang="zh-CN" b="1" i="0" u="none" strike="noStrike" cap="none" normalizeH="0" baseline="0" dirty="0" smtClean="0">
+                <a:ln>
+                  <a:noFill/>
+                </a:ln>
+                <a:effectLst/>
+                <a:latin typeface="+mj-lt"/>
+                <a:ea typeface="微软雅黑" pitchFamily="34" charset="-122"/>
+                <a:cs typeface="宋体" pitchFamily="2" charset="-122"/>
+              </a:rPr>
+              <a:t>–</a:t>
+            </a:r>
+            <a:r>
+              <a:rPr kumimoji="0" lang="zh-CN" altLang="zh-CN" b="1" i="0" u="none" strike="noStrike" cap="none" normalizeH="0" baseline="0" dirty="0" smtClean="0">
+                <a:ln>
+                  <a:noFill/>
+                </a:ln>
+                <a:effectLst/>
+                <a:latin typeface="+mj-lt"/>
+                <a:ea typeface="微软雅黑" pitchFamily="34" charset="-122"/>
+                <a:cs typeface="宋体" pitchFamily="2" charset="-122"/>
+              </a:rPr>
+              <a:t> 3</a:t>
+            </a:r>
+            <a:r>
+              <a:rPr kumimoji="0" lang="en-US" altLang="zh-CN" b="1" i="0" u="none" strike="noStrike" cap="none" normalizeH="0" baseline="0" dirty="0" smtClean="0">
+                <a:ln>
+                  <a:noFill/>
+                </a:ln>
+                <a:effectLst/>
+                <a:latin typeface="+mj-lt"/>
+                <a:ea typeface="微软雅黑" pitchFamily="34" charset="-122"/>
+                <a:cs typeface="宋体" pitchFamily="2" charset="-122"/>
+              </a:rPr>
+              <a:t>P2</a:t>
+            </a:r>
+            <a:r>
+              <a:rPr kumimoji="0" lang="zh-CN" altLang="zh-CN" b="1" i="0" u="none" strike="noStrike" cap="none" normalizeH="0" baseline="0" dirty="0" smtClean="0">
+                <a:ln>
+                  <a:noFill/>
+                </a:ln>
+                <a:effectLst/>
+                <a:latin typeface="+mj-lt"/>
+                <a:ea typeface="微软雅黑" pitchFamily="34" charset="-122"/>
+                <a:cs typeface="宋体" pitchFamily="2" charset="-122"/>
+              </a:rPr>
+              <a:t> + </a:t>
+            </a:r>
+            <a:r>
+              <a:rPr kumimoji="0" lang="en-US" altLang="zh-CN" b="1" i="0" u="none" strike="noStrike" cap="none" normalizeH="0" baseline="0" dirty="0" smtClean="0">
+                <a:ln>
+                  <a:noFill/>
+                </a:ln>
+                <a:effectLst/>
+                <a:latin typeface="+mj-lt"/>
+                <a:ea typeface="微软雅黑" pitchFamily="34" charset="-122"/>
+                <a:cs typeface="宋体" pitchFamily="2" charset="-122"/>
+              </a:rPr>
+              <a:t>P3</a:t>
+            </a:r>
+            <a:r>
+              <a:rPr kumimoji="0" lang="zh-CN" altLang="zh-CN" b="1" i="0" u="none" strike="noStrike" cap="none" normalizeH="0" baseline="0" dirty="0" smtClean="0">
+                <a:ln>
+                  <a:noFill/>
+                </a:ln>
+                <a:effectLst/>
+                <a:latin typeface="+mj-lt"/>
+                <a:ea typeface="微软雅黑" pitchFamily="34" charset="-122"/>
+                <a:cs typeface="宋体" pitchFamily="2" charset="-122"/>
+              </a:rPr>
+              <a:t>) + t²(3</a:t>
+            </a:r>
+            <a:r>
+              <a:rPr kumimoji="0" lang="en-US" altLang="zh-CN" b="1" i="0" u="none" strike="noStrike" cap="none" normalizeH="0" baseline="0" dirty="0" smtClean="0">
+                <a:ln>
+                  <a:noFill/>
+                </a:ln>
+                <a:effectLst/>
+                <a:latin typeface="+mj-lt"/>
+                <a:ea typeface="微软雅黑" pitchFamily="34" charset="-122"/>
+                <a:cs typeface="宋体" pitchFamily="2" charset="-122"/>
+              </a:rPr>
+              <a:t>P1</a:t>
+            </a:r>
+            <a:r>
+              <a:rPr kumimoji="0" lang="zh-CN" altLang="zh-CN" b="1" i="0" u="none" strike="noStrike" cap="none" normalizeH="0" baseline="0" dirty="0" smtClean="0">
+                <a:ln>
+                  <a:noFill/>
+                </a:ln>
+                <a:effectLst/>
+                <a:latin typeface="+mj-lt"/>
+                <a:ea typeface="微软雅黑" pitchFamily="34" charset="-122"/>
+                <a:cs typeface="宋体" pitchFamily="2" charset="-122"/>
+              </a:rPr>
+              <a:t> </a:t>
+            </a:r>
+            <a:r>
+              <a:rPr kumimoji="0" lang="en-US" altLang="zh-CN" b="1" i="0" u="none" strike="noStrike" cap="none" normalizeH="0" baseline="0" dirty="0" smtClean="0">
+                <a:ln>
+                  <a:noFill/>
+                </a:ln>
+                <a:effectLst/>
+                <a:latin typeface="+mj-lt"/>
+                <a:ea typeface="微软雅黑" pitchFamily="34" charset="-122"/>
+                <a:cs typeface="宋体" pitchFamily="2" charset="-122"/>
+              </a:rPr>
+              <a:t>–</a:t>
+            </a:r>
+            <a:r>
+              <a:rPr kumimoji="0" lang="zh-CN" altLang="zh-CN" b="1" i="0" u="none" strike="noStrike" cap="none" normalizeH="0" baseline="0" dirty="0" smtClean="0">
+                <a:ln>
+                  <a:noFill/>
+                </a:ln>
+                <a:effectLst/>
+                <a:latin typeface="+mj-lt"/>
+                <a:ea typeface="微软雅黑" pitchFamily="34" charset="-122"/>
+                <a:cs typeface="宋体" pitchFamily="2" charset="-122"/>
+              </a:rPr>
+              <a:t> 6</a:t>
+            </a:r>
+            <a:r>
+              <a:rPr kumimoji="0" lang="en-US" altLang="zh-CN" b="1" i="0" u="none" strike="noStrike" cap="none" normalizeH="0" baseline="0" dirty="0" smtClean="0">
+                <a:ln>
+                  <a:noFill/>
+                </a:ln>
+                <a:effectLst/>
+                <a:latin typeface="+mj-lt"/>
+                <a:ea typeface="微软雅黑" pitchFamily="34" charset="-122"/>
+                <a:cs typeface="宋体" pitchFamily="2" charset="-122"/>
+              </a:rPr>
+              <a:t>P2</a:t>
+            </a:r>
+            <a:r>
+              <a:rPr kumimoji="0" lang="zh-CN" altLang="zh-CN" b="1" i="0" u="none" strike="noStrike" cap="none" normalizeH="0" baseline="0" dirty="0" smtClean="0">
+                <a:ln>
+                  <a:noFill/>
+                </a:ln>
+                <a:effectLst/>
+                <a:latin typeface="+mj-lt"/>
+                <a:ea typeface="微软雅黑" pitchFamily="34" charset="-122"/>
+                <a:cs typeface="宋体" pitchFamily="2" charset="-122"/>
+              </a:rPr>
+              <a:t> + 3</a:t>
+            </a:r>
+            <a:r>
+              <a:rPr kumimoji="0" lang="en-US" altLang="zh-CN" b="1" i="0" u="none" strike="noStrike" cap="none" normalizeH="0" baseline="0" dirty="0" smtClean="0">
+                <a:ln>
+                  <a:noFill/>
+                </a:ln>
+                <a:effectLst/>
+                <a:latin typeface="+mj-lt"/>
+                <a:ea typeface="微软雅黑" pitchFamily="34" charset="-122"/>
+                <a:cs typeface="宋体" pitchFamily="2" charset="-122"/>
+              </a:rPr>
+              <a:t>P3</a:t>
+            </a:r>
+            <a:r>
+              <a:rPr kumimoji="0" lang="zh-CN" altLang="zh-CN" b="1" i="0" u="none" strike="noStrike" cap="none" normalizeH="0" baseline="0" dirty="0" smtClean="0">
+                <a:ln>
+                  <a:noFill/>
+                </a:ln>
+                <a:effectLst/>
+                <a:latin typeface="+mj-lt"/>
+                <a:ea typeface="微软雅黑" pitchFamily="34" charset="-122"/>
+                <a:cs typeface="宋体" pitchFamily="2" charset="-122"/>
+              </a:rPr>
+              <a:t>) +</a:t>
+            </a:r>
+            <a:r>
+              <a:rPr lang="en-US" altLang="zh-CN" b="1" dirty="0">
+                <a:latin typeface="+mj-lt"/>
+                <a:ea typeface="微软雅黑" pitchFamily="34" charset="-122"/>
+                <a:cs typeface="宋体" pitchFamily="2" charset="-122"/>
+              </a:rPr>
+              <a:t> </a:t>
+            </a:r>
+            <a:r>
+              <a:rPr kumimoji="0" lang="zh-CN" altLang="zh-CN" b="1" i="0" u="none" strike="noStrike" cap="none" normalizeH="0" baseline="0" dirty="0" smtClean="0">
+                <a:ln>
+                  <a:noFill/>
+                </a:ln>
+                <a:effectLst/>
+                <a:latin typeface="+mj-lt"/>
+                <a:ea typeface="微软雅黑" pitchFamily="34" charset="-122"/>
+                <a:cs typeface="宋体" pitchFamily="2" charset="-122"/>
+              </a:rPr>
+              <a:t>t(-3</a:t>
+            </a:r>
+            <a:r>
+              <a:rPr kumimoji="0" lang="en-US" altLang="zh-CN" b="1" i="0" u="none" strike="noStrike" cap="none" normalizeH="0" baseline="0" dirty="0" smtClean="0">
+                <a:ln>
+                  <a:noFill/>
+                </a:ln>
+                <a:effectLst/>
+                <a:latin typeface="+mj-lt"/>
+                <a:ea typeface="微软雅黑" pitchFamily="34" charset="-122"/>
+                <a:cs typeface="宋体" pitchFamily="2" charset="-122"/>
+              </a:rPr>
+              <a:t>P0</a:t>
+            </a:r>
+            <a:r>
+              <a:rPr kumimoji="0" lang="zh-CN" altLang="zh-CN" b="1" i="0" u="none" strike="noStrike" cap="none" normalizeH="0" baseline="0" dirty="0" smtClean="0">
+                <a:ln>
+                  <a:noFill/>
+                </a:ln>
+                <a:effectLst/>
+                <a:latin typeface="+mj-lt"/>
+                <a:ea typeface="微软雅黑" pitchFamily="34" charset="-122"/>
+                <a:cs typeface="宋体" pitchFamily="2" charset="-122"/>
+              </a:rPr>
+              <a:t> + 3</a:t>
+            </a:r>
+            <a:r>
+              <a:rPr kumimoji="0" lang="en-US" altLang="zh-CN" b="1" i="0" u="none" strike="noStrike" cap="none" normalizeH="0" baseline="0" dirty="0" smtClean="0">
+                <a:ln>
+                  <a:noFill/>
+                </a:ln>
+                <a:effectLst/>
+                <a:latin typeface="+mj-lt"/>
+                <a:ea typeface="微软雅黑" pitchFamily="34" charset="-122"/>
+                <a:cs typeface="宋体" pitchFamily="2" charset="-122"/>
+              </a:rPr>
+              <a:t>P1</a:t>
+            </a:r>
+            <a:r>
+              <a:rPr kumimoji="0" lang="zh-CN" altLang="zh-CN" b="1" i="0" u="none" strike="noStrike" cap="none" normalizeH="0" baseline="0" dirty="0" smtClean="0">
+                <a:ln>
+                  <a:noFill/>
+                </a:ln>
+                <a:effectLst/>
+                <a:latin typeface="+mj-lt"/>
+                <a:ea typeface="微软雅黑" pitchFamily="34" charset="-122"/>
+                <a:cs typeface="宋体" pitchFamily="2" charset="-122"/>
+              </a:rPr>
+              <a:t>) + </a:t>
+            </a:r>
+            <a:r>
+              <a:rPr lang="en-US" altLang="zh-CN" b="1" dirty="0" smtClean="0">
+                <a:latin typeface="+mj-lt"/>
+                <a:ea typeface="微软雅黑" pitchFamily="34" charset="-122"/>
+                <a:cs typeface="宋体" pitchFamily="2" charset="-122"/>
+              </a:rPr>
+              <a:t>P0</a:t>
+            </a:r>
+            <a:r>
+              <a:rPr kumimoji="0" lang="zh-CN" altLang="zh-CN" b="1" i="0" u="none" strike="noStrike" cap="none" normalizeH="0" baseline="0" dirty="0" smtClean="0">
+                <a:ln>
+                  <a:noFill/>
+                </a:ln>
+                <a:effectLst/>
+                <a:latin typeface="+mj-lt"/>
+                <a:ea typeface="微软雅黑" pitchFamily="34" charset="-122"/>
+                <a:cs typeface="宋体" pitchFamily="2" charset="-122"/>
+              </a:rPr>
+              <a:t> </a:t>
+            </a:r>
+          </a:p>
+        </p:txBody>
+      </p:sp>
+      <p:sp>
+        <p:nvSpPr>
+          <p:cNvPr id="4" name="Rectangle 2"/>
+          <p:cNvSpPr>
+            <a:spLocks noChangeArrowheads="1"/>
+          </p:cNvSpPr>
+          <p:nvPr/>
+        </p:nvSpPr>
+        <p:spPr bwMode="auto">
+          <a:xfrm>
+            <a:off x="36512" y="4727847"/>
+            <a:ext cx="8760412" cy="307777"/>
+          </a:xfrm>
+          <a:prstGeom prst="rect">
+            <a:avLst/>
+          </a:prstGeom>
+          <a:solidFill>
+            <a:srgbClr val="EFF0F1"/>
+          </a:solidFill>
+          <a:ln>
+            <a:noFill/>
+          </a:ln>
+          <a:effectLst/>
+          <a:extLst>
+            <a:ext uri="{91240B29-F687-4F45-9708-019B960494DF}">
+              <a14:hiddenLine xmlns:a14="http://schemas.microsoft.com/office/drawing/2010/main" w="9525">
+                <a:solidFill>
+                  <a:schemeClr val="tx1"/>
+                </a:solidFill>
+                <a:miter lim="800000"/>
+                <a:headEnd/>
+                <a:tailEnd/>
+              </a14:hiddenLine>
+            </a:ext>
+            <a:ext uri="{AF507438-7753-43E0-B8FC-AC1667EBCBE1}">
+              <a14:hiddenEffects xmlns:a14="http://schemas.microsoft.com/office/drawing/2010/main">
+                <a:effectLst>
+                  <a:outerShdw dist="35921" dir="2700000" algn="ctr" rotWithShape="0">
+                    <a:schemeClr val="bg2"/>
+                  </a:outerShdw>
+                </a:effectLst>
+              </a14:hiddenEffects>
+            </a:ext>
+          </a:extLst>
+        </p:spPr>
+        <p:txBody>
+          <a:bodyPr vert="horz" wrap="none" lIns="0" tIns="0" rIns="0" bIns="0" numCol="1" anchor="ctr" anchorCtr="0" compatLnSpc="1">
+            <a:prstTxWarp prst="textNoShape">
+              <a:avLst/>
+            </a:prstTxWarp>
+            <a:spAutoFit/>
+          </a:bodyPr>
+          <a:lstStyle/>
+          <a:p>
+            <a:pPr marL="0" marR="0" lvl="0" indent="0" algn="l" defTabSz="914400" rtl="0" eaLnBrk="1" fontAlgn="base" latinLnBrk="0" hangingPunct="1">
+              <a:lnSpc>
+                <a:spcPct val="100000"/>
+              </a:lnSpc>
+              <a:spcBef>
+                <a:spcPct val="0"/>
+              </a:spcBef>
+              <a:spcAft>
+                <a:spcPct val="0"/>
+              </a:spcAft>
+              <a:buClrTx/>
+              <a:buSzTx/>
+              <a:buFontTx/>
+              <a:buNone/>
+              <a:tabLst/>
+            </a:pPr>
+            <a:r>
+              <a:rPr kumimoji="0" lang="zh-CN" altLang="zh-CN" sz="2000" b="1" i="0" u="none" strike="noStrike" cap="none" normalizeH="0" baseline="0" dirty="0" smtClean="0">
+                <a:ln>
+                  <a:noFill/>
+                </a:ln>
+                <a:solidFill>
+                  <a:srgbClr val="303336"/>
+                </a:solidFill>
+                <a:effectLst/>
+                <a:latin typeface="Consolas" pitchFamily="49" charset="0"/>
+                <a:ea typeface="inherit"/>
+                <a:cs typeface="宋体" pitchFamily="2" charset="-122"/>
+              </a:rPr>
+              <a:t>dM/dt = t</a:t>
+            </a:r>
+            <a:r>
+              <a:rPr kumimoji="0" lang="zh-CN" altLang="zh-CN" sz="2000" b="1" i="0" u="none" strike="noStrike" cap="none" normalizeH="0" baseline="0" dirty="0" smtClean="0">
+                <a:ln>
+                  <a:noFill/>
+                </a:ln>
+                <a:solidFill>
+                  <a:srgbClr val="303336"/>
+                </a:solidFill>
+                <a:effectLst/>
+                <a:latin typeface="Arial"/>
+                <a:ea typeface="inherit"/>
+                <a:cs typeface="宋体" pitchFamily="2" charset="-122"/>
+              </a:rPr>
+              <a:t>²</a:t>
+            </a:r>
+            <a:r>
+              <a:rPr kumimoji="0" lang="zh-CN" altLang="zh-CN" sz="2000" b="1" i="0" u="none" strike="noStrike" cap="none" normalizeH="0" baseline="0" dirty="0" smtClean="0">
+                <a:ln>
+                  <a:noFill/>
+                </a:ln>
+                <a:solidFill>
+                  <a:srgbClr val="303336"/>
+                </a:solidFill>
+                <a:effectLst/>
+                <a:latin typeface="Consolas" pitchFamily="49" charset="0"/>
+                <a:ea typeface="inherit"/>
+                <a:cs typeface="宋体" pitchFamily="2" charset="-122"/>
+              </a:rPr>
+              <a:t>(-</a:t>
+            </a:r>
+            <a:r>
+              <a:rPr kumimoji="0" lang="zh-CN" altLang="zh-CN" sz="2000" b="1" i="0" u="none" strike="noStrike" cap="none" normalizeH="0" baseline="0" dirty="0" smtClean="0">
+                <a:ln>
+                  <a:noFill/>
+                </a:ln>
+                <a:solidFill>
+                  <a:srgbClr val="7D2727"/>
+                </a:solidFill>
+                <a:effectLst/>
+                <a:latin typeface="Consolas" pitchFamily="49" charset="0"/>
+                <a:ea typeface="inherit"/>
+                <a:cs typeface="宋体" pitchFamily="2" charset="-122"/>
+              </a:rPr>
+              <a:t>3A</a:t>
+            </a:r>
+            <a:r>
+              <a:rPr kumimoji="0" lang="zh-CN" altLang="zh-CN" sz="2000" b="1" i="0" u="none" strike="noStrike" cap="none" normalizeH="0" baseline="0" dirty="0" smtClean="0">
+                <a:ln>
+                  <a:noFill/>
+                </a:ln>
+                <a:solidFill>
+                  <a:srgbClr val="303336"/>
+                </a:solidFill>
+                <a:effectLst/>
+                <a:latin typeface="Consolas" pitchFamily="49" charset="0"/>
+                <a:ea typeface="inherit"/>
+                <a:cs typeface="宋体" pitchFamily="2" charset="-122"/>
+              </a:rPr>
+              <a:t> + </a:t>
+            </a:r>
+            <a:r>
+              <a:rPr kumimoji="0" lang="zh-CN" altLang="zh-CN" sz="2000" b="1" i="0" u="none" strike="noStrike" cap="none" normalizeH="0" baseline="0" dirty="0" smtClean="0">
+                <a:ln>
+                  <a:noFill/>
+                </a:ln>
+                <a:solidFill>
+                  <a:srgbClr val="7D2727"/>
+                </a:solidFill>
+                <a:effectLst/>
+                <a:latin typeface="Consolas" pitchFamily="49" charset="0"/>
+                <a:ea typeface="inherit"/>
+                <a:cs typeface="宋体" pitchFamily="2" charset="-122"/>
+              </a:rPr>
+              <a:t>9B</a:t>
+            </a:r>
+            <a:r>
+              <a:rPr kumimoji="0" lang="zh-CN" altLang="zh-CN" sz="2000" b="1" i="0" u="none" strike="noStrike" cap="none" normalizeH="0" baseline="0" dirty="0" smtClean="0">
+                <a:ln>
+                  <a:noFill/>
+                </a:ln>
+                <a:solidFill>
+                  <a:srgbClr val="303336"/>
+                </a:solidFill>
+                <a:effectLst/>
+                <a:latin typeface="Consolas" pitchFamily="49" charset="0"/>
+                <a:ea typeface="inherit"/>
+                <a:cs typeface="宋体" pitchFamily="2" charset="-122"/>
+              </a:rPr>
+              <a:t> - </a:t>
+            </a:r>
+            <a:r>
+              <a:rPr kumimoji="0" lang="zh-CN" altLang="zh-CN" sz="2000" b="1" i="0" u="none" strike="noStrike" cap="none" normalizeH="0" baseline="0" dirty="0" smtClean="0">
+                <a:ln>
+                  <a:noFill/>
+                </a:ln>
+                <a:solidFill>
+                  <a:srgbClr val="7D2727"/>
+                </a:solidFill>
+                <a:effectLst/>
+                <a:latin typeface="Consolas" pitchFamily="49" charset="0"/>
+                <a:ea typeface="inherit"/>
+                <a:cs typeface="宋体" pitchFamily="2" charset="-122"/>
+              </a:rPr>
+              <a:t>9C</a:t>
+            </a:r>
+            <a:r>
+              <a:rPr kumimoji="0" lang="zh-CN" altLang="zh-CN" sz="2000" b="1" i="0" u="none" strike="noStrike" cap="none" normalizeH="0" baseline="0" dirty="0" smtClean="0">
+                <a:ln>
+                  <a:noFill/>
+                </a:ln>
+                <a:solidFill>
+                  <a:srgbClr val="303336"/>
+                </a:solidFill>
+                <a:effectLst/>
+                <a:latin typeface="Consolas" pitchFamily="49" charset="0"/>
+                <a:ea typeface="inherit"/>
+                <a:cs typeface="宋体" pitchFamily="2" charset="-122"/>
+              </a:rPr>
+              <a:t> + </a:t>
+            </a:r>
+            <a:r>
+              <a:rPr kumimoji="0" lang="zh-CN" altLang="zh-CN" sz="2000" b="1" i="0" u="none" strike="noStrike" cap="none" normalizeH="0" baseline="0" dirty="0" smtClean="0">
+                <a:ln>
+                  <a:noFill/>
+                </a:ln>
+                <a:solidFill>
+                  <a:srgbClr val="7D2727"/>
+                </a:solidFill>
+                <a:effectLst/>
+                <a:latin typeface="Consolas" pitchFamily="49" charset="0"/>
+                <a:ea typeface="inherit"/>
+                <a:cs typeface="宋体" pitchFamily="2" charset="-122"/>
+              </a:rPr>
+              <a:t>3D</a:t>
+            </a:r>
+            <a:r>
+              <a:rPr kumimoji="0" lang="zh-CN" altLang="zh-CN" sz="2000" b="1" i="0" u="none" strike="noStrike" cap="none" normalizeH="0" baseline="0" dirty="0" smtClean="0">
+                <a:ln>
+                  <a:noFill/>
+                </a:ln>
+                <a:solidFill>
+                  <a:srgbClr val="303336"/>
+                </a:solidFill>
+                <a:effectLst/>
+                <a:latin typeface="Consolas" pitchFamily="49" charset="0"/>
+                <a:ea typeface="inherit"/>
+                <a:cs typeface="宋体" pitchFamily="2" charset="-122"/>
+              </a:rPr>
+              <a:t>) + t(</a:t>
+            </a:r>
+            <a:r>
+              <a:rPr kumimoji="0" lang="zh-CN" altLang="zh-CN" sz="2000" b="1" i="0" u="none" strike="noStrike" cap="none" normalizeH="0" baseline="0" dirty="0" smtClean="0">
+                <a:ln>
+                  <a:noFill/>
+                </a:ln>
+                <a:solidFill>
+                  <a:srgbClr val="7D2727"/>
+                </a:solidFill>
+                <a:effectLst/>
+                <a:latin typeface="Consolas" pitchFamily="49" charset="0"/>
+                <a:ea typeface="inherit"/>
+                <a:cs typeface="宋体" pitchFamily="2" charset="-122"/>
+              </a:rPr>
+              <a:t>6A</a:t>
+            </a:r>
+            <a:r>
+              <a:rPr kumimoji="0" lang="zh-CN" altLang="zh-CN" sz="2000" b="1" i="0" u="none" strike="noStrike" cap="none" normalizeH="0" baseline="0" dirty="0" smtClean="0">
+                <a:ln>
+                  <a:noFill/>
+                </a:ln>
+                <a:solidFill>
+                  <a:srgbClr val="303336"/>
+                </a:solidFill>
+                <a:effectLst/>
+                <a:latin typeface="Consolas" pitchFamily="49" charset="0"/>
+                <a:ea typeface="inherit"/>
+                <a:cs typeface="宋体" pitchFamily="2" charset="-122"/>
+              </a:rPr>
+              <a:t> - </a:t>
+            </a:r>
+            <a:r>
+              <a:rPr kumimoji="0" lang="zh-CN" altLang="zh-CN" sz="2000" b="1" i="0" u="none" strike="noStrike" cap="none" normalizeH="0" baseline="0" dirty="0" smtClean="0">
+                <a:ln>
+                  <a:noFill/>
+                </a:ln>
+                <a:solidFill>
+                  <a:srgbClr val="7D2727"/>
+                </a:solidFill>
+                <a:effectLst/>
+                <a:latin typeface="Consolas" pitchFamily="49" charset="0"/>
+                <a:ea typeface="inherit"/>
+                <a:cs typeface="宋体" pitchFamily="2" charset="-122"/>
+              </a:rPr>
+              <a:t>12B</a:t>
+            </a:r>
+            <a:r>
+              <a:rPr kumimoji="0" lang="zh-CN" altLang="zh-CN" sz="2000" b="1" i="0" u="none" strike="noStrike" cap="none" normalizeH="0" baseline="0" dirty="0" smtClean="0">
+                <a:ln>
+                  <a:noFill/>
+                </a:ln>
+                <a:solidFill>
+                  <a:srgbClr val="303336"/>
+                </a:solidFill>
+                <a:effectLst/>
+                <a:latin typeface="Consolas" pitchFamily="49" charset="0"/>
+                <a:ea typeface="inherit"/>
+                <a:cs typeface="宋体" pitchFamily="2" charset="-122"/>
+              </a:rPr>
+              <a:t> + </a:t>
+            </a:r>
+            <a:r>
+              <a:rPr kumimoji="0" lang="zh-CN" altLang="zh-CN" sz="2000" b="1" i="0" u="none" strike="noStrike" cap="none" normalizeH="0" baseline="0" dirty="0" smtClean="0">
+                <a:ln>
+                  <a:noFill/>
+                </a:ln>
+                <a:solidFill>
+                  <a:srgbClr val="7D2727"/>
+                </a:solidFill>
+                <a:effectLst/>
+                <a:latin typeface="Consolas" pitchFamily="49" charset="0"/>
+                <a:ea typeface="inherit"/>
+                <a:cs typeface="宋体" pitchFamily="2" charset="-122"/>
+              </a:rPr>
+              <a:t>6C</a:t>
+            </a:r>
+            <a:r>
+              <a:rPr kumimoji="0" lang="zh-CN" altLang="zh-CN" sz="2000" b="1" i="0" u="none" strike="noStrike" cap="none" normalizeH="0" baseline="0" dirty="0" smtClean="0">
+                <a:ln>
+                  <a:noFill/>
+                </a:ln>
+                <a:solidFill>
+                  <a:srgbClr val="303336"/>
+                </a:solidFill>
+                <a:effectLst/>
+                <a:latin typeface="Consolas" pitchFamily="49" charset="0"/>
+                <a:ea typeface="inherit"/>
+                <a:cs typeface="宋体" pitchFamily="2" charset="-122"/>
+              </a:rPr>
+              <a:t>) + (-</a:t>
+            </a:r>
+            <a:r>
+              <a:rPr kumimoji="0" lang="zh-CN" altLang="zh-CN" sz="2000" b="1" i="0" u="none" strike="noStrike" cap="none" normalizeH="0" baseline="0" dirty="0" smtClean="0">
+                <a:ln>
+                  <a:noFill/>
+                </a:ln>
+                <a:solidFill>
+                  <a:srgbClr val="7D2727"/>
+                </a:solidFill>
+                <a:effectLst/>
+                <a:latin typeface="Consolas" pitchFamily="49" charset="0"/>
+                <a:ea typeface="inherit"/>
+                <a:cs typeface="宋体" pitchFamily="2" charset="-122"/>
+              </a:rPr>
+              <a:t>3A</a:t>
+            </a:r>
+            <a:r>
+              <a:rPr kumimoji="0" lang="zh-CN" altLang="zh-CN" sz="2000" b="1" i="0" u="none" strike="noStrike" cap="none" normalizeH="0" baseline="0" dirty="0" smtClean="0">
+                <a:ln>
+                  <a:noFill/>
+                </a:ln>
+                <a:solidFill>
+                  <a:srgbClr val="303336"/>
+                </a:solidFill>
+                <a:effectLst/>
+                <a:latin typeface="Consolas" pitchFamily="49" charset="0"/>
+                <a:ea typeface="inherit"/>
+                <a:cs typeface="宋体" pitchFamily="2" charset="-122"/>
+              </a:rPr>
+              <a:t> + </a:t>
+            </a:r>
+            <a:r>
+              <a:rPr kumimoji="0" lang="zh-CN" altLang="zh-CN" sz="2000" b="1" i="0" u="none" strike="noStrike" cap="none" normalizeH="0" baseline="0" dirty="0" smtClean="0">
+                <a:ln>
+                  <a:noFill/>
+                </a:ln>
+                <a:solidFill>
+                  <a:srgbClr val="7D2727"/>
+                </a:solidFill>
+                <a:effectLst/>
+                <a:latin typeface="Consolas" pitchFamily="49" charset="0"/>
+                <a:ea typeface="inherit"/>
+                <a:cs typeface="宋体" pitchFamily="2" charset="-122"/>
+              </a:rPr>
+              <a:t>3B</a:t>
+            </a:r>
+            <a:r>
+              <a:rPr kumimoji="0" lang="zh-CN" altLang="zh-CN" sz="2000" b="1" i="0" u="none" strike="noStrike" cap="none" normalizeH="0" baseline="0" dirty="0" smtClean="0">
+                <a:ln>
+                  <a:noFill/>
+                </a:ln>
+                <a:solidFill>
+                  <a:srgbClr val="303336"/>
+                </a:solidFill>
+                <a:effectLst/>
+                <a:latin typeface="Consolas" pitchFamily="49" charset="0"/>
+                <a:ea typeface="inherit"/>
+                <a:cs typeface="宋体" pitchFamily="2" charset="-122"/>
+              </a:rPr>
+              <a:t>)</a:t>
+            </a:r>
+            <a:r>
+              <a:rPr kumimoji="0" lang="zh-CN" altLang="zh-CN" sz="2000" b="1" i="0" u="none" strike="noStrike" cap="none" normalizeH="0" baseline="0" dirty="0" smtClean="0">
+                <a:ln>
+                  <a:noFill/>
+                </a:ln>
+                <a:solidFill>
+                  <a:schemeClr val="tx1"/>
+                </a:solidFill>
+                <a:effectLst/>
+                <a:latin typeface="Arial" pitchFamily="34" charset="0"/>
+                <a:ea typeface="宋体" pitchFamily="2" charset="-122"/>
+                <a:cs typeface="宋体" pitchFamily="2" charset="-122"/>
+              </a:rPr>
+              <a:t> </a:t>
+            </a:r>
+          </a:p>
+        </p:txBody>
+      </p:sp>
+      <p:sp>
+        <p:nvSpPr>
+          <p:cNvPr id="17" name="矩形 16"/>
+          <p:cNvSpPr/>
+          <p:nvPr/>
+        </p:nvSpPr>
+        <p:spPr>
+          <a:xfrm>
+            <a:off x="-45456" y="5413866"/>
+            <a:ext cx="2308645" cy="369332"/>
           </a:xfrm>
           <a:prstGeom prst="rect">
             <a:avLst/>
@@ -3243,86 +4931,215 @@
           <a:lstStyle/>
           <a:p>
             <a:r>
+              <a:rPr lang="pt-BR" altLang="zh-CN" b="1" dirty="0"/>
+              <a:t>v1 = -3A + 9B - 9C + 3D</a:t>
+            </a:r>
+            <a:endParaRPr lang="zh-CN" altLang="en-US" b="1" dirty="0"/>
+          </a:p>
+        </p:txBody>
+      </p:sp>
+      <p:sp>
+        <p:nvSpPr>
+          <p:cNvPr id="18" name="矩形 17"/>
+          <p:cNvSpPr/>
+          <p:nvPr/>
+        </p:nvSpPr>
+        <p:spPr>
+          <a:xfrm>
+            <a:off x="2410748" y="5413866"/>
+            <a:ext cx="1874231" cy="369332"/>
+          </a:xfrm>
+          <a:prstGeom prst="rect">
+            <a:avLst/>
+          </a:prstGeom>
+        </p:spPr>
+        <p:txBody>
+          <a:bodyPr wrap="none">
+            <a:spAutoFit/>
+          </a:bodyPr>
+          <a:lstStyle/>
+          <a:p>
+            <a:r>
               <a:rPr lang="en-US" altLang="zh-CN" b="1" dirty="0"/>
-              <a:t>B(</a:t>
-            </a:r>
-            <a:r>
-              <a:rPr lang="en-US" altLang="zh-CN" b="1" i="1" dirty="0"/>
-              <a:t>t</a:t>
-            </a:r>
+              <a:t>v2 = 6A - 12B + 6C</a:t>
+            </a:r>
+            <a:endParaRPr lang="zh-CN" altLang="en-US" b="1" dirty="0"/>
+          </a:p>
+        </p:txBody>
+      </p:sp>
+      <p:sp>
+        <p:nvSpPr>
+          <p:cNvPr id="19" name="矩形 18"/>
+          <p:cNvSpPr/>
+          <p:nvPr/>
+        </p:nvSpPr>
+        <p:spPr>
+          <a:xfrm>
+            <a:off x="4644211" y="5413866"/>
+            <a:ext cx="1426994" cy="369332"/>
+          </a:xfrm>
+          <a:prstGeom prst="rect">
+            <a:avLst/>
+          </a:prstGeom>
+        </p:spPr>
+        <p:txBody>
+          <a:bodyPr wrap="none">
+            <a:spAutoFit/>
+          </a:bodyPr>
+          <a:lstStyle/>
+          <a:p>
             <a:r>
               <a:rPr lang="en-US" altLang="zh-CN" b="1" dirty="0"/>
-              <a:t>) = (1 - </a:t>
-            </a:r>
-            <a:r>
-              <a:rPr lang="en-US" altLang="zh-CN" b="1" i="1" dirty="0"/>
-              <a:t>t</a:t>
-            </a:r>
-            <a:r>
-              <a:rPr lang="en-US" altLang="zh-CN" b="1" dirty="0"/>
-              <a:t>)</a:t>
-            </a:r>
-            <a:r>
-              <a:rPr lang="en-US" altLang="zh-CN" b="1" baseline="30000" dirty="0"/>
-              <a:t>2</a:t>
-            </a:r>
-            <a:r>
-              <a:rPr lang="en-US" altLang="zh-CN" b="1" dirty="0"/>
-              <a:t> P</a:t>
-            </a:r>
-            <a:r>
-              <a:rPr lang="en-US" altLang="zh-CN" b="1" baseline="-25000" dirty="0"/>
-              <a:t>0</a:t>
-            </a:r>
-            <a:r>
-              <a:rPr lang="en-US" altLang="zh-CN" b="1" dirty="0"/>
-              <a:t> + 2 (1 - </a:t>
-            </a:r>
-            <a:r>
-              <a:rPr lang="en-US" altLang="zh-CN" b="1" i="1" dirty="0"/>
-              <a:t>t</a:t>
-            </a:r>
-            <a:r>
-              <a:rPr lang="en-US" altLang="zh-CN" b="1" dirty="0"/>
-              <a:t>) </a:t>
-            </a:r>
-            <a:r>
-              <a:rPr lang="en-US" altLang="zh-CN" b="1" i="1" dirty="0"/>
-              <a:t>t</a:t>
-            </a:r>
-            <a:r>
-              <a:rPr lang="en-US" altLang="zh-CN" b="1" dirty="0"/>
-              <a:t> P</a:t>
-            </a:r>
-            <a:r>
-              <a:rPr lang="en-US" altLang="zh-CN" b="1" baseline="-25000" dirty="0"/>
-              <a:t>1</a:t>
-            </a:r>
-            <a:r>
-              <a:rPr lang="en-US" altLang="zh-CN" b="1" dirty="0"/>
-              <a:t> + </a:t>
-            </a:r>
-            <a:r>
-              <a:rPr lang="en-US" altLang="zh-CN" b="1" i="1" dirty="0"/>
-              <a:t>t</a:t>
-            </a:r>
-            <a:r>
-              <a:rPr lang="en-US" altLang="zh-CN" b="1" baseline="30000" dirty="0"/>
-              <a:t>2</a:t>
-            </a:r>
-            <a:r>
-              <a:rPr lang="en-US" altLang="zh-CN" b="1" dirty="0"/>
-              <a:t> P</a:t>
-            </a:r>
-            <a:r>
-              <a:rPr lang="en-US" altLang="zh-CN" b="1" baseline="-25000" dirty="0"/>
-              <a:t>2</a:t>
-            </a:r>
-            <a:r>
-              <a:rPr lang="en-US" altLang="zh-CN" dirty="0"/>
-              <a:t>.</a:t>
-            </a:r>
-            <a:endParaRPr lang="zh-CN" altLang="en-US" dirty="0"/>
+              <a:t>v3 = -3A + 3B</a:t>
+            </a:r>
+            <a:endParaRPr lang="zh-CN" altLang="en-US" b="1" dirty="0"/>
+          </a:p>
+        </p:txBody>
+      </p:sp>
+      <p:sp>
+        <p:nvSpPr>
+          <p:cNvPr id="20" name="Rectangle 3"/>
+          <p:cNvSpPr>
+            <a:spLocks noChangeArrowheads="1"/>
+          </p:cNvSpPr>
+          <p:nvPr/>
+        </p:nvSpPr>
+        <p:spPr bwMode="auto">
+          <a:xfrm>
+            <a:off x="0" y="6255404"/>
+            <a:ext cx="5762796" cy="276999"/>
+          </a:xfrm>
+          <a:prstGeom prst="rect">
+            <a:avLst/>
+          </a:prstGeom>
+          <a:solidFill>
+            <a:srgbClr val="EFF0F1"/>
+          </a:solidFill>
+          <a:ln>
+            <a:noFill/>
+          </a:ln>
+          <a:effectLst/>
+          <a:extLst>
+            <a:ext uri="{91240B29-F687-4F45-9708-019B960494DF}">
+              <a14:hiddenLine xmlns:a14="http://schemas.microsoft.com/office/drawing/2010/main" w="9525">
+                <a:solidFill>
+                  <a:schemeClr val="tx1"/>
+                </a:solidFill>
+                <a:miter lim="800000"/>
+                <a:headEnd/>
+                <a:tailEnd/>
+              </a14:hiddenLine>
+            </a:ext>
+            <a:ext uri="{AF507438-7753-43E0-B8FC-AC1667EBCBE1}">
+              <a14:hiddenEffects xmlns:a14="http://schemas.microsoft.com/office/drawing/2010/main">
+                <a:effectLst>
+                  <a:outerShdw dist="35921" dir="2700000" algn="ctr" rotWithShape="0">
+                    <a:schemeClr val="bg2"/>
+                  </a:outerShdw>
+                </a:effectLst>
+              </a14:hiddenEffects>
+            </a:ext>
+          </a:extLst>
+        </p:spPr>
+        <p:txBody>
+          <a:bodyPr vert="horz" wrap="none" lIns="0" tIns="0" rIns="0" bIns="0" numCol="1" anchor="ctr" anchorCtr="0" compatLnSpc="1">
+            <a:prstTxWarp prst="textNoShape">
+              <a:avLst/>
+            </a:prstTxWarp>
+            <a:spAutoFit/>
+          </a:bodyPr>
+          <a:lstStyle/>
+          <a:p>
+            <a:pPr marL="0" marR="0" lvl="0" indent="0" algn="l" defTabSz="914400" rtl="0" eaLnBrk="1" fontAlgn="base" latinLnBrk="0" hangingPunct="1">
+              <a:lnSpc>
+                <a:spcPct val="100000"/>
+              </a:lnSpc>
+              <a:spcBef>
+                <a:spcPct val="0"/>
+              </a:spcBef>
+              <a:spcAft>
+                <a:spcPct val="0"/>
+              </a:spcAft>
+              <a:buClrTx/>
+              <a:buSzTx/>
+              <a:buFontTx/>
+              <a:buNone/>
+              <a:tabLst/>
+            </a:pPr>
+            <a:r>
+              <a:rPr kumimoji="0" lang="zh-CN" altLang="zh-CN" b="1" i="0" u="none" strike="noStrike" cap="none" normalizeH="0" baseline="0" dirty="0" smtClean="0">
+                <a:ln>
+                  <a:noFill/>
+                </a:ln>
+                <a:solidFill>
+                  <a:srgbClr val="303336"/>
+                </a:solidFill>
+                <a:effectLst/>
+                <a:latin typeface="Consolas" pitchFamily="49" charset="0"/>
+                <a:ea typeface="inherit"/>
+                <a:cs typeface="宋体" pitchFamily="2" charset="-122"/>
+              </a:rPr>
+              <a:t>t = t + L / length(t * t * v1 + t * v2 + v3);</a:t>
+            </a:r>
+            <a:r>
+              <a:rPr kumimoji="0" lang="zh-CN" altLang="zh-CN" b="1" i="0" u="none" strike="noStrike" cap="none" normalizeH="0" baseline="0" dirty="0" smtClean="0">
+                <a:ln>
+                  <a:noFill/>
+                </a:ln>
+                <a:solidFill>
+                  <a:schemeClr val="tx1"/>
+                </a:solidFill>
+                <a:effectLst/>
+                <a:latin typeface="Arial" pitchFamily="34" charset="0"/>
+                <a:ea typeface="宋体" pitchFamily="2" charset="-122"/>
+                <a:cs typeface="宋体" pitchFamily="2" charset="-122"/>
+              </a:rPr>
+              <a:t> </a:t>
+            </a:r>
+          </a:p>
+        </p:txBody>
+      </p:sp>
+      <p:sp>
+        <p:nvSpPr>
+          <p:cNvPr id="21" name="TextBox 20"/>
+          <p:cNvSpPr txBox="1"/>
+          <p:nvPr/>
+        </p:nvSpPr>
+        <p:spPr>
+          <a:xfrm>
+            <a:off x="6859528" y="3974"/>
+            <a:ext cx="2284472" cy="369332"/>
+          </a:xfrm>
+          <a:prstGeom prst="rect">
+            <a:avLst/>
+          </a:prstGeom>
+          <a:noFill/>
+        </p:spPr>
+        <p:txBody>
+          <a:bodyPr wrap="none" rtlCol="0">
+            <a:spAutoFit/>
+          </a:bodyPr>
+          <a:lstStyle/>
+          <a:p>
+            <a:r>
+              <a:rPr lang="en-US" altLang="zh-CN" dirty="0" smtClean="0">
+                <a:solidFill>
+                  <a:schemeClr val="tx1">
+                    <a:lumMod val="50000"/>
+                    <a:lumOff val="50000"/>
+                  </a:schemeClr>
+                </a:solidFill>
+              </a:rPr>
+              <a:t>Bezier Constant Speed</a:t>
+            </a:r>
+            <a:endParaRPr lang="zh-CN" altLang="en-US" dirty="0">
+              <a:solidFill>
+                <a:schemeClr val="tx1">
+                  <a:lumMod val="50000"/>
+                  <a:lumOff val="50000"/>
+                </a:schemeClr>
+              </a:solidFill>
+            </a:endParaRPr>
           </a:p>
         </p:txBody>
       </p:sp>
@@ -3330,6 +5147,1811 @@
     <p:extLst>
       <p:ext uri="{BB962C8B-B14F-4D97-AF65-F5344CB8AC3E}">
         <p14:creationId xmlns:p14="http://schemas.microsoft.com/office/powerpoint/2010/main" val="1134200088"/>
+      </p:ext>
+    </p:extLst>
+  </p:cSld>
+  <p:clrMapOvr>
+    <a:masterClrMapping/>
+  </p:clrMapOvr>
+  <p:timing>
+    <p:tnLst>
+      <p:par>
+        <p:cTn id="1" dur="indefinite" restart="never" nodeType="tmRoot">
+          <p:childTnLst>
+            <p:seq concurrent="1" nextAc="seek">
+              <p:cTn id="2" dur="indefinite" nodeType="mainSeq">
+                <p:childTnLst>
+                  <p:par>
+                    <p:cTn id="3" fill="hold">
+                      <p:stCondLst>
+                        <p:cond delay="indefinite"/>
+                      </p:stCondLst>
+                      <p:childTnLst>
+                        <p:par>
+                          <p:cTn id="4" fill="hold">
+                            <p:stCondLst>
+                              <p:cond delay="0"/>
+                            </p:stCondLst>
+                            <p:childTnLst>
+                              <p:par>
+                                <p:cTn id="5" presetID="1" presetClass="entr" presetSubtype="0" fill="hold" grpId="0" nodeType="clickEffect">
+                                  <p:stCondLst>
+                                    <p:cond delay="0"/>
+                                  </p:stCondLst>
+                                  <p:childTnLst>
+                                    <p:set>
+                                      <p:cBhvr>
+                                        <p:cTn id="6" dur="1" fill="hold">
+                                          <p:stCondLst>
+                                            <p:cond delay="0"/>
+                                          </p:stCondLst>
+                                        </p:cTn>
+                                        <p:tgtEl>
+                                          <p:spTgt spid="5"/>
+                                        </p:tgtEl>
+                                        <p:attrNameLst>
+                                          <p:attrName>style.visibility</p:attrName>
+                                        </p:attrNameLst>
+                                      </p:cBhvr>
+                                      <p:to>
+                                        <p:strVal val="visible"/>
+                                      </p:to>
+                                    </p:set>
+                                  </p:childTnLst>
+                                </p:cTn>
+                              </p:par>
+                            </p:childTnLst>
+                          </p:cTn>
+                        </p:par>
+                      </p:childTnLst>
+                    </p:cTn>
+                  </p:par>
+                  <p:par>
+                    <p:cTn id="7" fill="hold">
+                      <p:stCondLst>
+                        <p:cond delay="indefinite"/>
+                      </p:stCondLst>
+                      <p:childTnLst>
+                        <p:par>
+                          <p:cTn id="8" fill="hold">
+                            <p:stCondLst>
+                              <p:cond delay="0"/>
+                            </p:stCondLst>
+                            <p:childTnLst>
+                              <p:par>
+                                <p:cTn id="9" presetID="1" presetClass="entr" presetSubtype="0" fill="hold" grpId="0" nodeType="clickEffect">
+                                  <p:stCondLst>
+                                    <p:cond delay="0"/>
+                                  </p:stCondLst>
+                                  <p:childTnLst>
+                                    <p:set>
+                                      <p:cBhvr>
+                                        <p:cTn id="10" dur="1" fill="hold">
+                                          <p:stCondLst>
+                                            <p:cond delay="0"/>
+                                          </p:stCondLst>
+                                        </p:cTn>
+                                        <p:tgtEl>
+                                          <p:spTgt spid="6"/>
+                                        </p:tgtEl>
+                                        <p:attrNameLst>
+                                          <p:attrName>style.visibility</p:attrName>
+                                        </p:attrNameLst>
+                                      </p:cBhvr>
+                                      <p:to>
+                                        <p:strVal val="visible"/>
+                                      </p:to>
+                                    </p:set>
+                                  </p:childTnLst>
+                                </p:cTn>
+                              </p:par>
+                            </p:childTnLst>
+                          </p:cTn>
+                        </p:par>
+                      </p:childTnLst>
+                    </p:cTn>
+                  </p:par>
+                  <p:par>
+                    <p:cTn id="11" fill="hold">
+                      <p:stCondLst>
+                        <p:cond delay="indefinite"/>
+                      </p:stCondLst>
+                      <p:childTnLst>
+                        <p:par>
+                          <p:cTn id="12" fill="hold">
+                            <p:stCondLst>
+                              <p:cond delay="0"/>
+                            </p:stCondLst>
+                            <p:childTnLst>
+                              <p:par>
+                                <p:cTn id="13" presetID="1" presetClass="entr" presetSubtype="0" fill="hold" grpId="0" nodeType="clickEffect">
+                                  <p:stCondLst>
+                                    <p:cond delay="0"/>
+                                  </p:stCondLst>
+                                  <p:childTnLst>
+                                    <p:set>
+                                      <p:cBhvr>
+                                        <p:cTn id="14" dur="1" fill="hold">
+                                          <p:stCondLst>
+                                            <p:cond delay="0"/>
+                                          </p:stCondLst>
+                                        </p:cTn>
+                                        <p:tgtEl>
+                                          <p:spTgt spid="3"/>
+                                        </p:tgtEl>
+                                        <p:attrNameLst>
+                                          <p:attrName>style.visibility</p:attrName>
+                                        </p:attrNameLst>
+                                      </p:cBhvr>
+                                      <p:to>
+                                        <p:strVal val="visible"/>
+                                      </p:to>
+                                    </p:set>
+                                  </p:childTnLst>
+                                </p:cTn>
+                              </p:par>
+                            </p:childTnLst>
+                          </p:cTn>
+                        </p:par>
+                      </p:childTnLst>
+                    </p:cTn>
+                  </p:par>
+                  <p:par>
+                    <p:cTn id="15" fill="hold">
+                      <p:stCondLst>
+                        <p:cond delay="indefinite"/>
+                      </p:stCondLst>
+                      <p:childTnLst>
+                        <p:par>
+                          <p:cTn id="16" fill="hold">
+                            <p:stCondLst>
+                              <p:cond delay="0"/>
+                            </p:stCondLst>
+                            <p:childTnLst>
+                              <p:par>
+                                <p:cTn id="17" presetID="1" presetClass="entr" presetSubtype="0" fill="hold" grpId="0" nodeType="clickEffect">
+                                  <p:stCondLst>
+                                    <p:cond delay="0"/>
+                                  </p:stCondLst>
+                                  <p:childTnLst>
+                                    <p:set>
+                                      <p:cBhvr>
+                                        <p:cTn id="18" dur="1" fill="hold">
+                                          <p:stCondLst>
+                                            <p:cond delay="0"/>
+                                          </p:stCondLst>
+                                        </p:cTn>
+                                        <p:tgtEl>
+                                          <p:spTgt spid="4"/>
+                                        </p:tgtEl>
+                                        <p:attrNameLst>
+                                          <p:attrName>style.visibility</p:attrName>
+                                        </p:attrNameLst>
+                                      </p:cBhvr>
+                                      <p:to>
+                                        <p:strVal val="visible"/>
+                                      </p:to>
+                                    </p:set>
+                                  </p:childTnLst>
+                                </p:cTn>
+                              </p:par>
+                            </p:childTnLst>
+                          </p:cTn>
+                        </p:par>
+                      </p:childTnLst>
+                    </p:cTn>
+                  </p:par>
+                  <p:par>
+                    <p:cTn id="19" fill="hold">
+                      <p:stCondLst>
+                        <p:cond delay="indefinite"/>
+                      </p:stCondLst>
+                      <p:childTnLst>
+                        <p:par>
+                          <p:cTn id="20" fill="hold">
+                            <p:stCondLst>
+                              <p:cond delay="0"/>
+                            </p:stCondLst>
+                            <p:childTnLst>
+                              <p:par>
+                                <p:cTn id="21" presetID="1" presetClass="entr" presetSubtype="0" fill="hold" grpId="0" nodeType="clickEffect">
+                                  <p:stCondLst>
+                                    <p:cond delay="0"/>
+                                  </p:stCondLst>
+                                  <p:childTnLst>
+                                    <p:set>
+                                      <p:cBhvr>
+                                        <p:cTn id="22" dur="1" fill="hold">
+                                          <p:stCondLst>
+                                            <p:cond delay="0"/>
+                                          </p:stCondLst>
+                                        </p:cTn>
+                                        <p:tgtEl>
+                                          <p:spTgt spid="17"/>
+                                        </p:tgtEl>
+                                        <p:attrNameLst>
+                                          <p:attrName>style.visibility</p:attrName>
+                                        </p:attrNameLst>
+                                      </p:cBhvr>
+                                      <p:to>
+                                        <p:strVal val="visible"/>
+                                      </p:to>
+                                    </p:set>
+                                  </p:childTnLst>
+                                </p:cTn>
+                              </p:par>
+                              <p:par>
+                                <p:cTn id="23" presetID="1" presetClass="entr" presetSubtype="0" fill="hold" grpId="0" nodeType="withEffect">
+                                  <p:stCondLst>
+                                    <p:cond delay="0"/>
+                                  </p:stCondLst>
+                                  <p:childTnLst>
+                                    <p:set>
+                                      <p:cBhvr>
+                                        <p:cTn id="24" dur="1" fill="hold">
+                                          <p:stCondLst>
+                                            <p:cond delay="0"/>
+                                          </p:stCondLst>
+                                        </p:cTn>
+                                        <p:tgtEl>
+                                          <p:spTgt spid="18"/>
+                                        </p:tgtEl>
+                                        <p:attrNameLst>
+                                          <p:attrName>style.visibility</p:attrName>
+                                        </p:attrNameLst>
+                                      </p:cBhvr>
+                                      <p:to>
+                                        <p:strVal val="visible"/>
+                                      </p:to>
+                                    </p:set>
+                                  </p:childTnLst>
+                                </p:cTn>
+                              </p:par>
+                              <p:par>
+                                <p:cTn id="25" presetID="1" presetClass="entr" presetSubtype="0" fill="hold" grpId="0" nodeType="withEffect">
+                                  <p:stCondLst>
+                                    <p:cond delay="0"/>
+                                  </p:stCondLst>
+                                  <p:childTnLst>
+                                    <p:set>
+                                      <p:cBhvr>
+                                        <p:cTn id="26" dur="1" fill="hold">
+                                          <p:stCondLst>
+                                            <p:cond delay="0"/>
+                                          </p:stCondLst>
+                                        </p:cTn>
+                                        <p:tgtEl>
+                                          <p:spTgt spid="19"/>
+                                        </p:tgtEl>
+                                        <p:attrNameLst>
+                                          <p:attrName>style.visibility</p:attrName>
+                                        </p:attrNameLst>
+                                      </p:cBhvr>
+                                      <p:to>
+                                        <p:strVal val="visible"/>
+                                      </p:to>
+                                    </p:set>
+                                  </p:childTnLst>
+                                </p:cTn>
+                              </p:par>
+                            </p:childTnLst>
+                          </p:cTn>
+                        </p:par>
+                      </p:childTnLst>
+                    </p:cTn>
+                  </p:par>
+                  <p:par>
+                    <p:cTn id="27" fill="hold">
+                      <p:stCondLst>
+                        <p:cond delay="indefinite"/>
+                      </p:stCondLst>
+                      <p:childTnLst>
+                        <p:par>
+                          <p:cTn id="28" fill="hold">
+                            <p:stCondLst>
+                              <p:cond delay="0"/>
+                            </p:stCondLst>
+                            <p:childTnLst>
+                              <p:par>
+                                <p:cTn id="29" presetID="1" presetClass="entr" presetSubtype="0" fill="hold" grpId="0" nodeType="clickEffect">
+                                  <p:stCondLst>
+                                    <p:cond delay="0"/>
+                                  </p:stCondLst>
+                                  <p:childTnLst>
+                                    <p:set>
+                                      <p:cBhvr>
+                                        <p:cTn id="30" dur="1" fill="hold">
+                                          <p:stCondLst>
+                                            <p:cond delay="0"/>
+                                          </p:stCondLst>
+                                        </p:cTn>
+                                        <p:tgtEl>
+                                          <p:spTgt spid="20"/>
+                                        </p:tgtEl>
+                                        <p:attrNameLst>
+                                          <p:attrName>style.visibility</p:attrName>
+                                        </p:attrNameLst>
+                                      </p:cBhvr>
+                                      <p:to>
+                                        <p:strVal val="visible"/>
+                                      </p:to>
+                                    </p:set>
+                                  </p:childTnLst>
+                                </p:cTn>
+                              </p:par>
+                            </p:childTnLst>
+                          </p:cTn>
+                        </p:par>
+                      </p:childTnLst>
+                    </p:cTn>
+                  </p:par>
+                </p:childTnLst>
+              </p:cTn>
+              <p:prevCondLst>
+                <p:cond evt="onPrev" delay="0">
+                  <p:tgtEl>
+                    <p:sldTgt/>
+                  </p:tgtEl>
+                </p:cond>
+              </p:prevCondLst>
+              <p:nextCondLst>
+                <p:cond evt="onNext" delay="0">
+                  <p:tgtEl>
+                    <p:sldTgt/>
+                  </p:tgtEl>
+                </p:cond>
+              </p:nextCondLst>
+            </p:seq>
+          </p:childTnLst>
+        </p:cTn>
+      </p:par>
+    </p:tnLst>
+    <p:bldLst>
+      <p:bldP spid="5" grpId="0"/>
+      <p:bldP spid="6" grpId="0"/>
+      <p:bldP spid="3" grpId="0" animBg="1"/>
+      <p:bldP spid="4" grpId="0" animBg="1"/>
+      <p:bldP spid="17" grpId="0"/>
+      <p:bldP spid="18" grpId="0"/>
+      <p:bldP spid="19" grpId="0"/>
+      <p:bldP spid="20" grpId="0" animBg="1"/>
+    </p:bldLst>
+  </p:timing>
+</p:sld>
+</file>
+
+<file path=ppt/slides/slide2.xml><?xml version="1.0" encoding="utf-8"?>
+<p:sld xmlns:a="http://schemas.openxmlformats.org/drawingml/2006/main" xmlns:r="http://schemas.openxmlformats.org/officeDocument/2006/relationships" xmlns:p="http://schemas.openxmlformats.org/presentationml/2006/main">
+  <p:cSld>
+    <p:spTree>
+      <p:nvGrpSpPr>
+        <p:cNvPr id="1" name=""/>
+        <p:cNvGrpSpPr/>
+        <p:nvPr/>
+      </p:nvGrpSpPr>
+      <p:grpSpPr>
+        <a:xfrm>
+          <a:off x="0" y="0"/>
+          <a:ext cx="0" cy="0"/>
+          <a:chOff x="0" y="0"/>
+          <a:chExt cx="0" cy="0"/>
+        </a:xfrm>
+      </p:grpSpPr>
+      <p:sp>
+        <p:nvSpPr>
+          <p:cNvPr id="21" name="TextBox 20"/>
+          <p:cNvSpPr txBox="1"/>
+          <p:nvPr/>
+        </p:nvSpPr>
+        <p:spPr>
+          <a:xfrm>
+            <a:off x="7653180" y="3974"/>
+            <a:ext cx="1486561" cy="369332"/>
+          </a:xfrm>
+          <a:prstGeom prst="rect">
+            <a:avLst/>
+          </a:prstGeom>
+          <a:noFill/>
+        </p:spPr>
+        <p:txBody>
+          <a:bodyPr wrap="none" rtlCol="0">
+            <a:spAutoFit/>
+          </a:bodyPr>
+          <a:lstStyle/>
+          <a:p>
+            <a:r>
+              <a:rPr lang="en-US" altLang="zh-CN" dirty="0" smtClean="0">
+                <a:solidFill>
+                  <a:schemeClr val="tx1">
+                    <a:lumMod val="50000"/>
+                    <a:lumOff val="50000"/>
+                  </a:schemeClr>
+                </a:solidFill>
+              </a:rPr>
+              <a:t>Stellar Theory</a:t>
+            </a:r>
+            <a:endParaRPr lang="zh-CN" altLang="en-US" dirty="0">
+              <a:solidFill>
+                <a:schemeClr val="tx1">
+                  <a:lumMod val="50000"/>
+                  <a:lumOff val="50000"/>
+                </a:schemeClr>
+              </a:solidFill>
+            </a:endParaRPr>
+          </a:p>
+        </p:txBody>
+      </p:sp>
+      <p:pic>
+        <p:nvPicPr>
+          <p:cNvPr id="1026" name="Picture 2"/>
+          <p:cNvPicPr>
+            <a:picLocks noChangeAspect="1" noChangeArrowheads="1"/>
+          </p:cNvPicPr>
+          <p:nvPr/>
+        </p:nvPicPr>
+        <p:blipFill>
+          <a:blip r:embed="rId2">
+            <a:extLst>
+              <a:ext uri="{28A0092B-C50C-407E-A947-70E740481C1C}">
+                <a14:useLocalDpi xmlns:a14="http://schemas.microsoft.com/office/drawing/2010/main" val="0"/>
+              </a:ext>
+            </a:extLst>
+          </a:blip>
+          <a:srcRect/>
+          <a:stretch>
+            <a:fillRect/>
+          </a:stretch>
+        </p:blipFill>
+        <p:spPr bwMode="auto">
+          <a:xfrm>
+            <a:off x="35496" y="138133"/>
+            <a:ext cx="4995843" cy="2448272"/>
+          </a:xfrm>
+          <a:prstGeom prst="rect">
+            <a:avLst/>
+          </a:prstGeom>
+          <a:noFill/>
+          <a:ln>
+            <a:noFill/>
+          </a:ln>
+          <a:effectLst/>
+          <a:extLst>
+            <a:ext uri="{909E8E84-426E-40DD-AFC4-6F175D3DCCD1}">
+              <a14:hiddenFill xmlns:a14="http://schemas.microsoft.com/office/drawing/2010/main">
+                <a:solidFill>
+                  <a:schemeClr val="accent1"/>
+                </a:solidFill>
+              </a14:hiddenFill>
+            </a:ext>
+            <a:ext uri="{91240B29-F687-4F45-9708-019B960494DF}">
+              <a14:hiddenLine xmlns:a14="http://schemas.microsoft.com/office/drawing/2010/main" w="9525">
+                <a:solidFill>
+                  <a:schemeClr val="tx1"/>
+                </a:solidFill>
+                <a:miter lim="800000"/>
+                <a:headEnd/>
+                <a:tailEnd/>
+              </a14:hiddenLine>
+            </a:ext>
+            <a:ext uri="{AF507438-7753-43E0-B8FC-AC1667EBCBE1}">
+              <a14:hiddenEffects xmlns:a14="http://schemas.microsoft.com/office/drawing/2010/main">
+                <a:effectLst>
+                  <a:outerShdw dist="35921" dir="2700000" algn="ctr" rotWithShape="0">
+                    <a:schemeClr val="bg2"/>
+                  </a:outerShdw>
+                </a:effectLst>
+              </a14:hiddenEffects>
+            </a:ext>
+          </a:extLst>
+        </p:spPr>
+      </p:pic>
+      <p:pic>
+        <p:nvPicPr>
+          <p:cNvPr id="1027" name="Picture 3"/>
+          <p:cNvPicPr>
+            <a:picLocks noChangeAspect="1" noChangeArrowheads="1"/>
+          </p:cNvPicPr>
+          <p:nvPr/>
+        </p:nvPicPr>
+        <p:blipFill>
+          <a:blip r:embed="rId3">
+            <a:extLst>
+              <a:ext uri="{28A0092B-C50C-407E-A947-70E740481C1C}">
+                <a14:useLocalDpi xmlns:a14="http://schemas.microsoft.com/office/drawing/2010/main" val="0"/>
+              </a:ext>
+            </a:extLst>
+          </a:blip>
+          <a:srcRect/>
+          <a:stretch>
+            <a:fillRect/>
+          </a:stretch>
+        </p:blipFill>
+        <p:spPr bwMode="auto">
+          <a:xfrm>
+            <a:off x="0" y="2708920"/>
+            <a:ext cx="7674259" cy="1368152"/>
+          </a:xfrm>
+          <a:prstGeom prst="rect">
+            <a:avLst/>
+          </a:prstGeom>
+          <a:noFill/>
+          <a:ln>
+            <a:noFill/>
+          </a:ln>
+          <a:effectLst/>
+          <a:extLst>
+            <a:ext uri="{909E8E84-426E-40DD-AFC4-6F175D3DCCD1}">
+              <a14:hiddenFill xmlns:a14="http://schemas.microsoft.com/office/drawing/2010/main">
+                <a:solidFill>
+                  <a:schemeClr val="accent1"/>
+                </a:solidFill>
+              </a14:hiddenFill>
+            </a:ext>
+            <a:ext uri="{91240B29-F687-4F45-9708-019B960494DF}">
+              <a14:hiddenLine xmlns:a14="http://schemas.microsoft.com/office/drawing/2010/main" w="9525">
+                <a:solidFill>
+                  <a:schemeClr val="tx1"/>
+                </a:solidFill>
+                <a:miter lim="800000"/>
+                <a:headEnd/>
+                <a:tailEnd/>
+              </a14:hiddenLine>
+            </a:ext>
+            <a:ext uri="{AF507438-7753-43E0-B8FC-AC1667EBCBE1}">
+              <a14:hiddenEffects xmlns:a14="http://schemas.microsoft.com/office/drawing/2010/main">
+                <a:effectLst>
+                  <a:outerShdw dist="35921" dir="2700000" algn="ctr" rotWithShape="0">
+                    <a:schemeClr val="bg2"/>
+                  </a:outerShdw>
+                </a:effectLst>
+              </a14:hiddenEffects>
+            </a:ext>
+          </a:extLst>
+        </p:spPr>
+      </p:pic>
+      <p:pic>
+        <p:nvPicPr>
+          <p:cNvPr id="1028" name="Picture 4"/>
+          <p:cNvPicPr>
+            <a:picLocks noChangeAspect="1" noChangeArrowheads="1"/>
+          </p:cNvPicPr>
+          <p:nvPr/>
+        </p:nvPicPr>
+        <p:blipFill>
+          <a:blip r:embed="rId4">
+            <a:extLst>
+              <a:ext uri="{28A0092B-C50C-407E-A947-70E740481C1C}">
+                <a14:useLocalDpi xmlns:a14="http://schemas.microsoft.com/office/drawing/2010/main" val="0"/>
+              </a:ext>
+            </a:extLst>
+          </a:blip>
+          <a:srcRect/>
+          <a:stretch>
+            <a:fillRect/>
+          </a:stretch>
+        </p:blipFill>
+        <p:spPr bwMode="auto">
+          <a:xfrm>
+            <a:off x="35496" y="4509120"/>
+            <a:ext cx="4320480" cy="2031356"/>
+          </a:xfrm>
+          <a:prstGeom prst="rect">
+            <a:avLst/>
+          </a:prstGeom>
+          <a:noFill/>
+          <a:ln>
+            <a:noFill/>
+          </a:ln>
+          <a:effectLst/>
+          <a:extLst>
+            <a:ext uri="{909E8E84-426E-40DD-AFC4-6F175D3DCCD1}">
+              <a14:hiddenFill xmlns:a14="http://schemas.microsoft.com/office/drawing/2010/main">
+                <a:solidFill>
+                  <a:schemeClr val="accent1"/>
+                </a:solidFill>
+              </a14:hiddenFill>
+            </a:ext>
+            <a:ext uri="{91240B29-F687-4F45-9708-019B960494DF}">
+              <a14:hiddenLine xmlns:a14="http://schemas.microsoft.com/office/drawing/2010/main" w="9525">
+                <a:solidFill>
+                  <a:schemeClr val="tx1"/>
+                </a:solidFill>
+                <a:miter lim="800000"/>
+                <a:headEnd/>
+                <a:tailEnd/>
+              </a14:hiddenLine>
+            </a:ext>
+            <a:ext uri="{AF507438-7753-43E0-B8FC-AC1667EBCBE1}">
+              <a14:hiddenEffects xmlns:a14="http://schemas.microsoft.com/office/drawing/2010/main">
+                <a:effectLst>
+                  <a:outerShdw dist="35921" dir="2700000" algn="ctr" rotWithShape="0">
+                    <a:schemeClr val="bg2"/>
+                  </a:outerShdw>
+                </a:effectLst>
+              </a14:hiddenEffects>
+            </a:ext>
+          </a:extLst>
+        </p:spPr>
+      </p:pic>
+      <p:pic>
+        <p:nvPicPr>
+          <p:cNvPr id="1029" name="Picture 5"/>
+          <p:cNvPicPr>
+            <a:picLocks noChangeAspect="1" noChangeArrowheads="1"/>
+          </p:cNvPicPr>
+          <p:nvPr/>
+        </p:nvPicPr>
+        <p:blipFill>
+          <a:blip r:embed="rId5">
+            <a:extLst>
+              <a:ext uri="{28A0092B-C50C-407E-A947-70E740481C1C}">
+                <a14:useLocalDpi xmlns:a14="http://schemas.microsoft.com/office/drawing/2010/main" val="0"/>
+              </a:ext>
+            </a:extLst>
+          </a:blip>
+          <a:srcRect/>
+          <a:stretch>
+            <a:fillRect/>
+          </a:stretch>
+        </p:blipFill>
+        <p:spPr bwMode="auto">
+          <a:xfrm>
+            <a:off x="3844026" y="4941168"/>
+            <a:ext cx="5175493" cy="1368152"/>
+          </a:xfrm>
+          <a:prstGeom prst="rect">
+            <a:avLst/>
+          </a:prstGeom>
+          <a:noFill/>
+          <a:ln>
+            <a:noFill/>
+          </a:ln>
+          <a:effectLst/>
+          <a:extLst>
+            <a:ext uri="{909E8E84-426E-40DD-AFC4-6F175D3DCCD1}">
+              <a14:hiddenFill xmlns:a14="http://schemas.microsoft.com/office/drawing/2010/main">
+                <a:solidFill>
+                  <a:schemeClr val="accent1"/>
+                </a:solidFill>
+              </a14:hiddenFill>
+            </a:ext>
+            <a:ext uri="{91240B29-F687-4F45-9708-019B960494DF}">
+              <a14:hiddenLine xmlns:a14="http://schemas.microsoft.com/office/drawing/2010/main" w="9525">
+                <a:solidFill>
+                  <a:schemeClr val="tx1"/>
+                </a:solidFill>
+                <a:miter lim="800000"/>
+                <a:headEnd/>
+                <a:tailEnd/>
+              </a14:hiddenLine>
+            </a:ext>
+            <a:ext uri="{AF507438-7753-43E0-B8FC-AC1667EBCBE1}">
+              <a14:hiddenEffects xmlns:a14="http://schemas.microsoft.com/office/drawing/2010/main">
+                <a:effectLst>
+                  <a:outerShdw dist="35921" dir="2700000" algn="ctr" rotWithShape="0">
+                    <a:schemeClr val="bg2"/>
+                  </a:outerShdw>
+                </a:effectLst>
+              </a14:hiddenEffects>
+            </a:ext>
+          </a:extLst>
+        </p:spPr>
+      </p:pic>
+    </p:spTree>
+    <p:extLst>
+      <p:ext uri="{BB962C8B-B14F-4D97-AF65-F5344CB8AC3E}">
+        <p14:creationId xmlns:p14="http://schemas.microsoft.com/office/powerpoint/2010/main" val="1326283280"/>
+      </p:ext>
+    </p:extLst>
+  </p:cSld>
+  <p:clrMapOvr>
+    <a:masterClrMapping/>
+  </p:clrMapOvr>
+  <p:timing>
+    <p:tnLst>
+      <p:par>
+        <p:cTn id="1" dur="indefinite" restart="never" nodeType="tmRoot"/>
+      </p:par>
+    </p:tnLst>
+  </p:timing>
+</p:sld>
+</file>
+
+<file path=ppt/slides/slide3.xml><?xml version="1.0" encoding="utf-8"?>
+<p:sld xmlns:a="http://schemas.openxmlformats.org/drawingml/2006/main" xmlns:r="http://schemas.openxmlformats.org/officeDocument/2006/relationships" xmlns:p="http://schemas.openxmlformats.org/presentationml/2006/main">
+  <p:cSld>
+    <p:spTree>
+      <p:nvGrpSpPr>
+        <p:cNvPr id="1" name=""/>
+        <p:cNvGrpSpPr/>
+        <p:nvPr/>
+      </p:nvGrpSpPr>
+      <p:grpSpPr>
+        <a:xfrm>
+          <a:off x="0" y="0"/>
+          <a:ext cx="0" cy="0"/>
+          <a:chOff x="0" y="0"/>
+          <a:chExt cx="0" cy="0"/>
+        </a:xfrm>
+      </p:grpSpPr>
+      <p:sp>
+        <p:nvSpPr>
+          <p:cNvPr id="4" name="TextBox 3"/>
+          <p:cNvSpPr txBox="1"/>
+          <p:nvPr/>
+        </p:nvSpPr>
+        <p:spPr>
+          <a:xfrm>
+            <a:off x="7669942" y="0"/>
+            <a:ext cx="1474058" cy="369332"/>
+          </a:xfrm>
+          <a:prstGeom prst="rect">
+            <a:avLst/>
+          </a:prstGeom>
+          <a:noFill/>
+        </p:spPr>
+        <p:txBody>
+          <a:bodyPr wrap="none" rtlCol="0">
+            <a:spAutoFit/>
+          </a:bodyPr>
+          <a:lstStyle/>
+          <a:p>
+            <a:r>
+              <a:rPr lang="en-US" altLang="zh-CN" dirty="0" smtClean="0">
+                <a:solidFill>
+                  <a:schemeClr val="tx1">
+                    <a:lumMod val="50000"/>
+                    <a:lumOff val="50000"/>
+                  </a:schemeClr>
+                </a:solidFill>
+              </a:rPr>
+              <a:t>Cross Product</a:t>
+            </a:r>
+            <a:endParaRPr lang="zh-CN" altLang="en-US" dirty="0">
+              <a:solidFill>
+                <a:schemeClr val="tx1">
+                  <a:lumMod val="50000"/>
+                  <a:lumOff val="50000"/>
+                </a:schemeClr>
+              </a:solidFill>
+            </a:endParaRPr>
+          </a:p>
+        </p:txBody>
+      </p:sp>
+      <p:pic>
+        <p:nvPicPr>
+          <p:cNvPr id="24" name="图片 23"/>
+          <p:cNvPicPr>
+            <a:picLocks noChangeAspect="1"/>
+          </p:cNvPicPr>
+          <p:nvPr/>
+        </p:nvPicPr>
+        <p:blipFill>
+          <a:blip r:embed="rId2">
+            <a:extLst>
+              <a:ext uri="{28A0092B-C50C-407E-A947-70E740481C1C}">
+                <a14:useLocalDpi xmlns:a14="http://schemas.microsoft.com/office/drawing/2010/main" val="0"/>
+              </a:ext>
+            </a:extLst>
+          </a:blip>
+          <a:stretch>
+            <a:fillRect/>
+          </a:stretch>
+        </p:blipFill>
+        <p:spPr>
+          <a:xfrm>
+            <a:off x="467544" y="404664"/>
+            <a:ext cx="3850974" cy="2184589"/>
+          </a:xfrm>
+          <a:prstGeom prst="rect">
+            <a:avLst/>
+          </a:prstGeom>
+        </p:spPr>
+      </p:pic>
+      <p:sp>
+        <p:nvSpPr>
+          <p:cNvPr id="25" name="TextBox 24"/>
+          <p:cNvSpPr txBox="1"/>
+          <p:nvPr/>
+        </p:nvSpPr>
+        <p:spPr>
+          <a:xfrm>
+            <a:off x="499592" y="2852936"/>
+            <a:ext cx="1463029" cy="369332"/>
+          </a:xfrm>
+          <a:prstGeom prst="rect">
+            <a:avLst/>
+          </a:prstGeom>
+          <a:noFill/>
+        </p:spPr>
+        <p:txBody>
+          <a:bodyPr wrap="none" rtlCol="0">
+            <a:spAutoFit/>
+          </a:bodyPr>
+          <a:lstStyle/>
+          <a:p>
+            <a:r>
+              <a:rPr lang="en-US" altLang="zh-CN" dirty="0" smtClean="0"/>
+              <a:t>Result = B * A</a:t>
+            </a:r>
+            <a:endParaRPr lang="zh-CN" altLang="en-US" dirty="0"/>
+          </a:p>
+        </p:txBody>
+      </p:sp>
+      <p:sp>
+        <p:nvSpPr>
+          <p:cNvPr id="27" name="TextBox 26"/>
+          <p:cNvSpPr txBox="1"/>
+          <p:nvPr/>
+        </p:nvSpPr>
+        <p:spPr>
+          <a:xfrm>
+            <a:off x="522309" y="3645024"/>
+            <a:ext cx="1487908" cy="369332"/>
+          </a:xfrm>
+          <a:prstGeom prst="rect">
+            <a:avLst/>
+          </a:prstGeom>
+          <a:noFill/>
+        </p:spPr>
+        <p:txBody>
+          <a:bodyPr wrap="none" rtlCol="0">
+            <a:spAutoFit/>
+          </a:bodyPr>
+          <a:lstStyle/>
+          <a:p>
+            <a:r>
+              <a:rPr lang="en-US" altLang="zh-CN" dirty="0" smtClean="0"/>
+              <a:t>B * A = - A * B</a:t>
+            </a:r>
+            <a:endParaRPr lang="zh-CN" altLang="en-US" dirty="0"/>
+          </a:p>
+        </p:txBody>
+      </p:sp>
+      <p:pic>
+        <p:nvPicPr>
+          <p:cNvPr id="2050" name="Picture 2"/>
+          <p:cNvPicPr>
+            <a:picLocks noChangeAspect="1" noChangeArrowheads="1"/>
+          </p:cNvPicPr>
+          <p:nvPr/>
+        </p:nvPicPr>
+        <p:blipFill>
+          <a:blip r:embed="rId3">
+            <a:extLst>
+              <a:ext uri="{28A0092B-C50C-407E-A947-70E740481C1C}">
+                <a14:useLocalDpi xmlns:a14="http://schemas.microsoft.com/office/drawing/2010/main" val="0"/>
+              </a:ext>
+            </a:extLst>
+          </a:blip>
+          <a:srcRect/>
+          <a:stretch>
+            <a:fillRect/>
+          </a:stretch>
+        </p:blipFill>
+        <p:spPr bwMode="auto">
+          <a:xfrm>
+            <a:off x="3203848" y="2809756"/>
+            <a:ext cx="3360737" cy="1363663"/>
+          </a:xfrm>
+          <a:prstGeom prst="rect">
+            <a:avLst/>
+          </a:prstGeom>
+          <a:noFill/>
+          <a:ln>
+            <a:noFill/>
+          </a:ln>
+          <a:effectLst/>
+          <a:extLst>
+            <a:ext uri="{909E8E84-426E-40DD-AFC4-6F175D3DCCD1}">
+              <a14:hiddenFill xmlns:a14="http://schemas.microsoft.com/office/drawing/2010/main">
+                <a:solidFill>
+                  <a:schemeClr val="accent1"/>
+                </a:solidFill>
+              </a14:hiddenFill>
+            </a:ext>
+            <a:ext uri="{91240B29-F687-4F45-9708-019B960494DF}">
+              <a14:hiddenLine xmlns:a14="http://schemas.microsoft.com/office/drawing/2010/main" w="9525">
+                <a:solidFill>
+                  <a:schemeClr val="tx1"/>
+                </a:solidFill>
+                <a:miter lim="800000"/>
+                <a:headEnd/>
+                <a:tailEnd/>
+              </a14:hiddenLine>
+            </a:ext>
+            <a:ext uri="{AF507438-7753-43E0-B8FC-AC1667EBCBE1}">
+              <a14:hiddenEffects xmlns:a14="http://schemas.microsoft.com/office/drawing/2010/main">
+                <a:effectLst>
+                  <a:outerShdw dist="35921" dir="2700000" algn="ctr" rotWithShape="0">
+                    <a:schemeClr val="bg2"/>
+                  </a:outerShdw>
+                </a:effectLst>
+              </a14:hiddenEffects>
+            </a:ext>
+          </a:extLst>
+        </p:spPr>
+      </p:pic>
+      <mc:AlternateContent xmlns:mc="http://schemas.openxmlformats.org/markup-compatibility/2006" xmlns:a14="http://schemas.microsoft.com/office/drawing/2010/main">
+        <mc:Choice Requires="a14">
+          <p:sp>
+            <p:nvSpPr>
+              <p:cNvPr id="28" name="TextBox 27"/>
+              <p:cNvSpPr txBox="1"/>
+              <p:nvPr/>
+            </p:nvSpPr>
+            <p:spPr>
+              <a:xfrm>
+                <a:off x="611560" y="5373216"/>
+                <a:ext cx="1675202" cy="833946"/>
+              </a:xfrm>
+              <a:prstGeom prst="rect">
+                <a:avLst/>
+              </a:prstGeom>
+              <a:noFill/>
+            </p:spPr>
+            <p:txBody>
+              <a:bodyPr wrap="none" rtlCol="0">
+                <a:spAutoFit/>
+              </a:bodyPr>
+              <a:lstStyle/>
+              <a:p>
+                <a:r>
+                  <a:rPr lang="en-US" altLang="zh-CN" dirty="0" smtClean="0"/>
+                  <a:t>A * B = </a:t>
+                </a:r>
+                <a14:m>
+                  <m:oMath xmlns:m="http://schemas.openxmlformats.org/officeDocument/2006/math">
+                    <m:m>
+                      <m:mPr>
+                        <m:mcs>
+                          <m:mc>
+                            <m:mcPr>
+                              <m:count m:val="1"/>
+                              <m:mcJc m:val="center"/>
+                            </m:mcPr>
+                          </m:mc>
+                        </m:mcs>
+                        <m:ctrlPr>
+                          <a:rPr lang="en-US" altLang="zh-CN" i="1" smtClean="0">
+                            <a:latin typeface="Cambria Math"/>
+                          </a:rPr>
+                        </m:ctrlPr>
+                      </m:mPr>
+                      <m:mr>
+                        <m:e>
+                          <m:r>
+                            <m:rPr>
+                              <m:brk m:alnAt="7"/>
+                            </m:rPr>
+                            <a:rPr lang="en-US" altLang="zh-CN" b="0" i="1" smtClean="0">
+                              <a:latin typeface="Cambria Math"/>
+                            </a:rPr>
+                            <m:t>0</m:t>
+                          </m:r>
+                        </m:e>
+                      </m:mr>
+                      <m:mr>
+                        <m:e>
+                          <m:r>
+                            <a:rPr lang="en-US" altLang="zh-CN" b="0" i="1" smtClean="0">
+                              <a:latin typeface="Cambria Math"/>
+                            </a:rPr>
+                            <m:t>𝑓𝑣</m:t>
+                          </m:r>
+                        </m:e>
+                      </m:mr>
+                      <m:mr>
+                        <m:e>
+                          <m:r>
+                            <a:rPr lang="en-US" altLang="zh-CN" b="0" i="1" smtClean="0">
+                              <a:latin typeface="Cambria Math"/>
+                            </a:rPr>
+                            <m:t>1</m:t>
+                          </m:r>
+                        </m:e>
+                      </m:mr>
+                    </m:m>
+                    <m:r>
+                      <a:rPr lang="en-US" altLang="zh-CN" b="0" i="1" smtClean="0">
+                        <a:latin typeface="Cambria Math"/>
+                      </a:rPr>
+                      <m:t> ∗</m:t>
+                    </m:r>
+                    <m:m>
+                      <m:mPr>
+                        <m:mcs>
+                          <m:mc>
+                            <m:mcPr>
+                              <m:count m:val="1"/>
+                              <m:mcJc m:val="center"/>
+                            </m:mcPr>
+                          </m:mc>
+                        </m:mcs>
+                        <m:ctrlPr>
+                          <a:rPr lang="en-US" altLang="zh-CN" i="1">
+                            <a:latin typeface="Cambria Math"/>
+                          </a:rPr>
+                        </m:ctrlPr>
+                      </m:mPr>
+                      <m:mr>
+                        <m:e>
+                          <m:r>
+                            <m:rPr>
+                              <m:brk m:alnAt="7"/>
+                            </m:rPr>
+                            <a:rPr lang="en-US" altLang="zh-CN" b="0" i="1" smtClean="0">
+                              <a:latin typeface="Cambria Math"/>
+                            </a:rPr>
+                            <m:t>1</m:t>
+                          </m:r>
+                        </m:e>
+                      </m:mr>
+                      <m:mr>
+                        <m:e>
+                          <m:r>
+                            <a:rPr lang="en-US" altLang="zh-CN" i="1">
+                              <a:latin typeface="Cambria Math"/>
+                            </a:rPr>
+                            <m:t>𝑓</m:t>
+                          </m:r>
+                          <m:r>
+                            <a:rPr lang="en-US" altLang="zh-CN" b="0" i="1" smtClean="0">
+                              <a:latin typeface="Cambria Math"/>
+                            </a:rPr>
+                            <m:t>𝑢</m:t>
+                          </m:r>
+                        </m:e>
+                      </m:mr>
+                      <m:mr>
+                        <m:e>
+                          <m:r>
+                            <a:rPr lang="en-US" altLang="zh-CN" b="0" i="1" smtClean="0">
+                              <a:latin typeface="Cambria Math"/>
+                            </a:rPr>
+                            <m:t>0</m:t>
+                          </m:r>
+                        </m:e>
+                      </m:mr>
+                    </m:m>
+                  </m:oMath>
+                </a14:m>
+                <a:endParaRPr lang="zh-CN" altLang="en-US" dirty="0"/>
+              </a:p>
+            </p:txBody>
+          </p:sp>
+        </mc:Choice>
+        <mc:Fallback xmlns="">
+          <p:sp>
+            <p:nvSpPr>
+              <p:cNvPr id="28" name="TextBox 27"/>
+              <p:cNvSpPr txBox="1">
+                <a:spLocks noRot="1" noChangeAspect="1" noMove="1" noResize="1" noEditPoints="1" noAdjustHandles="1" noChangeArrowheads="1" noChangeShapeType="1" noTextEdit="1"/>
+              </p:cNvSpPr>
+              <p:nvPr/>
+            </p:nvSpPr>
+            <p:spPr>
+              <a:xfrm>
+                <a:off x="611560" y="5373216"/>
+                <a:ext cx="1675202" cy="833946"/>
+              </a:xfrm>
+              <a:prstGeom prst="rect">
+                <a:avLst/>
+              </a:prstGeom>
+              <a:blipFill rotWithShape="1">
+                <a:blip r:embed="rId4"/>
+                <a:stretch>
+                  <a:fillRect l="-2909"/>
+                </a:stretch>
+              </a:blipFill>
+            </p:spPr>
+            <p:txBody>
+              <a:bodyPr/>
+              <a:lstStyle/>
+              <a:p>
+                <a:r>
+                  <a:rPr lang="zh-CN" altLang="en-US">
+                    <a:noFill/>
+                  </a:rPr>
+                  <a:t> </a:t>
+                </a:r>
+              </a:p>
+            </p:txBody>
+          </p:sp>
+        </mc:Fallback>
+      </mc:AlternateContent>
+      <p:sp>
+        <p:nvSpPr>
+          <p:cNvPr id="29" name="TextBox 28"/>
+          <p:cNvSpPr txBox="1"/>
+          <p:nvPr/>
+        </p:nvSpPr>
+        <p:spPr>
+          <a:xfrm>
+            <a:off x="2286762" y="5640670"/>
+            <a:ext cx="300082" cy="369332"/>
+          </a:xfrm>
+          <a:prstGeom prst="rect">
+            <a:avLst/>
+          </a:prstGeom>
+          <a:noFill/>
+        </p:spPr>
+        <p:txBody>
+          <a:bodyPr wrap="none" rtlCol="0">
+            <a:spAutoFit/>
+          </a:bodyPr>
+          <a:lstStyle/>
+          <a:p>
+            <a:r>
+              <a:rPr lang="en-US" altLang="zh-CN" dirty="0" smtClean="0"/>
+              <a:t>=</a:t>
+            </a:r>
+            <a:endParaRPr lang="zh-CN" altLang="en-US" dirty="0"/>
+          </a:p>
+        </p:txBody>
+      </p:sp>
+      <mc:AlternateContent xmlns:mc="http://schemas.openxmlformats.org/markup-compatibility/2006" xmlns:a14="http://schemas.microsoft.com/office/drawing/2010/main">
+        <mc:Choice Requires="a14">
+          <p:sp>
+            <p:nvSpPr>
+              <p:cNvPr id="30" name="TextBox 29"/>
+              <p:cNvSpPr txBox="1"/>
+              <p:nvPr/>
+            </p:nvSpPr>
+            <p:spPr>
+              <a:xfrm>
+                <a:off x="2586844" y="5360199"/>
+                <a:ext cx="676211" cy="888705"/>
+              </a:xfrm>
+              <a:prstGeom prst="rect">
+                <a:avLst/>
+              </a:prstGeom>
+              <a:noFill/>
+            </p:spPr>
+            <p:txBody>
+              <a:bodyPr wrap="none" rtlCol="0">
+                <a:spAutoFit/>
+              </a:bodyPr>
+              <a:lstStyle/>
+              <a:p>
+                <a:pPr/>
+                <a14:m>
+                  <m:oMathPara xmlns:m="http://schemas.openxmlformats.org/officeDocument/2006/math">
+                    <m:oMathParaPr>
+                      <m:jc m:val="centerGroup"/>
+                    </m:oMathParaPr>
+                    <m:oMath xmlns:m="http://schemas.openxmlformats.org/officeDocument/2006/math">
+                      <m:m>
+                        <m:mPr>
+                          <m:mcs>
+                            <m:mc>
+                              <m:mcPr>
+                                <m:count m:val="1"/>
+                                <m:mcJc m:val="center"/>
+                              </m:mcPr>
+                            </m:mc>
+                          </m:mcs>
+                          <m:ctrlPr>
+                            <a:rPr lang="en-US" altLang="zh-CN" i="1" smtClean="0">
+                              <a:latin typeface="Cambria Math"/>
+                            </a:rPr>
+                          </m:ctrlPr>
+                        </m:mPr>
+                        <m:mr>
+                          <m:e>
+                            <m:r>
+                              <m:rPr>
+                                <m:brk m:alnAt="7"/>
+                              </m:rPr>
+                              <a:rPr lang="en-US" altLang="zh-CN" b="0" i="1" smtClean="0">
+                                <a:latin typeface="Cambria Math"/>
+                              </a:rPr>
+                              <m:t>−</m:t>
+                            </m:r>
+                            <m:r>
+                              <a:rPr lang="en-US" altLang="zh-CN" b="0" i="1" smtClean="0">
+                                <a:latin typeface="Cambria Math"/>
+                              </a:rPr>
+                              <m:t>𝑓𝑢</m:t>
+                            </m:r>
+                          </m:e>
+                        </m:mr>
+                        <m:mr>
+                          <m:e>
+                            <m:r>
+                              <a:rPr lang="en-US" altLang="zh-CN" b="0" i="1" smtClean="0">
+                                <a:latin typeface="Cambria Math"/>
+                              </a:rPr>
+                              <m:t>1</m:t>
+                            </m:r>
+                          </m:e>
+                        </m:mr>
+                        <m:mr>
+                          <m:e>
+                            <m:r>
+                              <a:rPr lang="en-US" altLang="zh-CN" b="0" i="1" smtClean="0">
+                                <a:latin typeface="Cambria Math"/>
+                              </a:rPr>
+                              <m:t>−</m:t>
+                            </m:r>
+                            <m:r>
+                              <a:rPr lang="en-US" altLang="zh-CN" b="0" i="1" smtClean="0">
+                                <a:latin typeface="Cambria Math"/>
+                              </a:rPr>
+                              <m:t>𝑓𝑣</m:t>
+                            </m:r>
+                          </m:e>
+                        </m:mr>
+                      </m:m>
+                    </m:oMath>
+                  </m:oMathPara>
+                </a14:m>
+                <a:endParaRPr lang="zh-CN" altLang="en-US" dirty="0"/>
+              </a:p>
+            </p:txBody>
+          </p:sp>
+        </mc:Choice>
+        <mc:Fallback xmlns="">
+          <p:sp>
+            <p:nvSpPr>
+              <p:cNvPr id="30" name="TextBox 29"/>
+              <p:cNvSpPr txBox="1">
+                <a:spLocks noRot="1" noChangeAspect="1" noMove="1" noResize="1" noEditPoints="1" noAdjustHandles="1" noChangeArrowheads="1" noChangeShapeType="1" noTextEdit="1"/>
+              </p:cNvSpPr>
+              <p:nvPr/>
+            </p:nvSpPr>
+            <p:spPr>
+              <a:xfrm>
+                <a:off x="2586844" y="5360199"/>
+                <a:ext cx="676211" cy="888705"/>
+              </a:xfrm>
+              <a:prstGeom prst="rect">
+                <a:avLst/>
+              </a:prstGeom>
+              <a:blipFill rotWithShape="1">
+                <a:blip r:embed="rId5"/>
+                <a:stretch>
+                  <a:fillRect/>
+                </a:stretch>
+              </a:blipFill>
+            </p:spPr>
+            <p:txBody>
+              <a:bodyPr/>
+              <a:lstStyle/>
+              <a:p>
+                <a:r>
+                  <a:rPr lang="zh-CN" altLang="en-US">
+                    <a:noFill/>
+                  </a:rPr>
+                  <a:t> </a:t>
+                </a:r>
+              </a:p>
+            </p:txBody>
+          </p:sp>
+        </mc:Fallback>
+      </mc:AlternateContent>
+    </p:spTree>
+    <p:extLst>
+      <p:ext uri="{BB962C8B-B14F-4D97-AF65-F5344CB8AC3E}">
+        <p14:creationId xmlns:p14="http://schemas.microsoft.com/office/powerpoint/2010/main" val="1464186493"/>
+      </p:ext>
+    </p:extLst>
+  </p:cSld>
+  <p:clrMapOvr>
+    <a:masterClrMapping/>
+  </p:clrMapOvr>
+  <p:timing>
+    <p:tnLst>
+      <p:par>
+        <p:cTn id="1" dur="indefinite" restart="never" nodeType="tmRoot"/>
+      </p:par>
+    </p:tnLst>
+  </p:timing>
+</p:sld>
+</file>
+
+<file path=ppt/slides/slide4.xml><?xml version="1.0" encoding="utf-8"?>
+<p:sld xmlns:a="http://schemas.openxmlformats.org/drawingml/2006/main" xmlns:r="http://schemas.openxmlformats.org/officeDocument/2006/relationships" xmlns:p="http://schemas.openxmlformats.org/presentationml/2006/main">
+  <p:cSld>
+    <p:spTree>
+      <p:nvGrpSpPr>
+        <p:cNvPr id="1" name=""/>
+        <p:cNvGrpSpPr/>
+        <p:nvPr/>
+      </p:nvGrpSpPr>
+      <p:grpSpPr>
+        <a:xfrm>
+          <a:off x="0" y="0"/>
+          <a:ext cx="0" cy="0"/>
+          <a:chOff x="0" y="0"/>
+          <a:chExt cx="0" cy="0"/>
+        </a:xfrm>
+      </p:grpSpPr>
+      <p:sp>
+        <p:nvSpPr>
+          <p:cNvPr id="10" name="TextBox 9"/>
+          <p:cNvSpPr txBox="1"/>
+          <p:nvPr/>
+        </p:nvSpPr>
+        <p:spPr>
+          <a:xfrm>
+            <a:off x="7395060" y="-18661"/>
+            <a:ext cx="1748940" cy="369332"/>
+          </a:xfrm>
+          <a:prstGeom prst="rect">
+            <a:avLst/>
+          </a:prstGeom>
+          <a:noFill/>
+        </p:spPr>
+        <p:txBody>
+          <a:bodyPr wrap="none" rtlCol="0">
+            <a:spAutoFit/>
+          </a:bodyPr>
+          <a:lstStyle/>
+          <a:p>
+            <a:r>
+              <a:rPr lang="en-US" altLang="zh-CN" dirty="0" smtClean="0">
+                <a:solidFill>
+                  <a:schemeClr val="tx1">
+                    <a:lumMod val="50000"/>
+                    <a:lumOff val="50000"/>
+                  </a:schemeClr>
+                </a:solidFill>
+              </a:rPr>
+              <a:t>Vector Rotate 90</a:t>
+            </a:r>
+            <a:endParaRPr lang="zh-CN" altLang="en-US" dirty="0">
+              <a:solidFill>
+                <a:schemeClr val="tx1">
+                  <a:lumMod val="50000"/>
+                  <a:lumOff val="50000"/>
+                </a:schemeClr>
+              </a:solidFill>
+            </a:endParaRPr>
+          </a:p>
+        </p:txBody>
+      </p:sp>
+      <p:sp>
+        <p:nvSpPr>
+          <p:cNvPr id="2" name="TextBox 1"/>
+          <p:cNvSpPr txBox="1"/>
+          <p:nvPr/>
+        </p:nvSpPr>
+        <p:spPr>
+          <a:xfrm>
+            <a:off x="1259632" y="2060848"/>
+            <a:ext cx="1459054" cy="923330"/>
+          </a:xfrm>
+          <a:prstGeom prst="rect">
+            <a:avLst/>
+          </a:prstGeom>
+          <a:noFill/>
+        </p:spPr>
+        <p:txBody>
+          <a:bodyPr wrap="none" rtlCol="0">
+            <a:spAutoFit/>
+          </a:bodyPr>
+          <a:lstStyle/>
+          <a:p>
+            <a:r>
+              <a:rPr lang="en-US" altLang="zh-CN" dirty="0" smtClean="0"/>
+              <a:t>X = R * Cos(a)</a:t>
+            </a:r>
+          </a:p>
+          <a:p>
+            <a:endParaRPr lang="en-US" altLang="zh-CN" dirty="0"/>
+          </a:p>
+          <a:p>
+            <a:r>
+              <a:rPr lang="en-US" altLang="zh-CN" dirty="0" smtClean="0"/>
+              <a:t>Y = R * Sin(a)</a:t>
+            </a:r>
+            <a:endParaRPr lang="zh-CN" altLang="en-US" dirty="0"/>
+          </a:p>
+        </p:txBody>
+      </p:sp>
+      <p:cxnSp>
+        <p:nvCxnSpPr>
+          <p:cNvPr id="5" name="直接箭头连接符 4"/>
+          <p:cNvCxnSpPr/>
+          <p:nvPr/>
+        </p:nvCxnSpPr>
+        <p:spPr>
+          <a:xfrm>
+            <a:off x="2934710" y="2522513"/>
+            <a:ext cx="773194" cy="0"/>
+          </a:xfrm>
+          <a:prstGeom prst="straightConnector1">
+            <a:avLst/>
+          </a:prstGeom>
+          <a:ln>
+            <a:tailEnd type="arrow"/>
+          </a:ln>
+        </p:spPr>
+        <p:style>
+          <a:lnRef idx="2">
+            <a:schemeClr val="accent1"/>
+          </a:lnRef>
+          <a:fillRef idx="0">
+            <a:schemeClr val="accent1"/>
+          </a:fillRef>
+          <a:effectRef idx="1">
+            <a:schemeClr val="accent1"/>
+          </a:effectRef>
+          <a:fontRef idx="minor">
+            <a:schemeClr val="tx1"/>
+          </a:fontRef>
+        </p:style>
+      </p:cxnSp>
+      <p:sp>
+        <p:nvSpPr>
+          <p:cNvPr id="14" name="TextBox 13"/>
+          <p:cNvSpPr txBox="1"/>
+          <p:nvPr/>
+        </p:nvSpPr>
+        <p:spPr>
+          <a:xfrm>
+            <a:off x="3905034" y="2060848"/>
+            <a:ext cx="3076483" cy="923330"/>
+          </a:xfrm>
+          <a:prstGeom prst="rect">
+            <a:avLst/>
+          </a:prstGeom>
+          <a:noFill/>
+        </p:spPr>
+        <p:txBody>
+          <a:bodyPr wrap="none" rtlCol="0">
+            <a:spAutoFit/>
+          </a:bodyPr>
+          <a:lstStyle/>
+          <a:p>
+            <a:r>
+              <a:rPr lang="en-US" altLang="zh-CN" dirty="0" smtClean="0"/>
+              <a:t>X = R * Cos(a + 90) = R * Sin(a)</a:t>
+            </a:r>
+          </a:p>
+          <a:p>
+            <a:endParaRPr lang="en-US" altLang="zh-CN" dirty="0"/>
+          </a:p>
+          <a:p>
+            <a:r>
+              <a:rPr lang="en-US" altLang="zh-CN" dirty="0" smtClean="0"/>
+              <a:t>Y = R * Sin(a + 90) = -R * Cos(a)</a:t>
+            </a:r>
+            <a:endParaRPr lang="zh-CN" altLang="en-US" dirty="0"/>
+          </a:p>
+        </p:txBody>
+      </p:sp>
+      <p:cxnSp>
+        <p:nvCxnSpPr>
+          <p:cNvPr id="7" name="直接箭头连接符 6"/>
+          <p:cNvCxnSpPr/>
+          <p:nvPr/>
+        </p:nvCxnSpPr>
+        <p:spPr>
+          <a:xfrm>
+            <a:off x="3347864" y="3284984"/>
+            <a:ext cx="0" cy="1008112"/>
+          </a:xfrm>
+          <a:prstGeom prst="straightConnector1">
+            <a:avLst/>
+          </a:prstGeom>
+          <a:ln>
+            <a:tailEnd type="arrow"/>
+          </a:ln>
+        </p:spPr>
+        <p:style>
+          <a:lnRef idx="2">
+            <a:schemeClr val="accent1"/>
+          </a:lnRef>
+          <a:fillRef idx="0">
+            <a:schemeClr val="accent1"/>
+          </a:fillRef>
+          <a:effectRef idx="1">
+            <a:schemeClr val="accent1"/>
+          </a:effectRef>
+          <a:fontRef idx="minor">
+            <a:schemeClr val="tx1"/>
+          </a:fontRef>
+        </p:style>
+      </p:cxnSp>
+      <p:pic>
+        <p:nvPicPr>
+          <p:cNvPr id="3074" name="Picture 2"/>
+          <p:cNvPicPr>
+            <a:picLocks noChangeAspect="1" noChangeArrowheads="1"/>
+          </p:cNvPicPr>
+          <p:nvPr/>
+        </p:nvPicPr>
+        <p:blipFill>
+          <a:blip r:embed="rId2">
+            <a:extLst>
+              <a:ext uri="{28A0092B-C50C-407E-A947-70E740481C1C}">
+                <a14:useLocalDpi xmlns:a14="http://schemas.microsoft.com/office/drawing/2010/main" val="0"/>
+              </a:ext>
+            </a:extLst>
+          </a:blip>
+          <a:srcRect/>
+          <a:stretch>
+            <a:fillRect/>
+          </a:stretch>
+        </p:blipFill>
+        <p:spPr bwMode="auto">
+          <a:xfrm>
+            <a:off x="1830274" y="4365104"/>
+            <a:ext cx="3035180" cy="1584176"/>
+          </a:xfrm>
+          <a:prstGeom prst="rect">
+            <a:avLst/>
+          </a:prstGeom>
+          <a:noFill/>
+          <a:ln>
+            <a:noFill/>
+          </a:ln>
+          <a:effectLst/>
+          <a:extLst>
+            <a:ext uri="{909E8E84-426E-40DD-AFC4-6F175D3DCCD1}">
+              <a14:hiddenFill xmlns:a14="http://schemas.microsoft.com/office/drawing/2010/main">
+                <a:solidFill>
+                  <a:schemeClr val="accent1"/>
+                </a:solidFill>
+              </a14:hiddenFill>
+            </a:ext>
+            <a:ext uri="{91240B29-F687-4F45-9708-019B960494DF}">
+              <a14:hiddenLine xmlns:a14="http://schemas.microsoft.com/office/drawing/2010/main" w="9525">
+                <a:solidFill>
+                  <a:schemeClr val="tx1"/>
+                </a:solidFill>
+                <a:miter lim="800000"/>
+                <a:headEnd/>
+                <a:tailEnd/>
+              </a14:hiddenLine>
+            </a:ext>
+            <a:ext uri="{AF507438-7753-43E0-B8FC-AC1667EBCBE1}">
+              <a14:hiddenEffects xmlns:a14="http://schemas.microsoft.com/office/drawing/2010/main">
+                <a:effectLst>
+                  <a:outerShdw dist="35921" dir="2700000" algn="ctr" rotWithShape="0">
+                    <a:schemeClr val="bg2"/>
+                  </a:outerShdw>
+                </a:effectLst>
+              </a14:hiddenEffects>
+            </a:ext>
+          </a:extLst>
+        </p:spPr>
+      </p:pic>
+      <p:sp>
+        <p:nvSpPr>
+          <p:cNvPr id="8" name="TextBox 7"/>
+          <p:cNvSpPr txBox="1"/>
+          <p:nvPr/>
+        </p:nvSpPr>
+        <p:spPr>
+          <a:xfrm>
+            <a:off x="5076056" y="4725144"/>
+            <a:ext cx="1939955" cy="861774"/>
+          </a:xfrm>
+          <a:prstGeom prst="rect">
+            <a:avLst/>
+          </a:prstGeom>
+          <a:noFill/>
+        </p:spPr>
+        <p:txBody>
+          <a:bodyPr wrap="none" rtlCol="0">
+            <a:spAutoFit/>
+          </a:bodyPr>
+          <a:lstStyle/>
+          <a:p>
+            <a:r>
+              <a:rPr lang="zh-CN" altLang="en-US" sz="1000" dirty="0" smtClean="0">
+                <a:solidFill>
+                  <a:schemeClr val="tx1">
+                    <a:lumMod val="75000"/>
+                    <a:lumOff val="25000"/>
+                  </a:schemeClr>
+                </a:solidFill>
+                <a:latin typeface="微软雅黑" pitchFamily="34" charset="-122"/>
+                <a:ea typeface="微软雅黑" pitchFamily="34" charset="-122"/>
+              </a:rPr>
+              <a:t>原理和向量旋转</a:t>
+            </a:r>
+            <a:r>
+              <a:rPr lang="en-US" altLang="zh-CN" sz="1000" dirty="0" smtClean="0">
+                <a:solidFill>
+                  <a:schemeClr val="tx1">
+                    <a:lumMod val="75000"/>
+                    <a:lumOff val="25000"/>
+                  </a:schemeClr>
+                </a:solidFill>
+                <a:latin typeface="微软雅黑" pitchFamily="34" charset="-122"/>
+                <a:ea typeface="微软雅黑" pitchFamily="34" charset="-122"/>
+              </a:rPr>
+              <a:t>90</a:t>
+            </a:r>
+            <a:r>
+              <a:rPr lang="zh-CN" altLang="en-US" sz="1000" dirty="0" smtClean="0">
+                <a:solidFill>
+                  <a:schemeClr val="tx1">
+                    <a:lumMod val="75000"/>
+                    <a:lumOff val="25000"/>
+                  </a:schemeClr>
+                </a:solidFill>
+                <a:latin typeface="微软雅黑" pitchFamily="34" charset="-122"/>
+                <a:ea typeface="微软雅黑" pitchFamily="34" charset="-122"/>
+              </a:rPr>
+              <a:t>度一样。</a:t>
+            </a:r>
+            <a:endParaRPr lang="en-US" altLang="zh-CN" sz="1000" dirty="0" smtClean="0">
+              <a:solidFill>
+                <a:schemeClr val="tx1">
+                  <a:lumMod val="75000"/>
+                  <a:lumOff val="25000"/>
+                </a:schemeClr>
+              </a:solidFill>
+              <a:latin typeface="微软雅黑" pitchFamily="34" charset="-122"/>
+              <a:ea typeface="微软雅黑" pitchFamily="34" charset="-122"/>
+            </a:endParaRPr>
+          </a:p>
+          <a:p>
+            <a:endParaRPr lang="en-US" altLang="zh-CN" sz="1000" dirty="0">
+              <a:solidFill>
+                <a:schemeClr val="tx1">
+                  <a:lumMod val="75000"/>
+                  <a:lumOff val="25000"/>
+                </a:schemeClr>
+              </a:solidFill>
+              <a:latin typeface="微软雅黑" pitchFamily="34" charset="-122"/>
+              <a:ea typeface="微软雅黑" pitchFamily="34" charset="-122"/>
+            </a:endParaRPr>
+          </a:p>
+          <a:p>
+            <a:endParaRPr lang="en-US" altLang="zh-CN" sz="1000" dirty="0" smtClean="0">
+              <a:solidFill>
+                <a:schemeClr val="tx1">
+                  <a:lumMod val="75000"/>
+                  <a:lumOff val="25000"/>
+                </a:schemeClr>
+              </a:solidFill>
+              <a:latin typeface="微软雅黑" pitchFamily="34" charset="-122"/>
+              <a:ea typeface="微软雅黑" pitchFamily="34" charset="-122"/>
+            </a:endParaRPr>
+          </a:p>
+          <a:p>
+            <a:r>
+              <a:rPr lang="en-US" altLang="zh-CN" sz="1000" dirty="0" smtClean="0">
+                <a:solidFill>
+                  <a:schemeClr val="tx1">
+                    <a:lumMod val="75000"/>
+                    <a:lumOff val="25000"/>
+                  </a:schemeClr>
+                </a:solidFill>
+                <a:latin typeface="微软雅黑" pitchFamily="34" charset="-122"/>
+                <a:ea typeface="微软雅黑" pitchFamily="34" charset="-122"/>
+              </a:rPr>
+              <a:t>(1, </a:t>
+            </a:r>
+            <a:r>
+              <a:rPr lang="en-US" altLang="zh-CN" sz="1000" dirty="0" err="1" smtClean="0">
+                <a:solidFill>
+                  <a:schemeClr val="tx1">
+                    <a:lumMod val="75000"/>
+                    <a:lumOff val="25000"/>
+                  </a:schemeClr>
+                </a:solidFill>
+                <a:latin typeface="微软雅黑" pitchFamily="34" charset="-122"/>
+                <a:ea typeface="微软雅黑" pitchFamily="34" charset="-122"/>
+              </a:rPr>
+              <a:t>fu</a:t>
+            </a:r>
+            <a:r>
+              <a:rPr lang="en-US" altLang="zh-CN" sz="1000" dirty="0" smtClean="0">
+                <a:solidFill>
+                  <a:schemeClr val="tx1">
+                    <a:lumMod val="75000"/>
+                    <a:lumOff val="25000"/>
+                  </a:schemeClr>
+                </a:solidFill>
+                <a:latin typeface="微软雅黑" pitchFamily="34" charset="-122"/>
+                <a:ea typeface="微软雅黑" pitchFamily="34" charset="-122"/>
+              </a:rPr>
+              <a:t>) -&gt; </a:t>
+            </a:r>
+            <a:r>
+              <a:rPr lang="zh-CN" altLang="en-US" sz="1000" dirty="0" smtClean="0">
+                <a:solidFill>
+                  <a:schemeClr val="tx1">
+                    <a:lumMod val="75000"/>
+                    <a:lumOff val="25000"/>
+                  </a:schemeClr>
+                </a:solidFill>
+                <a:latin typeface="微软雅黑" pitchFamily="34" charset="-122"/>
+                <a:ea typeface="微软雅黑" pitchFamily="34" charset="-122"/>
+              </a:rPr>
+              <a:t>旋转</a:t>
+            </a:r>
+            <a:r>
+              <a:rPr lang="en-US" altLang="zh-CN" sz="1000" dirty="0" smtClean="0">
+                <a:solidFill>
+                  <a:schemeClr val="tx1">
+                    <a:lumMod val="75000"/>
+                    <a:lumOff val="25000"/>
+                  </a:schemeClr>
+                </a:solidFill>
+                <a:latin typeface="微软雅黑" pitchFamily="34" charset="-122"/>
+                <a:ea typeface="微软雅黑" pitchFamily="34" charset="-122"/>
+              </a:rPr>
+              <a:t>90</a:t>
+            </a:r>
+            <a:r>
+              <a:rPr lang="zh-CN" altLang="en-US" sz="1000" dirty="0" smtClean="0">
+                <a:solidFill>
+                  <a:schemeClr val="tx1">
+                    <a:lumMod val="75000"/>
+                    <a:lumOff val="25000"/>
+                  </a:schemeClr>
+                </a:solidFill>
+                <a:latin typeface="微软雅黑" pitchFamily="34" charset="-122"/>
+                <a:ea typeface="微软雅黑" pitchFamily="34" charset="-122"/>
+              </a:rPr>
+              <a:t>度 </a:t>
+            </a:r>
+            <a:r>
+              <a:rPr lang="en-US" altLang="zh-CN" sz="1000" dirty="0" smtClean="0">
+                <a:solidFill>
+                  <a:schemeClr val="tx1">
+                    <a:lumMod val="75000"/>
+                    <a:lumOff val="25000"/>
+                  </a:schemeClr>
+                </a:solidFill>
+                <a:latin typeface="微软雅黑" pitchFamily="34" charset="-122"/>
+                <a:ea typeface="微软雅黑" pitchFamily="34" charset="-122"/>
+              </a:rPr>
+              <a:t>-&gt; (-</a:t>
+            </a:r>
+            <a:r>
+              <a:rPr lang="en-US" altLang="zh-CN" sz="1000" dirty="0" err="1" smtClean="0">
+                <a:solidFill>
+                  <a:schemeClr val="tx1">
+                    <a:lumMod val="75000"/>
+                    <a:lumOff val="25000"/>
+                  </a:schemeClr>
+                </a:solidFill>
+                <a:latin typeface="微软雅黑" pitchFamily="34" charset="-122"/>
+                <a:ea typeface="微软雅黑" pitchFamily="34" charset="-122"/>
+              </a:rPr>
+              <a:t>fu</a:t>
+            </a:r>
+            <a:r>
+              <a:rPr lang="en-US" altLang="zh-CN" sz="1000" dirty="0" smtClean="0">
+                <a:solidFill>
+                  <a:schemeClr val="tx1">
+                    <a:lumMod val="75000"/>
+                    <a:lumOff val="25000"/>
+                  </a:schemeClr>
+                </a:solidFill>
+                <a:latin typeface="微软雅黑" pitchFamily="34" charset="-122"/>
+                <a:ea typeface="微软雅黑" pitchFamily="34" charset="-122"/>
+              </a:rPr>
+              <a:t>, 0)</a:t>
+            </a:r>
+          </a:p>
+          <a:p>
+            <a:endParaRPr lang="zh-CN" altLang="en-US" sz="1000" dirty="0">
+              <a:solidFill>
+                <a:schemeClr val="tx1">
+                  <a:lumMod val="75000"/>
+                  <a:lumOff val="25000"/>
+                </a:schemeClr>
+              </a:solidFill>
+              <a:latin typeface="微软雅黑" pitchFamily="34" charset="-122"/>
+              <a:ea typeface="微软雅黑" pitchFamily="34" charset="-122"/>
+            </a:endParaRPr>
+          </a:p>
+        </p:txBody>
+      </p:sp>
+    </p:spTree>
+    <p:extLst>
+      <p:ext uri="{BB962C8B-B14F-4D97-AF65-F5344CB8AC3E}">
+        <p14:creationId xmlns:p14="http://schemas.microsoft.com/office/powerpoint/2010/main" val="2525818729"/>
       </p:ext>
     </p:extLst>
   </p:cSld>
@@ -3627,4 +7249,289 @@
   <a:objectDefaults/>
   <a:extraClrSchemeLst/>
 </a:theme>
+</file>
+
+<file path=ppt/theme/theme2.xml><?xml version="1.0" encoding="utf-8"?>
+<a:theme xmlns:a="http://schemas.openxmlformats.org/drawingml/2006/main" name="Office 主题​​">
+  <a:themeElements>
+    <a:clrScheme name="Office">
+      <a:dk1>
+        <a:sysClr val="windowText" lastClr="000000"/>
+      </a:dk1>
+      <a:lt1>
+        <a:sysClr val="window" lastClr="FFFFFF"/>
+      </a:lt1>
+      <a:dk2>
+        <a:srgbClr val="1F497D"/>
+      </a:dk2>
+      <a:lt2>
+        <a:srgbClr val="EEECE1"/>
+      </a:lt2>
+      <a:accent1>
+        <a:srgbClr val="4F81BD"/>
+      </a:accent1>
+      <a:accent2>
+        <a:srgbClr val="C0504D"/>
+      </a:accent2>
+      <a:accent3>
+        <a:srgbClr val="9BBB59"/>
+      </a:accent3>
+      <a:accent4>
+        <a:srgbClr val="8064A2"/>
+      </a:accent4>
+      <a:accent5>
+        <a:srgbClr val="4BACC6"/>
+      </a:accent5>
+      <a:accent6>
+        <a:srgbClr val="F79646"/>
+      </a:accent6>
+      <a:hlink>
+        <a:srgbClr val="0000FF"/>
+      </a:hlink>
+      <a:folHlink>
+        <a:srgbClr val="800080"/>
+      </a:folHlink>
+    </a:clrScheme>
+    <a:fontScheme name="Office">
+      <a:majorFont>
+        <a:latin typeface="Calibri"/>
+        <a:ea typeface=""/>
+        <a:cs typeface=""/>
+        <a:font script="Jpan" typeface="ＭＳ Ｐゴシック"/>
+        <a:font script="Hang" typeface="맑은 고딕"/>
+        <a:font script="Hans" typeface="宋体"/>
+        <a:font script="Hant" typeface="新細明體"/>
+        <a:font script="Arab" typeface="Times New Roman"/>
+        <a:font script="Hebr" typeface="Times New Roman"/>
+        <a:font script="Thai" typeface="Angsana New"/>
+        <a:font script="Ethi" typeface="Nyala"/>
+        <a:font script="Beng" typeface="Vrinda"/>
+        <a:font script="Gujr" typeface="Shruti"/>
+        <a:font script="Khmr" typeface="MoolBoran"/>
+        <a:font script="Knda" typeface="Tunga"/>
+        <a:font script="Guru" typeface="Raavi"/>
+        <a:font script="Cans" typeface="Euphemia"/>
+        <a:font script="Cher" typeface="Plantagenet Cherokee"/>
+        <a:font script="Yiii" typeface="Microsoft Yi Baiti"/>
+        <a:font script="Tibt" typeface="Microsoft Himalaya"/>
+        <a:font script="Thaa" typeface="MV Boli"/>
+        <a:font script="Deva" typeface="Mangal"/>
+        <a:font script="Telu" typeface="Gautami"/>
+        <a:font script="Taml" typeface="Latha"/>
+        <a:font script="Syrc" typeface="Estrangelo Edessa"/>
+        <a:font script="Orya" typeface="Kalinga"/>
+        <a:font script="Mlym" typeface="Kartika"/>
+        <a:font script="Laoo" typeface="DokChampa"/>
+        <a:font script="Sinh" typeface="Iskoola Pota"/>
+        <a:font script="Mong" typeface="Mongolian Baiti"/>
+        <a:font script="Viet" typeface="Times New Roman"/>
+        <a:font script="Uigh" typeface="Microsoft Uighur"/>
+        <a:font script="Geor" typeface="Sylfaen"/>
+      </a:majorFont>
+      <a:minorFont>
+        <a:latin typeface="Calibri"/>
+        <a:ea typeface=""/>
+        <a:cs typeface=""/>
+        <a:font script="Jpan" typeface="ＭＳ Ｐゴシック"/>
+        <a:font script="Hang" typeface="맑은 고딕"/>
+        <a:font script="Hans" typeface="宋体"/>
+        <a:font script="Hant" typeface="新細明體"/>
+        <a:font script="Arab" typeface="Arial"/>
+        <a:font script="Hebr" typeface="Arial"/>
+        <a:font script="Thai" typeface="Cordia New"/>
+        <a:font script="Ethi" typeface="Nyala"/>
+        <a:font script="Beng" typeface="Vrinda"/>
+        <a:font script="Gujr" typeface="Shruti"/>
+        <a:font script="Khmr" typeface="DaunPenh"/>
+        <a:font script="Knda" typeface="Tunga"/>
+        <a:font script="Guru" typeface="Raavi"/>
+        <a:font script="Cans" typeface="Euphemia"/>
+        <a:font script="Cher" typeface="Plantagenet Cherokee"/>
+        <a:font script="Yiii" typeface="Microsoft Yi Baiti"/>
+        <a:font script="Tibt" typeface="Microsoft Himalaya"/>
+        <a:font script="Thaa" typeface="MV Boli"/>
+        <a:font script="Deva" typeface="Mangal"/>
+        <a:font script="Telu" typeface="Gautami"/>
+        <a:font script="Taml" typeface="Latha"/>
+        <a:font script="Syrc" typeface="Estrangelo Edessa"/>
+        <a:font script="Orya" typeface="Kalinga"/>
+        <a:font script="Mlym" typeface="Kartika"/>
+        <a:font script="Laoo" typeface="DokChampa"/>
+        <a:font script="Sinh" typeface="Iskoola Pota"/>
+        <a:font script="Mong" typeface="Mongolian Baiti"/>
+        <a:font script="Viet" typeface="Arial"/>
+        <a:font script="Uigh" typeface="Microsoft Uighur"/>
+        <a:font script="Geor" typeface="Sylfaen"/>
+      </a:minorFont>
+    </a:fontScheme>
+    <a:fmtScheme name="Office">
+      <a:fillStyleLst>
+        <a:solidFill>
+          <a:schemeClr val="phClr"/>
+        </a:solidFill>
+        <a:gradFill rotWithShape="1">
+          <a:gsLst>
+            <a:gs pos="0">
+              <a:schemeClr val="phClr">
+                <a:tint val="50000"/>
+                <a:satMod val="300000"/>
+              </a:schemeClr>
+            </a:gs>
+            <a:gs pos="35000">
+              <a:schemeClr val="phClr">
+                <a:tint val="37000"/>
+                <a:satMod val="300000"/>
+              </a:schemeClr>
+            </a:gs>
+            <a:gs pos="100000">
+              <a:schemeClr val="phClr">
+                <a:tint val="15000"/>
+                <a:satMod val="350000"/>
+              </a:schemeClr>
+            </a:gs>
+          </a:gsLst>
+          <a:lin ang="16200000" scaled="1"/>
+        </a:gradFill>
+        <a:gradFill rotWithShape="1">
+          <a:gsLst>
+            <a:gs pos="0">
+              <a:schemeClr val="phClr">
+                <a:shade val="51000"/>
+                <a:satMod val="130000"/>
+              </a:schemeClr>
+            </a:gs>
+            <a:gs pos="80000">
+              <a:schemeClr val="phClr">
+                <a:shade val="93000"/>
+                <a:satMod val="130000"/>
+              </a:schemeClr>
+            </a:gs>
+            <a:gs pos="100000">
+              <a:schemeClr val="phClr">
+                <a:shade val="94000"/>
+                <a:satMod val="135000"/>
+              </a:schemeClr>
+            </a:gs>
+          </a:gsLst>
+          <a:lin ang="16200000" scaled="0"/>
+        </a:gradFill>
+      </a:fillStyleLst>
+      <a:lnStyleLst>
+        <a:ln w="9525" cap="flat" cmpd="sng" algn="ctr">
+          <a:solidFill>
+            <a:schemeClr val="phClr">
+              <a:shade val="95000"/>
+              <a:satMod val="105000"/>
+            </a:schemeClr>
+          </a:solidFill>
+          <a:prstDash val="solid"/>
+        </a:ln>
+        <a:ln w="25400" cap="flat" cmpd="sng" algn="ctr">
+          <a:solidFill>
+            <a:schemeClr val="phClr"/>
+          </a:solidFill>
+          <a:prstDash val="solid"/>
+        </a:ln>
+        <a:ln w="38100" cap="flat" cmpd="sng" algn="ctr">
+          <a:solidFill>
+            <a:schemeClr val="phClr"/>
+          </a:solidFill>
+          <a:prstDash val="solid"/>
+        </a:ln>
+      </a:lnStyleLst>
+      <a:effectStyleLst>
+        <a:effectStyle>
+          <a:effectLst>
+            <a:outerShdw blurRad="40000" dist="20000" dir="5400000" rotWithShape="0">
+              <a:srgbClr val="000000">
+                <a:alpha val="38000"/>
+              </a:srgbClr>
+            </a:outerShdw>
+          </a:effectLst>
+        </a:effectStyle>
+        <a:effectStyle>
+          <a:effectLst>
+            <a:outerShdw blurRad="40000" dist="23000" dir="5400000" rotWithShape="0">
+              <a:srgbClr val="000000">
+                <a:alpha val="35000"/>
+              </a:srgbClr>
+            </a:outerShdw>
+          </a:effectLst>
+        </a:effectStyle>
+        <a:effectStyle>
+          <a:effectLst>
+            <a:outerShdw blurRad="40000" dist="23000" dir="5400000" rotWithShape="0">
+              <a:srgbClr val="000000">
+                <a:alpha val="35000"/>
+              </a:srgbClr>
+            </a:outerShdw>
+          </a:effectLst>
+          <a:scene3d>
+            <a:camera prst="orthographicFront">
+              <a:rot lat="0" lon="0" rev="0"/>
+            </a:camera>
+            <a:lightRig rig="threePt" dir="t">
+              <a:rot lat="0" lon="0" rev="1200000"/>
+            </a:lightRig>
+          </a:scene3d>
+          <a:sp3d>
+            <a:bevelT w="63500" h="25400"/>
+          </a:sp3d>
+        </a:effectStyle>
+      </a:effectStyleLst>
+      <a:bgFillStyleLst>
+        <a:solidFill>
+          <a:schemeClr val="phClr"/>
+        </a:solidFill>
+        <a:gradFill rotWithShape="1">
+          <a:gsLst>
+            <a:gs pos="0">
+              <a:schemeClr val="phClr">
+                <a:tint val="40000"/>
+                <a:satMod val="350000"/>
+              </a:schemeClr>
+            </a:gs>
+            <a:gs pos="40000">
+              <a:schemeClr val="phClr">
+                <a:tint val="45000"/>
+                <a:shade val="99000"/>
+                <a:satMod val="350000"/>
+              </a:schemeClr>
+            </a:gs>
+            <a:gs pos="100000">
+              <a:schemeClr val="phClr">
+                <a:shade val="20000"/>
+                <a:satMod val="255000"/>
+              </a:schemeClr>
+            </a:gs>
+          </a:gsLst>
+          <a:path path="circle">
+            <a:fillToRect l="50000" t="-80000" r="50000" b="180000"/>
+          </a:path>
+        </a:gradFill>
+        <a:gradFill rotWithShape="1">
+          <a:gsLst>
+            <a:gs pos="0">
+              <a:schemeClr val="phClr">
+                <a:tint val="80000"/>
+                <a:satMod val="300000"/>
+              </a:schemeClr>
+            </a:gs>
+            <a:gs pos="100000">
+              <a:schemeClr val="phClr">
+                <a:shade val="30000"/>
+                <a:satMod val="200000"/>
+              </a:schemeClr>
+            </a:gs>
+          </a:gsLst>
+          <a:path path="circle">
+            <a:fillToRect l="50000" t="50000" r="50000" b="50000"/>
+          </a:path>
+        </a:gradFill>
+      </a:bgFillStyleLst>
+    </a:fmtScheme>
+  </a:themeElements>
+  <a:objectDefaults/>
+  <a:extraClrSchemeLst/>
+</a:theme>
 </file>
--- a/BezierLine.pptx
+++ b/BezierLine.pptx
@@ -5,13 +5,16 @@
     <p:sldMasterId id="2147483648" r:id="rId1"/>
   </p:sldMasterIdLst>
   <p:notesMasterIdLst>
-    <p:notesMasterId r:id="rId6"/>
+    <p:notesMasterId r:id="rId9"/>
   </p:notesMasterIdLst>
   <p:sldIdLst>
     <p:sldId id="256" r:id="rId2"/>
-    <p:sldId id="259" r:id="rId3"/>
-    <p:sldId id="257" r:id="rId4"/>
-    <p:sldId id="258" r:id="rId5"/>
+    <p:sldId id="260" r:id="rId3"/>
+    <p:sldId id="261" r:id="rId4"/>
+    <p:sldId id="262" r:id="rId5"/>
+    <p:sldId id="263" r:id="rId6"/>
+    <p:sldId id="257" r:id="rId7"/>
+    <p:sldId id="258" r:id="rId8"/>
   </p:sldIdLst>
   <p:sldSz cx="9144000" cy="6858000" type="screen4x3"/>
   <p:notesSz cx="6858000" cy="9144000"/>
@@ -195,7 +198,7 @@
           <a:p>
             <a:fld id="{F742C82A-D201-4BDD-AAB3-9B0E7401756D}" type="datetimeFigureOut">
               <a:rPr lang="zh-CN" altLang="en-US" smtClean="0"/>
-              <a:t>2017/12/5</a:t>
+              <a:t>2017/12/6</a:t>
             </a:fld>
             <a:endParaRPr lang="zh-CN" altLang="en-US"/>
           </a:p>
@@ -644,7 +647,7 @@
           <a:p>
             <a:fld id="{530820CF-B880-4189-942D-D702A7CBA730}" type="datetimeFigureOut">
               <a:rPr lang="zh-CN" altLang="en-US" smtClean="0"/>
-              <a:t>2017/12/5</a:t>
+              <a:t>2017/12/6</a:t>
             </a:fld>
             <a:endParaRPr lang="zh-CN" altLang="en-US"/>
           </a:p>
@@ -809,7 +812,7 @@
           <a:p>
             <a:fld id="{530820CF-B880-4189-942D-D702A7CBA730}" type="datetimeFigureOut">
               <a:rPr lang="zh-CN" altLang="en-US" smtClean="0"/>
-              <a:t>2017/12/5</a:t>
+              <a:t>2017/12/6</a:t>
             </a:fld>
             <a:endParaRPr lang="zh-CN" altLang="en-US"/>
           </a:p>
@@ -984,7 +987,7 @@
           <a:p>
             <a:fld id="{530820CF-B880-4189-942D-D702A7CBA730}" type="datetimeFigureOut">
               <a:rPr lang="zh-CN" altLang="en-US" smtClean="0"/>
-              <a:t>2017/12/5</a:t>
+              <a:t>2017/12/6</a:t>
             </a:fld>
             <a:endParaRPr lang="zh-CN" altLang="en-US"/>
           </a:p>
@@ -1149,7 +1152,7 @@
           <a:p>
             <a:fld id="{530820CF-B880-4189-942D-D702A7CBA730}" type="datetimeFigureOut">
               <a:rPr lang="zh-CN" altLang="en-US" smtClean="0"/>
-              <a:t>2017/12/5</a:t>
+              <a:t>2017/12/6</a:t>
             </a:fld>
             <a:endParaRPr lang="zh-CN" altLang="en-US"/>
           </a:p>
@@ -1390,7 +1393,7 @@
           <a:p>
             <a:fld id="{530820CF-B880-4189-942D-D702A7CBA730}" type="datetimeFigureOut">
               <a:rPr lang="zh-CN" altLang="en-US" smtClean="0"/>
-              <a:t>2017/12/5</a:t>
+              <a:t>2017/12/6</a:t>
             </a:fld>
             <a:endParaRPr lang="zh-CN" altLang="en-US"/>
           </a:p>
@@ -1673,7 +1676,7 @@
           <a:p>
             <a:fld id="{530820CF-B880-4189-942D-D702A7CBA730}" type="datetimeFigureOut">
               <a:rPr lang="zh-CN" altLang="en-US" smtClean="0"/>
-              <a:t>2017/12/5</a:t>
+              <a:t>2017/12/6</a:t>
             </a:fld>
             <a:endParaRPr lang="zh-CN" altLang="en-US"/>
           </a:p>
@@ -2090,7 +2093,7 @@
           <a:p>
             <a:fld id="{530820CF-B880-4189-942D-D702A7CBA730}" type="datetimeFigureOut">
               <a:rPr lang="zh-CN" altLang="en-US" smtClean="0"/>
-              <a:t>2017/12/5</a:t>
+              <a:t>2017/12/6</a:t>
             </a:fld>
             <a:endParaRPr lang="zh-CN" altLang="en-US"/>
           </a:p>
@@ -2203,7 +2206,7 @@
           <a:p>
             <a:fld id="{530820CF-B880-4189-942D-D702A7CBA730}" type="datetimeFigureOut">
               <a:rPr lang="zh-CN" altLang="en-US" smtClean="0"/>
-              <a:t>2017/12/5</a:t>
+              <a:t>2017/12/6</a:t>
             </a:fld>
             <a:endParaRPr lang="zh-CN" altLang="en-US"/>
           </a:p>
@@ -2293,7 +2296,7 @@
           <a:p>
             <a:fld id="{530820CF-B880-4189-942D-D702A7CBA730}" type="datetimeFigureOut">
               <a:rPr lang="zh-CN" altLang="en-US" smtClean="0"/>
-              <a:t>2017/12/5</a:t>
+              <a:t>2017/12/6</a:t>
             </a:fld>
             <a:endParaRPr lang="zh-CN" altLang="en-US"/>
           </a:p>
@@ -2565,7 +2568,7 @@
           <a:p>
             <a:fld id="{530820CF-B880-4189-942D-D702A7CBA730}" type="datetimeFigureOut">
               <a:rPr lang="zh-CN" altLang="en-US" smtClean="0"/>
-              <a:t>2017/12/5</a:t>
+              <a:t>2017/12/6</a:t>
             </a:fld>
             <a:endParaRPr lang="zh-CN" altLang="en-US"/>
           </a:p>
@@ -2813,7 +2816,7 @@
           <a:p>
             <a:fld id="{530820CF-B880-4189-942D-D702A7CBA730}" type="datetimeFigureOut">
               <a:rPr lang="zh-CN" altLang="en-US" smtClean="0"/>
-              <a:t>2017/12/5</a:t>
+              <a:t>2017/12/6</a:t>
             </a:fld>
             <a:endParaRPr lang="zh-CN" altLang="en-US"/>
           </a:p>
@@ -3021,7 +3024,7 @@
           <a:p>
             <a:fld id="{530820CF-B880-4189-942D-D702A7CBA730}" type="datetimeFigureOut">
               <a:rPr lang="zh-CN" altLang="en-US" smtClean="0"/>
-              <a:t>2017/12/5</a:t>
+              <a:t>2017/12/6</a:t>
             </a:fld>
             <a:endParaRPr lang="zh-CN" altLang="en-US"/>
           </a:p>
@@ -5539,51 +5542,424 @@
       </p:grpSpPr>
       <p:sp>
         <p:nvSpPr>
-          <p:cNvPr id="21" name="TextBox 20"/>
-          <p:cNvSpPr txBox="1"/>
-          <p:nvPr/>
+          <p:cNvPr id="2" name="标题 1"/>
+          <p:cNvSpPr>
+            <a:spLocks noGrp="1"/>
+          </p:cNvSpPr>
+          <p:nvPr>
+            <p:ph type="title"/>
+          </p:nvPr>
+        </p:nvSpPr>
+        <p:spPr/>
+        <p:txBody>
+          <a:bodyPr/>
+          <a:lstStyle/>
+          <a:p>
+            <a:r>
+              <a:rPr lang="en-US" altLang="zh-CN" dirty="0" smtClean="0"/>
+              <a:t>Catmull-Rom Splines</a:t>
+            </a:r>
+            <a:endParaRPr lang="zh-CN" altLang="en-US" dirty="0"/>
+          </a:p>
+        </p:txBody>
+      </p:sp>
+      <p:sp>
+        <p:nvSpPr>
+          <p:cNvPr id="3" name="内容占位符 2"/>
+          <p:cNvSpPr>
+            <a:spLocks noGrp="1"/>
+          </p:cNvSpPr>
+          <p:nvPr>
+            <p:ph idx="1"/>
+          </p:nvPr>
         </p:nvSpPr>
         <p:spPr>
           <a:xfrm>
-            <a:off x="7653180" y="3974"/>
-            <a:ext cx="1486561" cy="369332"/>
+            <a:off x="467544" y="2420889"/>
+            <a:ext cx="8229600" cy="1800200"/>
           </a:xfrm>
-          <a:prstGeom prst="rect">
-            <a:avLst/>
-          </a:prstGeom>
-          <a:noFill/>
         </p:spPr>
         <p:txBody>
-          <a:bodyPr wrap="none" rtlCol="0">
-            <a:spAutoFit/>
+          <a:bodyPr>
+            <a:normAutofit/>
           </a:bodyPr>
           <a:lstStyle/>
           <a:p>
             <a:r>
+              <a:rPr lang="en-US" altLang="zh-CN" sz="1400" dirty="0">
+                <a:latin typeface="微软雅黑" pitchFamily="34" charset="-122"/>
+                <a:ea typeface="微软雅黑" pitchFamily="34" charset="-122"/>
+              </a:rPr>
+              <a:t> cubic interpolating </a:t>
+            </a:r>
+            <a:r>
+              <a:rPr lang="en-US" altLang="zh-CN" sz="1400" dirty="0" smtClean="0">
+                <a:latin typeface="微软雅黑" pitchFamily="34" charset="-122"/>
+                <a:ea typeface="微软雅黑" pitchFamily="34" charset="-122"/>
+              </a:rPr>
+              <a:t>splines -&lt;</a:t>
+            </a:r>
+            <a:r>
+              <a:rPr lang="zh-CN" altLang="en-US" sz="1400" dirty="0" smtClean="0">
+                <a:latin typeface="微软雅黑" pitchFamily="34" charset="-122"/>
+                <a:ea typeface="微软雅黑" pitchFamily="34" charset="-122"/>
+              </a:rPr>
+              <a:t>三次插值曲线</a:t>
+            </a:r>
+            <a:r>
+              <a:rPr lang="en-US" altLang="zh-CN" sz="1400" dirty="0" smtClean="0">
+                <a:latin typeface="微软雅黑" pitchFamily="34" charset="-122"/>
+                <a:ea typeface="微软雅黑" pitchFamily="34" charset="-122"/>
+              </a:rPr>
+              <a:t>&gt;</a:t>
+            </a:r>
+          </a:p>
+          <a:p>
+            <a:endParaRPr lang="en-US" altLang="zh-CN" sz="1400" dirty="0">
+              <a:latin typeface="微软雅黑" pitchFamily="34" charset="-122"/>
+              <a:ea typeface="微软雅黑" pitchFamily="34" charset="-122"/>
+            </a:endParaRPr>
+          </a:p>
+          <a:p>
+            <a:endParaRPr lang="en-US" altLang="zh-CN" sz="1400" dirty="0" smtClean="0">
+              <a:latin typeface="微软雅黑" pitchFamily="34" charset="-122"/>
+              <a:ea typeface="微软雅黑" pitchFamily="34" charset="-122"/>
+            </a:endParaRPr>
+          </a:p>
+          <a:p>
+            <a:endParaRPr lang="en-US" altLang="zh-CN" sz="1400" dirty="0">
+              <a:latin typeface="微软雅黑" pitchFamily="34" charset="-122"/>
+              <a:ea typeface="微软雅黑" pitchFamily="34" charset="-122"/>
+            </a:endParaRPr>
+          </a:p>
+          <a:p>
+            <a:r>
+              <a:rPr lang="en-US" altLang="zh-CN" sz="1400" dirty="0">
+                <a:latin typeface="微软雅黑" pitchFamily="34" charset="-122"/>
+                <a:ea typeface="微软雅黑" pitchFamily="34" charset="-122"/>
+              </a:rPr>
+              <a:t>Rules : </a:t>
+            </a:r>
+            <a:r>
+              <a:rPr lang="en-US" altLang="zh-CN" sz="1400" dirty="0" smtClean="0">
+                <a:latin typeface="微软雅黑" pitchFamily="34" charset="-122"/>
+                <a:ea typeface="微软雅黑" pitchFamily="34" charset="-122"/>
+              </a:rPr>
+              <a:t>the </a:t>
+            </a:r>
+            <a:r>
+              <a:rPr lang="en-US" altLang="zh-CN" sz="1400" dirty="0">
+                <a:latin typeface="微软雅黑" pitchFamily="34" charset="-122"/>
+                <a:ea typeface="微软雅黑" pitchFamily="34" charset="-122"/>
+              </a:rPr>
+              <a:t>tangent at </a:t>
+            </a:r>
+            <a:r>
+              <a:rPr lang="en-US" altLang="zh-CN" sz="1400" dirty="0" smtClean="0">
+                <a:latin typeface="微软雅黑" pitchFamily="34" charset="-122"/>
+                <a:ea typeface="微软雅黑" pitchFamily="34" charset="-122"/>
+              </a:rPr>
+              <a:t>each point </a:t>
+            </a:r>
+            <a:r>
+              <a:rPr lang="en-US" altLang="zh-CN" sz="1400" dirty="0">
+                <a:latin typeface="微软雅黑" pitchFamily="34" charset="-122"/>
+                <a:ea typeface="微软雅黑" pitchFamily="34" charset="-122"/>
+              </a:rPr>
+              <a:t>p i is calculated using the previous and next point on the spline, τ(p i+1 −p i−1 </a:t>
+            </a:r>
+            <a:r>
+              <a:rPr lang="en-US" altLang="zh-CN" sz="1400" dirty="0" smtClean="0">
+                <a:latin typeface="微软雅黑" pitchFamily="34" charset="-122"/>
+                <a:ea typeface="微软雅黑" pitchFamily="34" charset="-122"/>
+              </a:rPr>
+              <a:t>).</a:t>
+            </a:r>
+          </a:p>
+          <a:p>
+            <a:endParaRPr lang="en-US" altLang="zh-CN" sz="1400" dirty="0">
+              <a:latin typeface="微软雅黑" pitchFamily="34" charset="-122"/>
+              <a:ea typeface="微软雅黑" pitchFamily="34" charset="-122"/>
+            </a:endParaRPr>
+          </a:p>
+          <a:p>
+            <a:endParaRPr lang="en-US" altLang="zh-CN" sz="1400" dirty="0" smtClean="0">
+              <a:latin typeface="微软雅黑" pitchFamily="34" charset="-122"/>
+              <a:ea typeface="微软雅黑" pitchFamily="34" charset="-122"/>
+            </a:endParaRPr>
+          </a:p>
+          <a:p>
+            <a:endParaRPr lang="en-US" altLang="zh-CN" sz="1400" dirty="0">
+              <a:latin typeface="微软雅黑" pitchFamily="34" charset="-122"/>
+              <a:ea typeface="微软雅黑" pitchFamily="34" charset="-122"/>
+            </a:endParaRPr>
+          </a:p>
+          <a:p>
+            <a:endParaRPr lang="zh-CN" altLang="en-US" sz="1400" dirty="0">
+              <a:latin typeface="微软雅黑" pitchFamily="34" charset="-122"/>
+              <a:ea typeface="微软雅黑" pitchFamily="34" charset="-122"/>
+            </a:endParaRPr>
+          </a:p>
+        </p:txBody>
+      </p:sp>
+    </p:spTree>
+    <p:extLst>
+      <p:ext uri="{BB962C8B-B14F-4D97-AF65-F5344CB8AC3E}">
+        <p14:creationId xmlns:p14="http://schemas.microsoft.com/office/powerpoint/2010/main" val="4129235149"/>
+      </p:ext>
+    </p:extLst>
+  </p:cSld>
+  <p:clrMapOvr>
+    <a:masterClrMapping/>
+  </p:clrMapOvr>
+  <p:timing>
+    <p:tnLst>
+      <p:par>
+        <p:cTn id="1" dur="indefinite" restart="never" nodeType="tmRoot"/>
+      </p:par>
+    </p:tnLst>
+  </p:timing>
+</p:sld>
+</file>
+
+<file path=ppt/slides/slide3.xml><?xml version="1.0" encoding="utf-8"?>
+<p:sld xmlns:a="http://schemas.openxmlformats.org/drawingml/2006/main" xmlns:r="http://schemas.openxmlformats.org/officeDocument/2006/relationships" xmlns:p="http://schemas.openxmlformats.org/presentationml/2006/main">
+  <p:cSld>
+    <p:spTree>
+      <p:nvGrpSpPr>
+        <p:cNvPr id="1" name=""/>
+        <p:cNvGrpSpPr/>
+        <p:nvPr/>
+      </p:nvGrpSpPr>
+      <p:grpSpPr>
+        <a:xfrm>
+          <a:off x="0" y="0"/>
+          <a:ext cx="0" cy="0"/>
+          <a:chOff x="0" y="0"/>
+          <a:chExt cx="0" cy="0"/>
+        </a:xfrm>
+      </p:grpSpPr>
+      <p:sp>
+        <p:nvSpPr>
+          <p:cNvPr id="2" name="标题 1"/>
+          <p:cNvSpPr>
+            <a:spLocks noGrp="1"/>
+          </p:cNvSpPr>
+          <p:nvPr>
+            <p:ph type="title"/>
+          </p:nvPr>
+        </p:nvSpPr>
+        <p:spPr/>
+        <p:txBody>
+          <a:bodyPr/>
+          <a:lstStyle/>
+          <a:p>
+            <a:r>
               <a:rPr lang="en-US" altLang="zh-CN" dirty="0" smtClean="0">
                 <a:solidFill>
-                  <a:schemeClr val="tx1">
-                    <a:lumMod val="50000"/>
-                    <a:lumOff val="50000"/>
-                  </a:schemeClr>
+                  <a:srgbClr val="FF0000"/>
                 </a:solidFill>
               </a:rPr>
-              <a:t>Stellar Theory</a:t>
+              <a:t>Catmull</a:t>
+            </a:r>
+            <a:r>
+              <a:rPr lang="en-US" altLang="zh-CN" dirty="0" smtClean="0"/>
+              <a:t> VS </a:t>
+            </a:r>
+            <a:r>
+              <a:rPr lang="en-US" altLang="zh-CN" dirty="0" smtClean="0">
+                <a:solidFill>
+                  <a:srgbClr val="0070C0"/>
+                </a:solidFill>
+              </a:rPr>
+              <a:t>Bezier</a:t>
             </a:r>
             <a:endParaRPr lang="zh-CN" altLang="en-US" dirty="0">
               <a:solidFill>
-                <a:schemeClr val="tx1">
-                  <a:lumMod val="50000"/>
-                  <a:lumOff val="50000"/>
-                </a:schemeClr>
+                <a:srgbClr val="0070C0"/>
               </a:solidFill>
             </a:endParaRPr>
           </a:p>
         </p:txBody>
       </p:sp>
+      <p:sp>
+        <p:nvSpPr>
+          <p:cNvPr id="4" name="内容占位符 3"/>
+          <p:cNvSpPr>
+            <a:spLocks noGrp="1"/>
+          </p:cNvSpPr>
+          <p:nvPr>
+            <p:ph idx="1"/>
+          </p:nvPr>
+        </p:nvSpPr>
+        <p:spPr>
+          <a:xfrm>
+            <a:off x="467544" y="2060848"/>
+            <a:ext cx="8229600" cy="3561259"/>
+          </a:xfrm>
+        </p:spPr>
+        <p:txBody>
+          <a:bodyPr>
+            <a:normAutofit/>
+          </a:bodyPr>
+          <a:lstStyle/>
+          <a:p>
+            <a:endParaRPr lang="en-US" altLang="zh-CN" sz="1600" dirty="0" smtClean="0">
+              <a:latin typeface="微软雅黑" pitchFamily="34" charset="-122"/>
+              <a:ea typeface="微软雅黑" pitchFamily="34" charset="-122"/>
+            </a:endParaRPr>
+          </a:p>
+          <a:p>
+            <a:r>
+              <a:rPr lang="en-US" altLang="zh-CN" sz="1600" dirty="0" smtClean="0">
+                <a:latin typeface="微软雅黑" pitchFamily="34" charset="-122"/>
+                <a:ea typeface="微软雅黑" pitchFamily="34" charset="-122"/>
+              </a:rPr>
+              <a:t>Catmull </a:t>
+            </a:r>
+            <a:r>
+              <a:rPr lang="zh-CN" altLang="en-US" sz="1600" dirty="0" smtClean="0">
+                <a:latin typeface="微软雅黑" pitchFamily="34" charset="-122"/>
+                <a:ea typeface="微软雅黑" pitchFamily="34" charset="-122"/>
+              </a:rPr>
+              <a:t>只绘制中间两点， </a:t>
+            </a:r>
+            <a:r>
+              <a:rPr lang="en-US" altLang="zh-CN" sz="1600" dirty="0" smtClean="0">
+                <a:latin typeface="微软雅黑" pitchFamily="34" charset="-122"/>
+                <a:ea typeface="微软雅黑" pitchFamily="34" charset="-122"/>
+              </a:rPr>
+              <a:t>Bezier</a:t>
+            </a:r>
+            <a:r>
+              <a:rPr lang="zh-CN" altLang="en-US" sz="1600" dirty="0" smtClean="0">
+                <a:latin typeface="微软雅黑" pitchFamily="34" charset="-122"/>
+                <a:ea typeface="微软雅黑" pitchFamily="34" charset="-122"/>
+              </a:rPr>
+              <a:t>绘制四个点</a:t>
+            </a:r>
+            <a:endParaRPr lang="en-US" altLang="zh-CN" sz="1600" dirty="0" smtClean="0">
+              <a:latin typeface="微软雅黑" pitchFamily="34" charset="-122"/>
+              <a:ea typeface="微软雅黑" pitchFamily="34" charset="-122"/>
+            </a:endParaRPr>
+          </a:p>
+          <a:p>
+            <a:endParaRPr lang="en-US" altLang="zh-CN" sz="1600" dirty="0">
+              <a:latin typeface="微软雅黑" pitchFamily="34" charset="-122"/>
+              <a:ea typeface="微软雅黑" pitchFamily="34" charset="-122"/>
+            </a:endParaRPr>
+          </a:p>
+          <a:p>
+            <a:endParaRPr lang="en-US" altLang="zh-CN" sz="1600" dirty="0" smtClean="0">
+              <a:latin typeface="微软雅黑" pitchFamily="34" charset="-122"/>
+              <a:ea typeface="微软雅黑" pitchFamily="34" charset="-122"/>
+            </a:endParaRPr>
+          </a:p>
+          <a:p>
+            <a:endParaRPr lang="en-US" altLang="zh-CN" sz="1600" dirty="0" smtClean="0">
+              <a:latin typeface="微软雅黑" pitchFamily="34" charset="-122"/>
+              <a:ea typeface="微软雅黑" pitchFamily="34" charset="-122"/>
+            </a:endParaRPr>
+          </a:p>
+          <a:p>
+            <a:r>
+              <a:rPr lang="en-US" altLang="zh-CN" sz="1600" dirty="0" smtClean="0">
+                <a:latin typeface="微软雅黑" pitchFamily="34" charset="-122"/>
+                <a:ea typeface="微软雅黑" pitchFamily="34" charset="-122"/>
+              </a:rPr>
+              <a:t>Catmull </a:t>
+            </a:r>
+            <a:r>
+              <a:rPr lang="zh-CN" altLang="en-US" sz="1600" dirty="0" smtClean="0">
+                <a:latin typeface="微软雅黑" pitchFamily="34" charset="-122"/>
+                <a:ea typeface="微软雅黑" pitchFamily="34" charset="-122"/>
+              </a:rPr>
+              <a:t>中间点的朝向由后点和前点确认， </a:t>
+            </a:r>
+            <a:r>
+              <a:rPr lang="en-US" altLang="zh-CN" sz="1600" dirty="0" smtClean="0">
+                <a:latin typeface="微软雅黑" pitchFamily="34" charset="-122"/>
+                <a:ea typeface="微软雅黑" pitchFamily="34" charset="-122"/>
+              </a:rPr>
+              <a:t>Bezier</a:t>
+            </a:r>
+            <a:r>
+              <a:rPr lang="zh-CN" altLang="en-US" sz="1600" dirty="0" smtClean="0">
+                <a:latin typeface="微软雅黑" pitchFamily="34" charset="-122"/>
+                <a:ea typeface="微软雅黑" pitchFamily="34" charset="-122"/>
+              </a:rPr>
+              <a:t>起点和终点朝向由中间点确认</a:t>
+            </a:r>
+            <a:endParaRPr lang="zh-CN" altLang="en-US" sz="1600" dirty="0">
+              <a:latin typeface="微软雅黑" pitchFamily="34" charset="-122"/>
+              <a:ea typeface="微软雅黑" pitchFamily="34" charset="-122"/>
+            </a:endParaRPr>
+          </a:p>
+        </p:txBody>
+      </p:sp>
+    </p:spTree>
+    <p:extLst>
+      <p:ext uri="{BB962C8B-B14F-4D97-AF65-F5344CB8AC3E}">
+        <p14:creationId xmlns:p14="http://schemas.microsoft.com/office/powerpoint/2010/main" val="1731174844"/>
+      </p:ext>
+    </p:extLst>
+  </p:cSld>
+  <p:clrMapOvr>
+    <a:masterClrMapping/>
+  </p:clrMapOvr>
+  <p:timing>
+    <p:tnLst>
+      <p:par>
+        <p:cTn id="1" dur="indefinite" restart="never" nodeType="tmRoot"/>
+      </p:par>
+    </p:tnLst>
+  </p:timing>
+</p:sld>
+</file>
+
+<file path=ppt/slides/slide4.xml><?xml version="1.0" encoding="utf-8"?>
+<p:sld xmlns:a="http://schemas.openxmlformats.org/drawingml/2006/main" xmlns:r="http://schemas.openxmlformats.org/officeDocument/2006/relationships" xmlns:p="http://schemas.openxmlformats.org/presentationml/2006/main">
+  <p:cSld>
+    <p:spTree>
+      <p:nvGrpSpPr>
+        <p:cNvPr id="1" name=""/>
+        <p:cNvGrpSpPr/>
+        <p:nvPr/>
+      </p:nvGrpSpPr>
+      <p:grpSpPr>
+        <a:xfrm>
+          <a:off x="0" y="0"/>
+          <a:ext cx="0" cy="0"/>
+          <a:chOff x="0" y="0"/>
+          <a:chExt cx="0" cy="0"/>
+        </a:xfrm>
+      </p:grpSpPr>
+      <p:sp>
+        <p:nvSpPr>
+          <p:cNvPr id="2" name="标题 1"/>
+          <p:cNvSpPr>
+            <a:spLocks noGrp="1"/>
+          </p:cNvSpPr>
+          <p:nvPr>
+            <p:ph type="title"/>
+          </p:nvPr>
+        </p:nvSpPr>
+        <p:spPr/>
+        <p:txBody>
+          <a:bodyPr/>
+          <a:lstStyle/>
+          <a:p>
+            <a:r>
+              <a:rPr lang="en-US" altLang="zh-CN" dirty="0" smtClean="0"/>
+              <a:t>Catmull </a:t>
+            </a:r>
+            <a:endParaRPr lang="zh-CN" altLang="en-US" dirty="0"/>
+          </a:p>
+        </p:txBody>
+      </p:sp>
       <p:pic>
         <p:nvPicPr>
-          <p:cNvPr id="1026" name="Picture 2"/>
+          <p:cNvPr id="4" name="Picture 2"/>
           <p:cNvPicPr>
             <a:picLocks noChangeAspect="1" noChangeArrowheads="1"/>
           </p:cNvPicPr>
@@ -5604,8 +5980,8 @@
         </p:blipFill>
         <p:spPr bwMode="auto">
           <a:xfrm>
-            <a:off x="35496" y="138133"/>
-            <a:ext cx="4995843" cy="2448272"/>
+            <a:off x="755576" y="2316223"/>
+            <a:ext cx="3379541" cy="1656184"/>
           </a:xfrm>
           <a:prstGeom prst="rect">
             <a:avLst/>
@@ -5645,6 +6021,1697 @@
           </a:extLst>
         </p:spPr>
       </p:pic>
+      <mc:AlternateContent xmlns:mc="http://schemas.openxmlformats.org/markup-compatibility/2006">
+        <mc:Choice xmlns:a14="http://schemas.microsoft.com/office/drawing/2010/main" Requires="a14">
+          <p:sp>
+            <p:nvSpPr>
+              <p:cNvPr id="5" name="TextBox 4"/>
+              <p:cNvSpPr txBox="1"/>
+              <p:nvPr/>
+            </p:nvSpPr>
+            <p:spPr>
+              <a:xfrm>
+                <a:off x="899592" y="4077072"/>
+                <a:ext cx="2342949" cy="396006"/>
+              </a:xfrm>
+              <a:prstGeom prst="rect">
+                <a:avLst/>
+              </a:prstGeom>
+              <a:noFill/>
+            </p:spPr>
+            <p:txBody>
+              <a:bodyPr wrap="none" rtlCol="0">
+                <a:spAutoFit/>
+              </a:bodyPr>
+              <a:lstStyle/>
+              <a:p>
+                <a:r>
+                  <a:rPr lang="en-US" altLang="zh-CN" dirty="0" smtClean="0"/>
+                  <a:t> </a:t>
+                </a:r>
+                <a14:m>
+                  <m:oMath xmlns:m="http://schemas.openxmlformats.org/officeDocument/2006/math">
+                    <m:sSub>
+                      <m:sSubPr>
+                        <m:ctrlPr>
+                          <a:rPr lang="en-US" altLang="zh-CN" i="1">
+                            <a:latin typeface="Cambria Math"/>
+                          </a:rPr>
+                        </m:ctrlPr>
+                      </m:sSubPr>
+                      <m:e>
+                        <m:r>
+                          <a:rPr lang="en-US" altLang="zh-CN" i="1">
+                            <a:latin typeface="Cambria Math"/>
+                          </a:rPr>
+                          <m:t>𝑝</m:t>
+                        </m:r>
+                      </m:e>
+                      <m:sub>
+                        <m:r>
+                          <a:rPr lang="en-US" altLang="zh-CN" b="0" i="1" smtClean="0">
+                            <a:latin typeface="Cambria Math"/>
+                          </a:rPr>
+                          <m:t>(0)</m:t>
+                        </m:r>
+                      </m:sub>
+                    </m:sSub>
+                    <m:r>
+                      <a:rPr lang="en-US" altLang="zh-CN" i="1">
+                        <a:latin typeface="Cambria Math"/>
+                      </a:rPr>
+                      <m:t> </m:t>
+                    </m:r>
+                  </m:oMath>
+                </a14:m>
+                <a:r>
+                  <a:rPr lang="en-US" altLang="zh-CN" dirty="0" smtClean="0"/>
+                  <a:t>= </a:t>
+                </a:r>
+                <a14:m>
+                  <m:oMath xmlns:m="http://schemas.openxmlformats.org/officeDocument/2006/math">
+                    <m:sSub>
+                      <m:sSubPr>
+                        <m:ctrlPr>
+                          <a:rPr lang="en-US" altLang="zh-CN" i="1" smtClean="0">
+                            <a:latin typeface="Cambria Math"/>
+                          </a:rPr>
+                        </m:ctrlPr>
+                      </m:sSubPr>
+                      <m:e>
+                        <m:r>
+                          <a:rPr lang="en-US" altLang="zh-CN" b="0" i="1" smtClean="0">
+                            <a:latin typeface="Cambria Math"/>
+                          </a:rPr>
+                          <m:t>𝑝</m:t>
+                        </m:r>
+                      </m:e>
+                      <m:sub>
+                        <m:r>
+                          <a:rPr lang="en-US" altLang="zh-CN" b="0" i="1" smtClean="0">
+                            <a:latin typeface="Cambria Math"/>
+                          </a:rPr>
+                          <m:t>𝑖</m:t>
+                        </m:r>
+                        <m:r>
+                          <a:rPr lang="en-US" altLang="zh-CN" b="0" i="1" smtClean="0">
+                            <a:latin typeface="Cambria Math"/>
+                          </a:rPr>
+                          <m:t> −1</m:t>
+                        </m:r>
+                      </m:sub>
+                    </m:sSub>
+                  </m:oMath>
+                </a14:m>
+                <a:r>
+                  <a:rPr lang="en-US" altLang="zh-CN" dirty="0" smtClean="0"/>
+                  <a:t>(</a:t>
+                </a:r>
+                <a:r>
+                  <a:rPr lang="zh-CN" altLang="en-US" dirty="0" smtClean="0"/>
+                  <a:t>绘制起点</a:t>
+                </a:r>
+                <a:r>
+                  <a:rPr lang="en-US" altLang="zh-CN" dirty="0" smtClean="0"/>
+                  <a:t>)</a:t>
+                </a:r>
+                <a:endParaRPr lang="zh-CN" altLang="en-US" dirty="0"/>
+              </a:p>
+            </p:txBody>
+          </p:sp>
+        </mc:Choice>
+        <mc:Fallback>
+          <p:sp>
+            <p:nvSpPr>
+              <p:cNvPr id="5" name="TextBox 4"/>
+              <p:cNvSpPr txBox="1">
+                <a:spLocks noRot="1" noChangeAspect="1" noMove="1" noResize="1" noEditPoints="1" noAdjustHandles="1" noChangeArrowheads="1" noChangeShapeType="1" noTextEdit="1"/>
+              </p:cNvSpPr>
+              <p:nvPr/>
+            </p:nvSpPr>
+            <p:spPr>
+              <a:xfrm>
+                <a:off x="899592" y="4077072"/>
+                <a:ext cx="2342949" cy="396006"/>
+              </a:xfrm>
+              <a:prstGeom prst="rect">
+                <a:avLst/>
+              </a:prstGeom>
+              <a:blipFill rotWithShape="1">
+                <a:blip r:embed="rId3"/>
+                <a:stretch>
+                  <a:fillRect t="-12308" r="-1823" b="-18462"/>
+                </a:stretch>
+              </a:blipFill>
+            </p:spPr>
+            <p:txBody>
+              <a:bodyPr/>
+              <a:lstStyle/>
+              <a:p>
+                <a:r>
+                  <a:rPr lang="zh-CN" altLang="en-US">
+                    <a:noFill/>
+                  </a:rPr>
+                  <a:t> </a:t>
+                </a:r>
+              </a:p>
+            </p:txBody>
+          </p:sp>
+        </mc:Fallback>
+      </mc:AlternateContent>
+      <mc:AlternateContent xmlns:mc="http://schemas.openxmlformats.org/markup-compatibility/2006">
+        <mc:Choice xmlns:a14="http://schemas.microsoft.com/office/drawing/2010/main" Requires="a14">
+          <p:sp>
+            <p:nvSpPr>
+              <p:cNvPr id="7" name="TextBox 6"/>
+              <p:cNvSpPr txBox="1"/>
+              <p:nvPr/>
+            </p:nvSpPr>
+            <p:spPr>
+              <a:xfrm>
+                <a:off x="899592" y="4581128"/>
+                <a:ext cx="2137765" cy="396006"/>
+              </a:xfrm>
+              <a:prstGeom prst="rect">
+                <a:avLst/>
+              </a:prstGeom>
+              <a:noFill/>
+            </p:spPr>
+            <p:txBody>
+              <a:bodyPr wrap="none" rtlCol="0">
+                <a:spAutoFit/>
+              </a:bodyPr>
+              <a:lstStyle/>
+              <a:p>
+                <a:r>
+                  <a:rPr lang="en-US" altLang="zh-CN" dirty="0" smtClean="0"/>
+                  <a:t> </a:t>
+                </a:r>
+                <a14:m>
+                  <m:oMath xmlns:m="http://schemas.openxmlformats.org/officeDocument/2006/math">
+                    <m:sSub>
+                      <m:sSubPr>
+                        <m:ctrlPr>
+                          <a:rPr lang="en-US" altLang="zh-CN" i="1">
+                            <a:latin typeface="Cambria Math"/>
+                          </a:rPr>
+                        </m:ctrlPr>
+                      </m:sSubPr>
+                      <m:e>
+                        <m:r>
+                          <a:rPr lang="en-US" altLang="zh-CN" i="1">
+                            <a:latin typeface="Cambria Math"/>
+                          </a:rPr>
+                          <m:t>𝑝</m:t>
+                        </m:r>
+                      </m:e>
+                      <m:sub>
+                        <m:r>
+                          <a:rPr lang="en-US" altLang="zh-CN" b="0" i="1" smtClean="0">
+                            <a:latin typeface="Cambria Math"/>
+                          </a:rPr>
+                          <m:t>(1)</m:t>
+                        </m:r>
+                      </m:sub>
+                    </m:sSub>
+                    <m:r>
+                      <a:rPr lang="en-US" altLang="zh-CN" i="1">
+                        <a:latin typeface="Cambria Math"/>
+                      </a:rPr>
+                      <m:t> </m:t>
+                    </m:r>
+                  </m:oMath>
+                </a14:m>
+                <a:r>
+                  <a:rPr lang="en-US" altLang="zh-CN" dirty="0" smtClean="0"/>
+                  <a:t>= </a:t>
+                </a:r>
+                <a14:m>
+                  <m:oMath xmlns:m="http://schemas.openxmlformats.org/officeDocument/2006/math">
+                    <m:sSub>
+                      <m:sSubPr>
+                        <m:ctrlPr>
+                          <a:rPr lang="en-US" altLang="zh-CN" i="1" smtClean="0">
+                            <a:latin typeface="Cambria Math"/>
+                          </a:rPr>
+                        </m:ctrlPr>
+                      </m:sSubPr>
+                      <m:e>
+                        <m:r>
+                          <a:rPr lang="en-US" altLang="zh-CN" b="0" i="1" smtClean="0">
+                            <a:latin typeface="Cambria Math"/>
+                          </a:rPr>
+                          <m:t>𝑝</m:t>
+                        </m:r>
+                      </m:e>
+                      <m:sub>
+                        <m:r>
+                          <a:rPr lang="en-US" altLang="zh-CN" b="0" i="1" smtClean="0">
+                            <a:latin typeface="Cambria Math"/>
+                          </a:rPr>
+                          <m:t>𝑖</m:t>
+                        </m:r>
+                      </m:sub>
+                    </m:sSub>
+                    <m:r>
+                      <a:rPr lang="en-US" altLang="zh-CN" b="0" i="1" smtClean="0">
+                        <a:latin typeface="Cambria Math"/>
+                      </a:rPr>
+                      <m:t>(</m:t>
+                    </m:r>
+                    <m:r>
+                      <a:rPr lang="zh-CN" altLang="en-US" i="1">
+                        <a:latin typeface="Cambria Math"/>
+                      </a:rPr>
+                      <m:t>绘制</m:t>
+                    </m:r>
+                    <m:r>
+                      <a:rPr lang="zh-CN" altLang="en-US" i="1" smtClean="0">
+                        <a:latin typeface="Cambria Math"/>
+                      </a:rPr>
+                      <m:t>终点</m:t>
+                    </m:r>
+                    <m:r>
+                      <a:rPr lang="en-US" altLang="zh-CN" b="0" i="1" smtClean="0">
+                        <a:latin typeface="Cambria Math"/>
+                      </a:rPr>
+                      <m:t>)</m:t>
+                    </m:r>
+                  </m:oMath>
+                </a14:m>
+                <a:endParaRPr lang="zh-CN" altLang="en-US" dirty="0"/>
+              </a:p>
+            </p:txBody>
+          </p:sp>
+        </mc:Choice>
+        <mc:Fallback>
+          <p:sp>
+            <p:nvSpPr>
+              <p:cNvPr id="7" name="TextBox 6"/>
+              <p:cNvSpPr txBox="1">
+                <a:spLocks noRot="1" noChangeAspect="1" noMove="1" noResize="1" noEditPoints="1" noAdjustHandles="1" noChangeArrowheads="1" noChangeShapeType="1" noTextEdit="1"/>
+              </p:cNvSpPr>
+              <p:nvPr/>
+            </p:nvSpPr>
+            <p:spPr>
+              <a:xfrm>
+                <a:off x="899592" y="4581128"/>
+                <a:ext cx="2137765" cy="396006"/>
+              </a:xfrm>
+              <a:prstGeom prst="rect">
+                <a:avLst/>
+              </a:prstGeom>
+              <a:blipFill rotWithShape="1">
+                <a:blip r:embed="rId4"/>
+                <a:stretch>
+                  <a:fillRect t="-6154" r="-286" b="-18462"/>
+                </a:stretch>
+              </a:blipFill>
+            </p:spPr>
+            <p:txBody>
+              <a:bodyPr/>
+              <a:lstStyle/>
+              <a:p>
+                <a:r>
+                  <a:rPr lang="zh-CN" altLang="en-US">
+                    <a:noFill/>
+                  </a:rPr>
+                  <a:t> </a:t>
+                </a:r>
+              </a:p>
+            </p:txBody>
+          </p:sp>
+        </mc:Fallback>
+      </mc:AlternateContent>
+      <mc:AlternateContent xmlns:mc="http://schemas.openxmlformats.org/markup-compatibility/2006">
+        <mc:Choice xmlns:a14="http://schemas.microsoft.com/office/drawing/2010/main" Requires="a14">
+          <p:sp>
+            <p:nvSpPr>
+              <p:cNvPr id="8" name="TextBox 7"/>
+              <p:cNvSpPr txBox="1"/>
+              <p:nvPr/>
+            </p:nvSpPr>
+            <p:spPr>
+              <a:xfrm>
+                <a:off x="899592" y="5085184"/>
+                <a:ext cx="3687420" cy="406586"/>
+              </a:xfrm>
+              <a:prstGeom prst="rect">
+                <a:avLst/>
+              </a:prstGeom>
+              <a:noFill/>
+            </p:spPr>
+            <p:txBody>
+              <a:bodyPr wrap="none" rtlCol="0">
+                <a:spAutoFit/>
+              </a:bodyPr>
+              <a:lstStyle/>
+              <a:p>
+                <a14:m>
+                  <m:oMath xmlns:m="http://schemas.openxmlformats.org/officeDocument/2006/math">
+                    <m:sSubSup>
+                      <m:sSubSupPr>
+                        <m:ctrlPr>
+                          <a:rPr lang="en-US" altLang="zh-CN" i="1" smtClean="0">
+                            <a:latin typeface="Cambria Math"/>
+                          </a:rPr>
+                        </m:ctrlPr>
+                      </m:sSubSupPr>
+                      <m:e>
+                        <m:r>
+                          <a:rPr lang="en-US" altLang="zh-CN" b="0" i="1" smtClean="0">
+                            <a:latin typeface="Cambria Math"/>
+                          </a:rPr>
+                          <m:t>𝑝</m:t>
+                        </m:r>
+                        <m:r>
+                          <a:rPr lang="en-US" altLang="zh-CN" b="0" i="1" smtClean="0">
+                            <a:latin typeface="Cambria Math"/>
+                          </a:rPr>
+                          <m:t>′</m:t>
+                        </m:r>
+                      </m:e>
+                      <m:sub>
+                        <m:r>
+                          <a:rPr lang="en-US" altLang="zh-CN" b="0" i="1" smtClean="0">
+                            <a:latin typeface="Cambria Math"/>
+                          </a:rPr>
+                          <m:t>(0)</m:t>
+                        </m:r>
+                      </m:sub>
+                      <m:sup/>
+                    </m:sSubSup>
+                    <m:r>
+                      <a:rPr lang="en-US" altLang="zh-CN" b="0" i="1" smtClean="0">
+                        <a:latin typeface="Cambria Math"/>
+                      </a:rPr>
+                      <m:t> </m:t>
+                    </m:r>
+                    <m:r>
+                      <a:rPr lang="en-US" altLang="zh-CN" i="1" smtClean="0">
+                        <a:latin typeface="Cambria Math"/>
+                      </a:rPr>
+                      <m:t>=</m:t>
+                    </m:r>
+                    <m:r>
+                      <a:rPr lang="en-US" altLang="zh-CN" b="0" i="1" smtClean="0">
+                        <a:latin typeface="Cambria Math"/>
+                      </a:rPr>
+                      <m:t>  </m:t>
+                    </m:r>
+                    <m:r>
+                      <a:rPr lang="en-US" altLang="zh-CN" b="0" i="1" smtClean="0">
+                        <a:latin typeface="Cambria Math"/>
+                      </a:rPr>
+                      <m:t>𝑟</m:t>
+                    </m:r>
+                    <m:r>
+                      <a:rPr lang="en-US" altLang="zh-CN" b="0" i="1" smtClean="0">
+                        <a:latin typeface="Cambria Math"/>
+                      </a:rPr>
+                      <m:t> ∗(</m:t>
+                    </m:r>
+                    <m:sSub>
+                      <m:sSubPr>
+                        <m:ctrlPr>
+                          <a:rPr lang="en-US" altLang="zh-CN" i="1" smtClean="0">
+                            <a:latin typeface="Cambria Math"/>
+                          </a:rPr>
+                        </m:ctrlPr>
+                      </m:sSubPr>
+                      <m:e>
+                        <m:r>
+                          <a:rPr lang="en-US" altLang="zh-CN" i="1">
+                            <a:latin typeface="Cambria Math"/>
+                          </a:rPr>
+                          <m:t>𝑝</m:t>
+                        </m:r>
+                      </m:e>
+                      <m:sub>
+                        <m:r>
+                          <a:rPr lang="en-US" altLang="zh-CN" i="1">
+                            <a:latin typeface="Cambria Math"/>
+                          </a:rPr>
+                          <m:t>𝑖</m:t>
+                        </m:r>
+                      </m:sub>
+                    </m:sSub>
+                    <m:r>
+                      <a:rPr lang="en-US" altLang="zh-CN" b="0" i="1" smtClean="0">
+                        <a:latin typeface="Cambria Math"/>
+                      </a:rPr>
+                      <m:t> −</m:t>
+                    </m:r>
+                    <m:sSub>
+                      <m:sSubPr>
+                        <m:ctrlPr>
+                          <a:rPr lang="en-US" altLang="zh-CN" i="1">
+                            <a:latin typeface="Cambria Math"/>
+                          </a:rPr>
+                        </m:ctrlPr>
+                      </m:sSubPr>
+                      <m:e>
+                        <m:r>
+                          <a:rPr lang="en-US" altLang="zh-CN" i="1">
+                            <a:latin typeface="Cambria Math"/>
+                          </a:rPr>
+                          <m:t>𝑝</m:t>
+                        </m:r>
+                      </m:e>
+                      <m:sub>
+                        <m:r>
+                          <a:rPr lang="en-US" altLang="zh-CN" i="1">
+                            <a:latin typeface="Cambria Math"/>
+                          </a:rPr>
+                          <m:t>𝑖</m:t>
+                        </m:r>
+                        <m:r>
+                          <a:rPr lang="en-US" altLang="zh-CN" i="1">
+                            <a:latin typeface="Cambria Math"/>
+                          </a:rPr>
+                          <m:t> −2</m:t>
+                        </m:r>
+                      </m:sub>
+                    </m:sSub>
+                    <m:r>
+                      <a:rPr lang="en-US" altLang="zh-CN" b="0" i="1" smtClean="0">
+                        <a:latin typeface="Cambria Math"/>
+                      </a:rPr>
+                      <m:t>)</m:t>
+                    </m:r>
+                  </m:oMath>
+                </a14:m>
+                <a:r>
+                  <a:rPr lang="en-US" altLang="zh-CN" dirty="0" smtClean="0"/>
+                  <a:t>(</a:t>
+                </a:r>
+                <a:r>
+                  <a:rPr lang="zh-CN" altLang="en-US" dirty="0" smtClean="0"/>
+                  <a:t>起点方向</a:t>
+                </a:r>
+                <a:r>
+                  <a:rPr lang="en-US" altLang="zh-CN" dirty="0" smtClean="0"/>
+                  <a:t>)</a:t>
+                </a:r>
+                <a:endParaRPr lang="zh-CN" altLang="en-US" dirty="0"/>
+              </a:p>
+            </p:txBody>
+          </p:sp>
+        </mc:Choice>
+        <mc:Fallback>
+          <p:sp>
+            <p:nvSpPr>
+              <p:cNvPr id="8" name="TextBox 7"/>
+              <p:cNvSpPr txBox="1">
+                <a:spLocks noRot="1" noChangeAspect="1" noMove="1" noResize="1" noEditPoints="1" noAdjustHandles="1" noChangeArrowheads="1" noChangeShapeType="1" noTextEdit="1"/>
+              </p:cNvSpPr>
+              <p:nvPr/>
+            </p:nvSpPr>
+            <p:spPr>
+              <a:xfrm>
+                <a:off x="899592" y="5085184"/>
+                <a:ext cx="3687420" cy="406586"/>
+              </a:xfrm>
+              <a:prstGeom prst="rect">
+                <a:avLst/>
+              </a:prstGeom>
+              <a:blipFill rotWithShape="1">
+                <a:blip r:embed="rId5"/>
+                <a:stretch>
+                  <a:fillRect l="-662" t="-10448" r="-993" b="-16418"/>
+                </a:stretch>
+              </a:blipFill>
+            </p:spPr>
+            <p:txBody>
+              <a:bodyPr/>
+              <a:lstStyle/>
+              <a:p>
+                <a:r>
+                  <a:rPr lang="zh-CN" altLang="en-US">
+                    <a:noFill/>
+                  </a:rPr>
+                  <a:t> </a:t>
+                </a:r>
+              </a:p>
+            </p:txBody>
+          </p:sp>
+        </mc:Fallback>
+      </mc:AlternateContent>
+      <mc:AlternateContent xmlns:mc="http://schemas.openxmlformats.org/markup-compatibility/2006">
+        <mc:Choice xmlns:a14="http://schemas.microsoft.com/office/drawing/2010/main" Requires="a14">
+          <p:sp>
+            <p:nvSpPr>
+              <p:cNvPr id="9" name="TextBox 8"/>
+              <p:cNvSpPr txBox="1"/>
+              <p:nvPr/>
+            </p:nvSpPr>
+            <p:spPr>
+              <a:xfrm>
+                <a:off x="884376" y="5661248"/>
+                <a:ext cx="4011226" cy="410369"/>
+              </a:xfrm>
+              <a:prstGeom prst="rect">
+                <a:avLst/>
+              </a:prstGeom>
+              <a:noFill/>
+            </p:spPr>
+            <p:txBody>
+              <a:bodyPr wrap="none" rtlCol="0">
+                <a:spAutoFit/>
+              </a:bodyPr>
+              <a:lstStyle/>
+              <a:p>
+                <a14:m>
+                  <m:oMathPara xmlns:m="http://schemas.openxmlformats.org/officeDocument/2006/math">
+                    <m:oMathParaPr>
+                      <m:jc m:val="centerGroup"/>
+                    </m:oMathParaPr>
+                    <m:oMath xmlns:m="http://schemas.openxmlformats.org/officeDocument/2006/math">
+                      <m:sSubSup>
+                        <m:sSubSupPr>
+                          <m:ctrlPr>
+                            <a:rPr lang="en-US" altLang="zh-CN" i="1" smtClean="0">
+                              <a:latin typeface="Cambria Math"/>
+                            </a:rPr>
+                          </m:ctrlPr>
+                        </m:sSubSupPr>
+                        <m:e>
+                          <m:r>
+                            <a:rPr lang="en-US" altLang="zh-CN" b="0" i="1" smtClean="0">
+                              <a:latin typeface="Cambria Math"/>
+                            </a:rPr>
+                            <m:t>𝑝</m:t>
+                          </m:r>
+                          <m:r>
+                            <a:rPr lang="en-US" altLang="zh-CN" b="0" i="1" smtClean="0">
+                              <a:latin typeface="Cambria Math"/>
+                            </a:rPr>
+                            <m:t>′</m:t>
+                          </m:r>
+                        </m:e>
+                        <m:sub>
+                          <m:r>
+                            <a:rPr lang="en-US" altLang="zh-CN" b="0" i="1" smtClean="0">
+                              <a:latin typeface="Cambria Math"/>
+                            </a:rPr>
+                            <m:t>(1)</m:t>
+                          </m:r>
+                        </m:sub>
+                        <m:sup/>
+                      </m:sSubSup>
+                      <m:r>
+                        <a:rPr lang="en-US" altLang="zh-CN" b="0" i="1" smtClean="0">
+                          <a:latin typeface="Cambria Math"/>
+                        </a:rPr>
+                        <m:t> </m:t>
+                      </m:r>
+                      <m:r>
+                        <a:rPr lang="en-US" altLang="zh-CN" i="1" smtClean="0">
+                          <a:latin typeface="Cambria Math"/>
+                        </a:rPr>
+                        <m:t>=</m:t>
+                      </m:r>
+                      <m:r>
+                        <a:rPr lang="en-US" altLang="zh-CN" b="0" i="1" smtClean="0">
+                          <a:latin typeface="Cambria Math"/>
+                        </a:rPr>
+                        <m:t>  </m:t>
+                      </m:r>
+                      <m:r>
+                        <a:rPr lang="en-US" altLang="zh-CN" b="0" i="1" smtClean="0">
+                          <a:latin typeface="Cambria Math"/>
+                        </a:rPr>
+                        <m:t>𝑟</m:t>
+                      </m:r>
+                      <m:r>
+                        <a:rPr lang="en-US" altLang="zh-CN" b="0" i="1" smtClean="0">
+                          <a:latin typeface="Cambria Math"/>
+                        </a:rPr>
+                        <m:t> ∗(</m:t>
+                      </m:r>
+                      <m:sSub>
+                        <m:sSubPr>
+                          <m:ctrlPr>
+                            <a:rPr lang="en-US" altLang="zh-CN" i="1" smtClean="0">
+                              <a:latin typeface="Cambria Math"/>
+                            </a:rPr>
+                          </m:ctrlPr>
+                        </m:sSubPr>
+                        <m:e>
+                          <m:r>
+                            <a:rPr lang="en-US" altLang="zh-CN" i="1">
+                              <a:latin typeface="Cambria Math"/>
+                            </a:rPr>
+                            <m:t>𝑝</m:t>
+                          </m:r>
+                        </m:e>
+                        <m:sub>
+                          <m:r>
+                            <a:rPr lang="en-US" altLang="zh-CN" i="1">
+                              <a:latin typeface="Cambria Math"/>
+                            </a:rPr>
+                            <m:t>𝑖</m:t>
+                          </m:r>
+                          <m:r>
+                            <a:rPr lang="en-US" altLang="zh-CN" b="0" i="1" smtClean="0">
+                              <a:latin typeface="Cambria Math"/>
+                            </a:rPr>
+                            <m:t>+1</m:t>
+                          </m:r>
+                        </m:sub>
+                      </m:sSub>
+                      <m:r>
+                        <a:rPr lang="en-US" altLang="zh-CN" b="0" i="1" smtClean="0">
+                          <a:latin typeface="Cambria Math"/>
+                        </a:rPr>
+                        <m:t> −</m:t>
+                      </m:r>
+                      <m:sSub>
+                        <m:sSubPr>
+                          <m:ctrlPr>
+                            <a:rPr lang="en-US" altLang="zh-CN" i="1">
+                              <a:latin typeface="Cambria Math"/>
+                            </a:rPr>
+                          </m:ctrlPr>
+                        </m:sSubPr>
+                        <m:e>
+                          <m:r>
+                            <a:rPr lang="en-US" altLang="zh-CN" i="1">
+                              <a:latin typeface="Cambria Math"/>
+                            </a:rPr>
+                            <m:t>𝑝</m:t>
+                          </m:r>
+                        </m:e>
+                        <m:sub>
+                          <m:r>
+                            <a:rPr lang="en-US" altLang="zh-CN" i="1">
+                              <a:latin typeface="Cambria Math"/>
+                            </a:rPr>
+                            <m:t>𝑖</m:t>
+                          </m:r>
+                          <m:r>
+                            <a:rPr lang="en-US" altLang="zh-CN" i="1">
+                              <a:latin typeface="Cambria Math"/>
+                            </a:rPr>
+                            <m:t> −1</m:t>
+                          </m:r>
+                        </m:sub>
+                      </m:sSub>
+                      <m:r>
+                        <a:rPr lang="en-US" altLang="zh-CN" b="0" i="1" smtClean="0">
+                          <a:latin typeface="Cambria Math"/>
+                        </a:rPr>
+                        <m:t>)(</m:t>
+                      </m:r>
+                      <m:r>
+                        <a:rPr lang="zh-CN" altLang="en-US" i="1">
+                          <a:latin typeface="Cambria Math"/>
+                        </a:rPr>
+                        <m:t>终点</m:t>
+                      </m:r>
+                      <m:r>
+                        <a:rPr lang="zh-CN" altLang="en-US" i="1" smtClean="0">
+                          <a:latin typeface="Cambria Math"/>
+                        </a:rPr>
+                        <m:t>方向</m:t>
+                      </m:r>
+                      <m:r>
+                        <a:rPr lang="en-US" altLang="zh-CN" b="0" i="1" smtClean="0">
+                          <a:latin typeface="Cambria Math"/>
+                        </a:rPr>
+                        <m:t>)</m:t>
+                      </m:r>
+                    </m:oMath>
+                  </m:oMathPara>
+                </a14:m>
+                <a:endParaRPr lang="zh-CN" altLang="en-US" dirty="0"/>
+              </a:p>
+            </p:txBody>
+          </p:sp>
+        </mc:Choice>
+        <mc:Fallback>
+          <p:sp>
+            <p:nvSpPr>
+              <p:cNvPr id="9" name="TextBox 8"/>
+              <p:cNvSpPr txBox="1">
+                <a:spLocks noRot="1" noChangeAspect="1" noMove="1" noResize="1" noEditPoints="1" noAdjustHandles="1" noChangeArrowheads="1" noChangeShapeType="1" noTextEdit="1"/>
+              </p:cNvSpPr>
+              <p:nvPr/>
+            </p:nvSpPr>
+            <p:spPr>
+              <a:xfrm>
+                <a:off x="884376" y="5661248"/>
+                <a:ext cx="4011226" cy="410369"/>
+              </a:xfrm>
+              <a:prstGeom prst="rect">
+                <a:avLst/>
+              </a:prstGeom>
+              <a:blipFill rotWithShape="1">
+                <a:blip r:embed="rId6"/>
+                <a:stretch>
+                  <a:fillRect b="-8955"/>
+                </a:stretch>
+              </a:blipFill>
+            </p:spPr>
+            <p:txBody>
+              <a:bodyPr/>
+              <a:lstStyle/>
+              <a:p>
+                <a:r>
+                  <a:rPr lang="zh-CN" altLang="en-US">
+                    <a:noFill/>
+                  </a:rPr>
+                  <a:t> </a:t>
+                </a:r>
+              </a:p>
+            </p:txBody>
+          </p:sp>
+        </mc:Fallback>
+      </mc:AlternateContent>
+      <p:cxnSp>
+        <p:nvCxnSpPr>
+          <p:cNvPr id="11" name="直接箭头连接符 10"/>
+          <p:cNvCxnSpPr/>
+          <p:nvPr/>
+        </p:nvCxnSpPr>
+        <p:spPr>
+          <a:xfrm>
+            <a:off x="4855197" y="5456022"/>
+            <a:ext cx="1300979" cy="0"/>
+          </a:xfrm>
+          <a:prstGeom prst="straightConnector1">
+            <a:avLst/>
+          </a:prstGeom>
+          <a:ln>
+            <a:tailEnd type="arrow"/>
+          </a:ln>
+        </p:spPr>
+        <p:style>
+          <a:lnRef idx="3">
+            <a:schemeClr val="accent2"/>
+          </a:lnRef>
+          <a:fillRef idx="0">
+            <a:schemeClr val="accent2"/>
+          </a:fillRef>
+          <a:effectRef idx="2">
+            <a:schemeClr val="accent2"/>
+          </a:effectRef>
+          <a:fontRef idx="minor">
+            <a:schemeClr val="tx1"/>
+          </a:fontRef>
+        </p:style>
+      </p:cxnSp>
+      <p:sp>
+        <p:nvSpPr>
+          <p:cNvPr id="13" name="TextBox 12"/>
+          <p:cNvSpPr txBox="1"/>
+          <p:nvPr/>
+        </p:nvSpPr>
+        <p:spPr>
+          <a:xfrm>
+            <a:off x="6300192" y="5271356"/>
+            <a:ext cx="2483372" cy="369332"/>
+          </a:xfrm>
+          <a:prstGeom prst="rect">
+            <a:avLst/>
+          </a:prstGeom>
+          <a:noFill/>
+        </p:spPr>
+        <p:txBody>
+          <a:bodyPr wrap="none" rtlCol="0">
+            <a:spAutoFit/>
+          </a:bodyPr>
+          <a:lstStyle/>
+          <a:p>
+            <a:r>
+              <a:rPr lang="zh-CN" altLang="en-US" dirty="0" smtClean="0">
+                <a:latin typeface="微软雅黑" pitchFamily="34" charset="-122"/>
+                <a:ea typeface="微软雅黑" pitchFamily="34" charset="-122"/>
+              </a:rPr>
+              <a:t>推导一下</a:t>
+            </a:r>
+            <a:r>
+              <a:rPr lang="en-US" altLang="zh-CN" dirty="0" smtClean="0">
+                <a:latin typeface="微软雅黑" pitchFamily="34" charset="-122"/>
+                <a:ea typeface="微软雅黑" pitchFamily="34" charset="-122"/>
+              </a:rPr>
+              <a:t>c0, c1, c2, c3</a:t>
+            </a:r>
+            <a:endParaRPr lang="zh-CN" altLang="en-US" dirty="0">
+              <a:latin typeface="微软雅黑" pitchFamily="34" charset="-122"/>
+              <a:ea typeface="微软雅黑" pitchFamily="34" charset="-122"/>
+            </a:endParaRPr>
+          </a:p>
+        </p:txBody>
+      </p:sp>
+      <mc:AlternateContent xmlns:mc="http://schemas.openxmlformats.org/markup-compatibility/2006">
+        <mc:Choice xmlns:a14="http://schemas.microsoft.com/office/drawing/2010/main" Requires="a14">
+          <p:sp>
+            <p:nvSpPr>
+              <p:cNvPr id="14" name="TextBox 13"/>
+              <p:cNvSpPr txBox="1"/>
+              <p:nvPr/>
+            </p:nvSpPr>
+            <p:spPr>
+              <a:xfrm>
+                <a:off x="754456" y="1412776"/>
+                <a:ext cx="5706242" cy="381964"/>
+              </a:xfrm>
+              <a:prstGeom prst="rect">
+                <a:avLst/>
+              </a:prstGeom>
+              <a:noFill/>
+            </p:spPr>
+            <p:txBody>
+              <a:bodyPr wrap="none" rtlCol="0">
+                <a:spAutoFit/>
+              </a:bodyPr>
+              <a:lstStyle/>
+              <a:p>
+                <a:r>
+                  <a:rPr lang="en-US" altLang="zh-CN" dirty="0" smtClean="0"/>
+                  <a:t>P(u) </a:t>
+                </a:r>
+                <a:r>
+                  <a:rPr lang="en-US" altLang="zh-CN" dirty="0"/>
+                  <a:t>= c0 + c1*u + c2 *</a:t>
+                </a:r>
+                <a14:m>
+                  <m:oMath xmlns:m="http://schemas.openxmlformats.org/officeDocument/2006/math">
+                    <m:sSup>
+                      <m:sSupPr>
+                        <m:ctrlPr>
+                          <a:rPr lang="en-US" altLang="zh-CN" i="1">
+                            <a:latin typeface="Cambria Math"/>
+                          </a:rPr>
+                        </m:ctrlPr>
+                      </m:sSupPr>
+                      <m:e>
+                        <m:r>
+                          <a:rPr lang="en-US" altLang="zh-CN" i="1">
+                            <a:latin typeface="Cambria Math"/>
+                          </a:rPr>
+                          <m:t>𝑢</m:t>
+                        </m:r>
+                      </m:e>
+                      <m:sup>
+                        <m:r>
+                          <a:rPr lang="en-US" altLang="zh-CN" i="1">
+                            <a:latin typeface="Cambria Math"/>
+                          </a:rPr>
+                          <m:t>2</m:t>
+                        </m:r>
+                      </m:sup>
+                    </m:sSup>
+                  </m:oMath>
+                </a14:m>
+                <a:r>
+                  <a:rPr lang="zh-CN" altLang="en-US" dirty="0"/>
+                  <a:t> </a:t>
+                </a:r>
+                <a:r>
+                  <a:rPr lang="en-US" altLang="zh-CN" dirty="0"/>
+                  <a:t>+ c3 * </a:t>
+                </a:r>
+                <a14:m>
+                  <m:oMath xmlns:m="http://schemas.openxmlformats.org/officeDocument/2006/math">
+                    <m:sSup>
+                      <m:sSupPr>
+                        <m:ctrlPr>
+                          <a:rPr lang="en-US" altLang="zh-CN" i="1">
+                            <a:latin typeface="Cambria Math"/>
+                          </a:rPr>
+                        </m:ctrlPr>
+                      </m:sSupPr>
+                      <m:e>
+                        <m:r>
+                          <a:rPr lang="en-US" altLang="zh-CN" i="1">
+                            <a:latin typeface="Cambria Math"/>
+                          </a:rPr>
+                          <m:t>𝑢</m:t>
+                        </m:r>
+                      </m:e>
+                      <m:sup>
+                        <m:r>
+                          <a:rPr lang="en-US" altLang="zh-CN" i="1">
+                            <a:latin typeface="Cambria Math"/>
+                          </a:rPr>
+                          <m:t>3</m:t>
+                        </m:r>
+                      </m:sup>
+                    </m:sSup>
+                    <m:r>
+                      <a:rPr lang="en-US" altLang="zh-CN" i="1">
+                        <a:latin typeface="Cambria Math"/>
+                      </a:rPr>
+                      <m:t>;</m:t>
+                    </m:r>
+                  </m:oMath>
+                </a14:m>
+                <a:r>
+                  <a:rPr lang="en-US" altLang="zh-CN" dirty="0"/>
+                  <a:t> -&gt;  </a:t>
+                </a:r>
+                <a:r>
+                  <a:rPr lang="en-US" altLang="zh-CN" dirty="0" smtClean="0"/>
+                  <a:t>P(u) </a:t>
+                </a:r>
+                <a:r>
+                  <a:rPr lang="en-US" altLang="zh-CN" dirty="0"/>
+                  <a:t>= </a:t>
+                </a:r>
+                <a14:m>
+                  <m:oMath xmlns:m="http://schemas.openxmlformats.org/officeDocument/2006/math">
+                    <m:nary>
+                      <m:naryPr>
+                        <m:chr m:val="∑"/>
+                        <m:ctrlPr>
+                          <a:rPr lang="en-US" altLang="zh-CN" i="1">
+                            <a:latin typeface="Cambria Math"/>
+                          </a:rPr>
+                        </m:ctrlPr>
+                      </m:naryPr>
+                      <m:sub>
+                        <m:r>
+                          <m:rPr>
+                            <m:brk m:alnAt="23"/>
+                          </m:rPr>
+                          <a:rPr lang="en-US" altLang="zh-CN" i="1">
+                            <a:latin typeface="Cambria Math"/>
+                          </a:rPr>
+                          <m:t>𝑘</m:t>
+                        </m:r>
+                        <m:r>
+                          <a:rPr lang="en-US" altLang="zh-CN" i="1">
+                            <a:latin typeface="Cambria Math"/>
+                          </a:rPr>
+                          <m:t>=0</m:t>
+                        </m:r>
+                      </m:sub>
+                      <m:sup>
+                        <m:r>
+                          <a:rPr lang="en-US" altLang="zh-CN" i="1">
+                            <a:latin typeface="Cambria Math"/>
+                          </a:rPr>
+                          <m:t>3</m:t>
+                        </m:r>
+                      </m:sup>
+                      <m:e>
+                        <m:sSub>
+                          <m:sSubPr>
+                            <m:ctrlPr>
+                              <a:rPr lang="en-US" altLang="zh-CN" i="1">
+                                <a:latin typeface="Cambria Math"/>
+                              </a:rPr>
+                            </m:ctrlPr>
+                          </m:sSubPr>
+                          <m:e>
+                            <m:r>
+                              <a:rPr lang="en-US" altLang="zh-CN" i="1">
+                                <a:latin typeface="Cambria Math"/>
+                              </a:rPr>
+                              <m:t>𝑐</m:t>
+                            </m:r>
+                          </m:e>
+                          <m:sub>
+                            <m:r>
+                              <a:rPr lang="en-US" altLang="zh-CN" i="1">
+                                <a:latin typeface="Cambria Math"/>
+                              </a:rPr>
+                              <m:t>𝑘</m:t>
+                            </m:r>
+                          </m:sub>
+                        </m:sSub>
+                        <m:r>
+                          <a:rPr lang="en-US" altLang="zh-CN" i="1">
+                            <a:latin typeface="Cambria Math"/>
+                          </a:rPr>
+                          <m:t>∗ </m:t>
+                        </m:r>
+                        <m:sSup>
+                          <m:sSupPr>
+                            <m:ctrlPr>
+                              <a:rPr lang="en-US" altLang="zh-CN" i="1">
+                                <a:latin typeface="Cambria Math"/>
+                              </a:rPr>
+                            </m:ctrlPr>
+                          </m:sSupPr>
+                          <m:e>
+                            <m:r>
+                              <a:rPr lang="en-US" altLang="zh-CN" i="1">
+                                <a:latin typeface="Cambria Math"/>
+                              </a:rPr>
+                              <m:t>𝑢</m:t>
+                            </m:r>
+                          </m:e>
+                          <m:sup>
+                            <m:r>
+                              <a:rPr lang="en-US" altLang="zh-CN" i="1">
+                                <a:latin typeface="Cambria Math"/>
+                              </a:rPr>
+                              <m:t>𝑘</m:t>
+                            </m:r>
+                          </m:sup>
+                        </m:sSup>
+                      </m:e>
+                    </m:nary>
+                  </m:oMath>
+                </a14:m>
+                <a:endParaRPr lang="zh-CN" altLang="en-US" dirty="0"/>
+              </a:p>
+            </p:txBody>
+          </p:sp>
+        </mc:Choice>
+        <mc:Fallback>
+          <p:sp>
+            <p:nvSpPr>
+              <p:cNvPr id="14" name="TextBox 13"/>
+              <p:cNvSpPr txBox="1">
+                <a:spLocks noRot="1" noChangeAspect="1" noMove="1" noResize="1" noEditPoints="1" noAdjustHandles="1" noChangeArrowheads="1" noChangeShapeType="1" noTextEdit="1"/>
+              </p:cNvSpPr>
+              <p:nvPr/>
+            </p:nvSpPr>
+            <p:spPr>
+              <a:xfrm>
+                <a:off x="754456" y="1412776"/>
+                <a:ext cx="5706242" cy="381964"/>
+              </a:xfrm>
+              <a:prstGeom prst="rect">
+                <a:avLst/>
+              </a:prstGeom>
+              <a:blipFill rotWithShape="1">
+                <a:blip r:embed="rId7"/>
+                <a:stretch>
+                  <a:fillRect l="-962" t="-114516" b="-182258"/>
+                </a:stretch>
+              </a:blipFill>
+            </p:spPr>
+            <p:txBody>
+              <a:bodyPr/>
+              <a:lstStyle/>
+              <a:p>
+                <a:r>
+                  <a:rPr lang="zh-CN" altLang="en-US">
+                    <a:noFill/>
+                  </a:rPr>
+                  <a:t> </a:t>
+                </a:r>
+              </a:p>
+            </p:txBody>
+          </p:sp>
+        </mc:Fallback>
+      </mc:AlternateContent>
+      <p:sp>
+        <p:nvSpPr>
+          <p:cNvPr id="16" name="爆炸形 2 15"/>
+          <p:cNvSpPr/>
+          <p:nvPr/>
+        </p:nvSpPr>
+        <p:spPr>
+          <a:xfrm>
+            <a:off x="3779912" y="1603657"/>
+            <a:ext cx="5364088" cy="3175474"/>
+          </a:xfrm>
+          <a:prstGeom prst="irregularSeal2">
+            <a:avLst/>
+          </a:prstGeom>
+        </p:spPr>
+        <p:style>
+          <a:lnRef idx="0">
+            <a:schemeClr val="accent2"/>
+          </a:lnRef>
+          <a:fillRef idx="3">
+            <a:schemeClr val="accent2"/>
+          </a:fillRef>
+          <a:effectRef idx="3">
+            <a:schemeClr val="accent2"/>
+          </a:effectRef>
+          <a:fontRef idx="minor">
+            <a:schemeClr val="lt1"/>
+          </a:fontRef>
+        </p:style>
+        <p:txBody>
+          <a:bodyPr rtlCol="0" anchor="ctr"/>
+          <a:lstStyle/>
+          <a:p>
+            <a:pPr algn="ctr"/>
+            <a:r>
+              <a:rPr lang="en-US" altLang="zh-CN" dirty="0" smtClean="0">
+                <a:latin typeface="微软雅黑" pitchFamily="34" charset="-122"/>
+                <a:ea typeface="微软雅黑" pitchFamily="34" charset="-122"/>
+              </a:rPr>
+              <a:t>i</a:t>
+            </a:r>
+            <a:r>
+              <a:rPr lang="zh-CN" altLang="en-US" dirty="0" smtClean="0">
+                <a:latin typeface="微软雅黑" pitchFamily="34" charset="-122"/>
+                <a:ea typeface="微软雅黑" pitchFamily="34" charset="-122"/>
+              </a:rPr>
+              <a:t>和</a:t>
+            </a:r>
+            <a:r>
+              <a:rPr lang="en-US" altLang="zh-CN" dirty="0" smtClean="0">
+                <a:latin typeface="微软雅黑" pitchFamily="34" charset="-122"/>
+                <a:ea typeface="微软雅黑" pitchFamily="34" charset="-122"/>
+              </a:rPr>
+              <a:t>u</a:t>
+            </a:r>
+            <a:r>
+              <a:rPr lang="zh-CN" altLang="en-US" dirty="0" smtClean="0">
+                <a:latin typeface="微软雅黑" pitchFamily="34" charset="-122"/>
+                <a:ea typeface="微软雅黑" pitchFamily="34" charset="-122"/>
+              </a:rPr>
+              <a:t>是两码事</a:t>
+            </a:r>
+            <a:endParaRPr lang="en-US" altLang="zh-CN" dirty="0" smtClean="0">
+              <a:latin typeface="微软雅黑" pitchFamily="34" charset="-122"/>
+              <a:ea typeface="微软雅黑" pitchFamily="34" charset="-122"/>
+            </a:endParaRPr>
+          </a:p>
+          <a:p>
+            <a:pPr algn="ctr"/>
+            <a:r>
+              <a:rPr lang="en-US" altLang="zh-CN" dirty="0" smtClean="0">
+                <a:latin typeface="微软雅黑" pitchFamily="34" charset="-122"/>
+                <a:ea typeface="微软雅黑" pitchFamily="34" charset="-122"/>
+              </a:rPr>
+              <a:t>U = 0</a:t>
+            </a:r>
+            <a:r>
+              <a:rPr lang="zh-CN" altLang="en-US" dirty="0" smtClean="0">
+                <a:latin typeface="微软雅黑" pitchFamily="34" charset="-122"/>
+                <a:ea typeface="微软雅黑" pitchFamily="34" charset="-122"/>
+              </a:rPr>
+              <a:t>的点</a:t>
+            </a:r>
+            <a:r>
+              <a:rPr lang="en-US" altLang="zh-CN" dirty="0" smtClean="0">
+                <a:latin typeface="微软雅黑" pitchFamily="34" charset="-122"/>
+                <a:ea typeface="微软雅黑" pitchFamily="34" charset="-122"/>
+              </a:rPr>
+              <a:t>(i = 1</a:t>
+            </a:r>
+            <a:r>
+              <a:rPr lang="zh-CN" altLang="en-US" dirty="0" smtClean="0">
+                <a:latin typeface="微软雅黑" pitchFamily="34" charset="-122"/>
+                <a:ea typeface="微软雅黑" pitchFamily="34" charset="-122"/>
+              </a:rPr>
+              <a:t>的点</a:t>
+            </a:r>
+            <a:r>
+              <a:rPr lang="en-US" altLang="zh-CN" dirty="0" smtClean="0">
+                <a:latin typeface="微软雅黑" pitchFamily="34" charset="-122"/>
+                <a:ea typeface="微软雅黑" pitchFamily="34" charset="-122"/>
+              </a:rPr>
+              <a:t>)</a:t>
+            </a:r>
+            <a:endParaRPr lang="zh-CN" altLang="en-US" dirty="0">
+              <a:latin typeface="微软雅黑" pitchFamily="34" charset="-122"/>
+              <a:ea typeface="微软雅黑" pitchFamily="34" charset="-122"/>
+            </a:endParaRPr>
+          </a:p>
+        </p:txBody>
+      </p:sp>
+    </p:spTree>
+    <p:extLst>
+      <p:ext uri="{BB962C8B-B14F-4D97-AF65-F5344CB8AC3E}">
+        <p14:creationId xmlns:p14="http://schemas.microsoft.com/office/powerpoint/2010/main" val="781360313"/>
+      </p:ext>
+    </p:extLst>
+  </p:cSld>
+  <p:clrMapOvr>
+    <a:masterClrMapping/>
+  </p:clrMapOvr>
+  <p:timing>
+    <p:tnLst>
+      <p:par>
+        <p:cTn id="1" dur="indefinite" restart="never" nodeType="tmRoot">
+          <p:childTnLst>
+            <p:seq concurrent="1" nextAc="seek">
+              <p:cTn id="2" dur="indefinite" nodeType="mainSeq">
+                <p:childTnLst>
+                  <p:par>
+                    <p:cTn id="3" fill="hold">
+                      <p:stCondLst>
+                        <p:cond delay="indefinite"/>
+                      </p:stCondLst>
+                      <p:childTnLst>
+                        <p:par>
+                          <p:cTn id="4" fill="hold">
+                            <p:stCondLst>
+                              <p:cond delay="0"/>
+                            </p:stCondLst>
+                            <p:childTnLst>
+                              <p:par>
+                                <p:cTn id="5" presetID="10" presetClass="entr" presetSubtype="0" fill="hold" grpId="0" nodeType="clickEffect">
+                                  <p:stCondLst>
+                                    <p:cond delay="0"/>
+                                  </p:stCondLst>
+                                  <p:childTnLst>
+                                    <p:set>
+                                      <p:cBhvr>
+                                        <p:cTn id="6" dur="1" fill="hold">
+                                          <p:stCondLst>
+                                            <p:cond delay="0"/>
+                                          </p:stCondLst>
+                                        </p:cTn>
+                                        <p:tgtEl>
+                                          <p:spTgt spid="14"/>
+                                        </p:tgtEl>
+                                        <p:attrNameLst>
+                                          <p:attrName>style.visibility</p:attrName>
+                                        </p:attrNameLst>
+                                      </p:cBhvr>
+                                      <p:to>
+                                        <p:strVal val="visible"/>
+                                      </p:to>
+                                    </p:set>
+                                    <p:animEffect transition="in" filter="fade">
+                                      <p:cBhvr>
+                                        <p:cTn id="7" dur="500"/>
+                                        <p:tgtEl>
+                                          <p:spTgt spid="14"/>
+                                        </p:tgtEl>
+                                      </p:cBhvr>
+                                    </p:animEffect>
+                                  </p:childTnLst>
+                                </p:cTn>
+                              </p:par>
+                            </p:childTnLst>
+                          </p:cTn>
+                        </p:par>
+                      </p:childTnLst>
+                    </p:cTn>
+                  </p:par>
+                  <p:par>
+                    <p:cTn id="8" fill="hold">
+                      <p:stCondLst>
+                        <p:cond delay="indefinite"/>
+                      </p:stCondLst>
+                      <p:childTnLst>
+                        <p:par>
+                          <p:cTn id="9" fill="hold">
+                            <p:stCondLst>
+                              <p:cond delay="0"/>
+                            </p:stCondLst>
+                            <p:childTnLst>
+                              <p:par>
+                                <p:cTn id="10" presetID="1" presetClass="entr" presetSubtype="0" fill="hold" nodeType="clickEffect">
+                                  <p:stCondLst>
+                                    <p:cond delay="0"/>
+                                  </p:stCondLst>
+                                  <p:childTnLst>
+                                    <p:set>
+                                      <p:cBhvr>
+                                        <p:cTn id="11" dur="1" fill="hold">
+                                          <p:stCondLst>
+                                            <p:cond delay="0"/>
+                                          </p:stCondLst>
+                                        </p:cTn>
+                                        <p:tgtEl>
+                                          <p:spTgt spid="4"/>
+                                        </p:tgtEl>
+                                        <p:attrNameLst>
+                                          <p:attrName>style.visibility</p:attrName>
+                                        </p:attrNameLst>
+                                      </p:cBhvr>
+                                      <p:to>
+                                        <p:strVal val="visible"/>
+                                      </p:to>
+                                    </p:set>
+                                  </p:childTnLst>
+                                </p:cTn>
+                              </p:par>
+                            </p:childTnLst>
+                          </p:cTn>
+                        </p:par>
+                      </p:childTnLst>
+                    </p:cTn>
+                  </p:par>
+                  <p:par>
+                    <p:cTn id="12" fill="hold">
+                      <p:stCondLst>
+                        <p:cond delay="indefinite"/>
+                      </p:stCondLst>
+                      <p:childTnLst>
+                        <p:par>
+                          <p:cTn id="13" fill="hold">
+                            <p:stCondLst>
+                              <p:cond delay="0"/>
+                            </p:stCondLst>
+                            <p:childTnLst>
+                              <p:par>
+                                <p:cTn id="14" presetID="1" presetClass="entr" presetSubtype="0" fill="hold" grpId="0" nodeType="clickEffect">
+                                  <p:stCondLst>
+                                    <p:cond delay="0"/>
+                                  </p:stCondLst>
+                                  <p:childTnLst>
+                                    <p:set>
+                                      <p:cBhvr>
+                                        <p:cTn id="15" dur="1" fill="hold">
+                                          <p:stCondLst>
+                                            <p:cond delay="0"/>
+                                          </p:stCondLst>
+                                        </p:cTn>
+                                        <p:tgtEl>
+                                          <p:spTgt spid="5"/>
+                                        </p:tgtEl>
+                                        <p:attrNameLst>
+                                          <p:attrName>style.visibility</p:attrName>
+                                        </p:attrNameLst>
+                                      </p:cBhvr>
+                                      <p:to>
+                                        <p:strVal val="visible"/>
+                                      </p:to>
+                                    </p:set>
+                                  </p:childTnLst>
+                                </p:cTn>
+                              </p:par>
+                              <p:par>
+                                <p:cTn id="16" presetID="1" presetClass="entr" presetSubtype="0" fill="hold" grpId="0" nodeType="withEffect">
+                                  <p:stCondLst>
+                                    <p:cond delay="0"/>
+                                  </p:stCondLst>
+                                  <p:childTnLst>
+                                    <p:set>
+                                      <p:cBhvr>
+                                        <p:cTn id="17" dur="1" fill="hold">
+                                          <p:stCondLst>
+                                            <p:cond delay="0"/>
+                                          </p:stCondLst>
+                                        </p:cTn>
+                                        <p:tgtEl>
+                                          <p:spTgt spid="7"/>
+                                        </p:tgtEl>
+                                        <p:attrNameLst>
+                                          <p:attrName>style.visibility</p:attrName>
+                                        </p:attrNameLst>
+                                      </p:cBhvr>
+                                      <p:to>
+                                        <p:strVal val="visible"/>
+                                      </p:to>
+                                    </p:set>
+                                  </p:childTnLst>
+                                </p:cTn>
+                              </p:par>
+                              <p:par>
+                                <p:cTn id="18" presetID="1" presetClass="entr" presetSubtype="0" fill="hold" grpId="0" nodeType="withEffect">
+                                  <p:stCondLst>
+                                    <p:cond delay="0"/>
+                                  </p:stCondLst>
+                                  <p:childTnLst>
+                                    <p:set>
+                                      <p:cBhvr>
+                                        <p:cTn id="19" dur="1" fill="hold">
+                                          <p:stCondLst>
+                                            <p:cond delay="0"/>
+                                          </p:stCondLst>
+                                        </p:cTn>
+                                        <p:tgtEl>
+                                          <p:spTgt spid="8"/>
+                                        </p:tgtEl>
+                                        <p:attrNameLst>
+                                          <p:attrName>style.visibility</p:attrName>
+                                        </p:attrNameLst>
+                                      </p:cBhvr>
+                                      <p:to>
+                                        <p:strVal val="visible"/>
+                                      </p:to>
+                                    </p:set>
+                                  </p:childTnLst>
+                                </p:cTn>
+                              </p:par>
+                              <p:par>
+                                <p:cTn id="20" presetID="1" presetClass="entr" presetSubtype="0" fill="hold" grpId="0" nodeType="withEffect">
+                                  <p:stCondLst>
+                                    <p:cond delay="0"/>
+                                  </p:stCondLst>
+                                  <p:childTnLst>
+                                    <p:set>
+                                      <p:cBhvr>
+                                        <p:cTn id="21" dur="1" fill="hold">
+                                          <p:stCondLst>
+                                            <p:cond delay="0"/>
+                                          </p:stCondLst>
+                                        </p:cTn>
+                                        <p:tgtEl>
+                                          <p:spTgt spid="9"/>
+                                        </p:tgtEl>
+                                        <p:attrNameLst>
+                                          <p:attrName>style.visibility</p:attrName>
+                                        </p:attrNameLst>
+                                      </p:cBhvr>
+                                      <p:to>
+                                        <p:strVal val="visible"/>
+                                      </p:to>
+                                    </p:set>
+                                  </p:childTnLst>
+                                </p:cTn>
+                              </p:par>
+                            </p:childTnLst>
+                          </p:cTn>
+                        </p:par>
+                      </p:childTnLst>
+                    </p:cTn>
+                  </p:par>
+                  <p:par>
+                    <p:cTn id="22" fill="hold">
+                      <p:stCondLst>
+                        <p:cond delay="indefinite"/>
+                      </p:stCondLst>
+                      <p:childTnLst>
+                        <p:par>
+                          <p:cTn id="23" fill="hold">
+                            <p:stCondLst>
+                              <p:cond delay="0"/>
+                            </p:stCondLst>
+                            <p:childTnLst>
+                              <p:par>
+                                <p:cTn id="24" presetID="53" presetClass="entr" presetSubtype="16" fill="hold" grpId="0" nodeType="clickEffect">
+                                  <p:stCondLst>
+                                    <p:cond delay="0"/>
+                                  </p:stCondLst>
+                                  <p:childTnLst>
+                                    <p:set>
+                                      <p:cBhvr>
+                                        <p:cTn id="25" dur="1" fill="hold">
+                                          <p:stCondLst>
+                                            <p:cond delay="0"/>
+                                          </p:stCondLst>
+                                        </p:cTn>
+                                        <p:tgtEl>
+                                          <p:spTgt spid="16"/>
+                                        </p:tgtEl>
+                                        <p:attrNameLst>
+                                          <p:attrName>style.visibility</p:attrName>
+                                        </p:attrNameLst>
+                                      </p:cBhvr>
+                                      <p:to>
+                                        <p:strVal val="visible"/>
+                                      </p:to>
+                                    </p:set>
+                                    <p:anim calcmode="lin" valueType="num">
+                                      <p:cBhvr>
+                                        <p:cTn id="26" dur="500" fill="hold"/>
+                                        <p:tgtEl>
+                                          <p:spTgt spid="16"/>
+                                        </p:tgtEl>
+                                        <p:attrNameLst>
+                                          <p:attrName>ppt_w</p:attrName>
+                                        </p:attrNameLst>
+                                      </p:cBhvr>
+                                      <p:tavLst>
+                                        <p:tav tm="0">
+                                          <p:val>
+                                            <p:fltVal val="0"/>
+                                          </p:val>
+                                        </p:tav>
+                                        <p:tav tm="100000">
+                                          <p:val>
+                                            <p:strVal val="#ppt_w"/>
+                                          </p:val>
+                                        </p:tav>
+                                      </p:tavLst>
+                                    </p:anim>
+                                    <p:anim calcmode="lin" valueType="num">
+                                      <p:cBhvr>
+                                        <p:cTn id="27" dur="500" fill="hold"/>
+                                        <p:tgtEl>
+                                          <p:spTgt spid="16"/>
+                                        </p:tgtEl>
+                                        <p:attrNameLst>
+                                          <p:attrName>ppt_h</p:attrName>
+                                        </p:attrNameLst>
+                                      </p:cBhvr>
+                                      <p:tavLst>
+                                        <p:tav tm="0">
+                                          <p:val>
+                                            <p:fltVal val="0"/>
+                                          </p:val>
+                                        </p:tav>
+                                        <p:tav tm="100000">
+                                          <p:val>
+                                            <p:strVal val="#ppt_h"/>
+                                          </p:val>
+                                        </p:tav>
+                                      </p:tavLst>
+                                    </p:anim>
+                                    <p:animEffect transition="in" filter="fade">
+                                      <p:cBhvr>
+                                        <p:cTn id="28" dur="500"/>
+                                        <p:tgtEl>
+                                          <p:spTgt spid="16"/>
+                                        </p:tgtEl>
+                                      </p:cBhvr>
+                                    </p:animEffect>
+                                  </p:childTnLst>
+                                </p:cTn>
+                              </p:par>
+                            </p:childTnLst>
+                          </p:cTn>
+                        </p:par>
+                      </p:childTnLst>
+                    </p:cTn>
+                  </p:par>
+                  <p:par>
+                    <p:cTn id="29" fill="hold">
+                      <p:stCondLst>
+                        <p:cond delay="indefinite"/>
+                      </p:stCondLst>
+                      <p:childTnLst>
+                        <p:par>
+                          <p:cTn id="30" fill="hold">
+                            <p:stCondLst>
+                              <p:cond delay="0"/>
+                            </p:stCondLst>
+                            <p:childTnLst>
+                              <p:par>
+                                <p:cTn id="31" presetID="22" presetClass="entr" presetSubtype="4" fill="hold" nodeType="clickEffect">
+                                  <p:stCondLst>
+                                    <p:cond delay="0"/>
+                                  </p:stCondLst>
+                                  <p:childTnLst>
+                                    <p:set>
+                                      <p:cBhvr>
+                                        <p:cTn id="32" dur="1" fill="hold">
+                                          <p:stCondLst>
+                                            <p:cond delay="0"/>
+                                          </p:stCondLst>
+                                        </p:cTn>
+                                        <p:tgtEl>
+                                          <p:spTgt spid="11"/>
+                                        </p:tgtEl>
+                                        <p:attrNameLst>
+                                          <p:attrName>style.visibility</p:attrName>
+                                        </p:attrNameLst>
+                                      </p:cBhvr>
+                                      <p:to>
+                                        <p:strVal val="visible"/>
+                                      </p:to>
+                                    </p:set>
+                                    <p:animEffect transition="in" filter="wipe(down)">
+                                      <p:cBhvr>
+                                        <p:cTn id="33" dur="500"/>
+                                        <p:tgtEl>
+                                          <p:spTgt spid="11"/>
+                                        </p:tgtEl>
+                                      </p:cBhvr>
+                                    </p:animEffect>
+                                  </p:childTnLst>
+                                </p:cTn>
+                              </p:par>
+                              <p:par>
+                                <p:cTn id="34" presetID="22" presetClass="entr" presetSubtype="4" fill="hold" grpId="0" nodeType="withEffect">
+                                  <p:stCondLst>
+                                    <p:cond delay="0"/>
+                                  </p:stCondLst>
+                                  <p:childTnLst>
+                                    <p:set>
+                                      <p:cBhvr>
+                                        <p:cTn id="35" dur="1" fill="hold">
+                                          <p:stCondLst>
+                                            <p:cond delay="0"/>
+                                          </p:stCondLst>
+                                        </p:cTn>
+                                        <p:tgtEl>
+                                          <p:spTgt spid="13"/>
+                                        </p:tgtEl>
+                                        <p:attrNameLst>
+                                          <p:attrName>style.visibility</p:attrName>
+                                        </p:attrNameLst>
+                                      </p:cBhvr>
+                                      <p:to>
+                                        <p:strVal val="visible"/>
+                                      </p:to>
+                                    </p:set>
+                                    <p:animEffect transition="in" filter="wipe(down)">
+                                      <p:cBhvr>
+                                        <p:cTn id="36" dur="500"/>
+                                        <p:tgtEl>
+                                          <p:spTgt spid="13"/>
+                                        </p:tgtEl>
+                                      </p:cBhvr>
+                                    </p:animEffect>
+                                  </p:childTnLst>
+                                </p:cTn>
+                              </p:par>
+                            </p:childTnLst>
+                          </p:cTn>
+                        </p:par>
+                      </p:childTnLst>
+                    </p:cTn>
+                  </p:par>
+                </p:childTnLst>
+              </p:cTn>
+              <p:prevCondLst>
+                <p:cond evt="onPrev" delay="0">
+                  <p:tgtEl>
+                    <p:sldTgt/>
+                  </p:tgtEl>
+                </p:cond>
+              </p:prevCondLst>
+              <p:nextCondLst>
+                <p:cond evt="onNext" delay="0">
+                  <p:tgtEl>
+                    <p:sldTgt/>
+                  </p:tgtEl>
+                </p:cond>
+              </p:nextCondLst>
+            </p:seq>
+          </p:childTnLst>
+        </p:cTn>
+      </p:par>
+    </p:tnLst>
+    <p:bldLst>
+      <p:bldP spid="5" grpId="0"/>
+      <p:bldP spid="7" grpId="0"/>
+      <p:bldP spid="8" grpId="0"/>
+      <p:bldP spid="9" grpId="0"/>
+      <p:bldP spid="13" grpId="0"/>
+      <p:bldP spid="14" grpId="0"/>
+      <p:bldP spid="16" grpId="0" animBg="1"/>
+    </p:bldLst>
+  </p:timing>
+</p:sld>
+</file>
+
+<file path=ppt/slides/slide5.xml><?xml version="1.0" encoding="utf-8"?>
+<p:sld xmlns:a="http://schemas.openxmlformats.org/drawingml/2006/main" xmlns:r="http://schemas.openxmlformats.org/officeDocument/2006/relationships" xmlns:p="http://schemas.openxmlformats.org/presentationml/2006/main">
+  <p:cSld>
+    <p:spTree>
+      <p:nvGrpSpPr>
+        <p:cNvPr id="1" name=""/>
+        <p:cNvGrpSpPr/>
+        <p:nvPr/>
+      </p:nvGrpSpPr>
+      <p:grpSpPr>
+        <a:xfrm>
+          <a:off x="0" y="0"/>
+          <a:ext cx="0" cy="0"/>
+          <a:chOff x="0" y="0"/>
+          <a:chExt cx="0" cy="0"/>
+        </a:xfrm>
+      </p:grpSpPr>
       <p:pic>
         <p:nvPicPr>
           <p:cNvPr id="1027" name="Picture 3"/>
@@ -5654,7 +7721,7 @@
           <p:nvPr/>
         </p:nvPicPr>
         <p:blipFill>
-          <a:blip r:embed="rId3">
+          <a:blip r:embed="rId2">
             <a:extLst>
               <a:ext uri="{28A0092B-C50C-407E-A947-70E740481C1C}">
                 <a14:useLocalDpi xmlns:a14="http://schemas.microsoft.com/office/drawing/2010/main" val="0"/>
@@ -5668,8 +7735,8 @@
         </p:blipFill>
         <p:spPr bwMode="auto">
           <a:xfrm>
-            <a:off x="0" y="2708920"/>
-            <a:ext cx="7674259" cy="1368152"/>
+            <a:off x="611560" y="545400"/>
+            <a:ext cx="6624736" cy="2667576"/>
           </a:xfrm>
           <a:prstGeom prst="rect">
             <a:avLst/>
@@ -5718,7 +7785,7 @@
           <p:nvPr/>
         </p:nvPicPr>
         <p:blipFill>
-          <a:blip r:embed="rId4">
+          <a:blip r:embed="rId3">
             <a:extLst>
               <a:ext uri="{28A0092B-C50C-407E-A947-70E740481C1C}">
                 <a14:useLocalDpi xmlns:a14="http://schemas.microsoft.com/office/drawing/2010/main" val="0"/>
@@ -5732,72 +7799,8 @@
         </p:blipFill>
         <p:spPr bwMode="auto">
           <a:xfrm>
-            <a:off x="35496" y="4509120"/>
-            <a:ext cx="4320480" cy="2031356"/>
-          </a:xfrm>
-          <a:prstGeom prst="rect">
-            <a:avLst/>
-          </a:prstGeom>
-          <a:noFill/>
-          <a:ln>
-            <a:noFill/>
-          </a:ln>
-          <a:effectLst/>
-          <a:extLst>
-            <a:ext uri="{909E8E84-426E-40DD-AFC4-6F175D3DCCD1}">
-              <a14:hiddenFill xmlns:a14="http://schemas.microsoft.com/office/drawing/2010/main">
-                <a:solidFill>
-                  <a:schemeClr val="accent1"/>
-                </a:solidFill>
-              </a14:hiddenFill>
-            </a:ext>
-            <a:ext uri="{91240B29-F687-4F45-9708-019B960494DF}">
-              <a14:hiddenLine xmlns:a14="http://schemas.microsoft.com/office/drawing/2010/main" w="9525">
-                <a:solidFill>
-                  <a:schemeClr val="tx1"/>
-                </a:solidFill>
-                <a:miter lim="800000"/>
-                <a:headEnd/>
-                <a:tailEnd/>
-              </a14:hiddenLine>
-            </a:ext>
-            <a:ext uri="{AF507438-7753-43E0-B8FC-AC1667EBCBE1}">
-              <a14:hiddenEffects xmlns:a14="http://schemas.microsoft.com/office/drawing/2010/main">
-                <a:effectLst>
-                  <a:outerShdw dist="35921" dir="2700000" algn="ctr" rotWithShape="0">
-                    <a:schemeClr val="bg2"/>
-                  </a:outerShdw>
-                </a:effectLst>
-              </a14:hiddenEffects>
-            </a:ext>
-          </a:extLst>
-        </p:spPr>
-      </p:pic>
-      <p:pic>
-        <p:nvPicPr>
-          <p:cNvPr id="1029" name="Picture 5"/>
-          <p:cNvPicPr>
-            <a:picLocks noChangeAspect="1" noChangeArrowheads="1"/>
-          </p:cNvPicPr>
-          <p:nvPr/>
-        </p:nvPicPr>
-        <p:blipFill>
-          <a:blip r:embed="rId5">
-            <a:extLst>
-              <a:ext uri="{28A0092B-C50C-407E-A947-70E740481C1C}">
-                <a14:useLocalDpi xmlns:a14="http://schemas.microsoft.com/office/drawing/2010/main" val="0"/>
-              </a:ext>
-            </a:extLst>
-          </a:blip>
-          <a:srcRect/>
-          <a:stretch>
-            <a:fillRect/>
-          </a:stretch>
-        </p:blipFill>
-        <p:spPr bwMode="auto">
-          <a:xfrm>
-            <a:off x="3844026" y="4941168"/>
-            <a:ext cx="5175493" cy="1368152"/>
+            <a:off x="863600" y="3645024"/>
+            <a:ext cx="7416800" cy="1962150"/>
           </a:xfrm>
           <a:prstGeom prst="rect">
             <a:avLst/>
@@ -5840,7 +7843,7 @@
     </p:spTree>
     <p:extLst>
       <p:ext uri="{BB962C8B-B14F-4D97-AF65-F5344CB8AC3E}">
-        <p14:creationId xmlns:p14="http://schemas.microsoft.com/office/powerpoint/2010/main" val="1326283280"/>
+        <p14:creationId xmlns:p14="http://schemas.microsoft.com/office/powerpoint/2010/main" val="3115767058"/>
       </p:ext>
     </p:extLst>
   </p:cSld>
@@ -5857,7 +7860,7 @@
 </p:sld>
 </file>
 
-<file path=ppt/slides/slide3.xml><?xml version="1.0" encoding="utf-8"?>
+<file path=ppt/slides/slide6.xml><?xml version="1.0" encoding="utf-8"?>
 <p:sld xmlns:a="http://schemas.openxmlformats.org/drawingml/2006/main" xmlns:r="http://schemas.openxmlformats.org/officeDocument/2006/relationships" xmlns:p="http://schemas.openxmlformats.org/presentationml/2006/main">
   <p:cSld>
     <p:spTree>
@@ -6450,7 +8453,7 @@
 </p:sld>
 </file>
 
-<file path=ppt/slides/slide4.xml><?xml version="1.0" encoding="utf-8"?>
+<file path=ppt/slides/slide7.xml><?xml version="1.0" encoding="utf-8"?>
 <p:sld xmlns:a="http://schemas.openxmlformats.org/drawingml/2006/main" xmlns:r="http://schemas.openxmlformats.org/officeDocument/2006/relationships" xmlns:p="http://schemas.openxmlformats.org/presentationml/2006/main">
   <p:cSld>
     <p:spTree>

--- a/BezierLine.pptx
+++ b/BezierLine.pptx
@@ -6021,8 +6021,8 @@
           </a:extLst>
         </p:spPr>
       </p:pic>
-      <mc:AlternateContent xmlns:mc="http://schemas.openxmlformats.org/markup-compatibility/2006">
-        <mc:Choice xmlns:a14="http://schemas.microsoft.com/office/drawing/2010/main" Requires="a14">
+      <mc:AlternateContent xmlns:mc="http://schemas.openxmlformats.org/markup-compatibility/2006" xmlns:a14="http://schemas.microsoft.com/office/drawing/2010/main">
+        <mc:Choice Requires="a14">
           <p:sp>
             <p:nvSpPr>
               <p:cNvPr id="5" name="TextBox 4"/>
@@ -6140,7 +6140,7 @@
             </p:txBody>
           </p:sp>
         </mc:Choice>
-        <mc:Fallback>
+        <mc:Fallback xmlns="">
           <p:sp>
             <p:nvSpPr>
               <p:cNvPr id="5" name="TextBox 4"/>
@@ -6179,8 +6179,8 @@
           </p:sp>
         </mc:Fallback>
       </mc:AlternateContent>
-      <mc:AlternateContent xmlns:mc="http://schemas.openxmlformats.org/markup-compatibility/2006">
-        <mc:Choice xmlns:a14="http://schemas.microsoft.com/office/drawing/2010/main" Requires="a14">
+      <mc:AlternateContent xmlns:mc="http://schemas.openxmlformats.org/markup-compatibility/2006" xmlns:a14="http://schemas.microsoft.com/office/drawing/2010/main">
+        <mc:Choice Requires="a14">
           <p:sp>
             <p:nvSpPr>
               <p:cNvPr id="7" name="TextBox 6"/>
@@ -6304,7 +6304,7 @@
             </p:txBody>
           </p:sp>
         </mc:Choice>
-        <mc:Fallback>
+        <mc:Fallback xmlns="">
           <p:sp>
             <p:nvSpPr>
               <p:cNvPr id="7" name="TextBox 6"/>
@@ -6343,8 +6343,8 @@
           </p:sp>
         </mc:Fallback>
       </mc:AlternateContent>
-      <mc:AlternateContent xmlns:mc="http://schemas.openxmlformats.org/markup-compatibility/2006">
-        <mc:Choice xmlns:a14="http://schemas.microsoft.com/office/drawing/2010/main" Requires="a14">
+      <mc:AlternateContent xmlns:mc="http://schemas.openxmlformats.org/markup-compatibility/2006" xmlns:a14="http://schemas.microsoft.com/office/drawing/2010/main">
+        <mc:Choice Requires="a14">
           <p:sp>
             <p:nvSpPr>
               <p:cNvPr id="8" name="TextBox 7"/>
@@ -6518,7 +6518,7 @@
             </p:txBody>
           </p:sp>
         </mc:Choice>
-        <mc:Fallback>
+        <mc:Fallback xmlns="">
           <p:sp>
             <p:nvSpPr>
               <p:cNvPr id="8" name="TextBox 7"/>
@@ -6557,8 +6557,8 @@
           </p:sp>
         </mc:Fallback>
       </mc:AlternateContent>
-      <mc:AlternateContent xmlns:mc="http://schemas.openxmlformats.org/markup-compatibility/2006">
-        <mc:Choice xmlns:a14="http://schemas.microsoft.com/office/drawing/2010/main" Requires="a14">
+      <mc:AlternateContent xmlns:mc="http://schemas.openxmlformats.org/markup-compatibility/2006" xmlns:a14="http://schemas.microsoft.com/office/drawing/2010/main">
+        <mc:Choice Requires="a14">
           <p:sp>
             <p:nvSpPr>
               <p:cNvPr id="9" name="TextBox 8"/>
@@ -6581,6 +6581,7 @@
               </a:bodyPr>
               <a:lstStyle/>
               <a:p>
+                <a:pPr/>
                 <a14:m>
                   <m:oMathPara xmlns:m="http://schemas.openxmlformats.org/officeDocument/2006/math">
                     <m:oMathParaPr>
@@ -6749,7 +6750,7 @@
             </p:txBody>
           </p:sp>
         </mc:Choice>
-        <mc:Fallback>
+        <mc:Fallback xmlns="">
           <p:sp>
             <p:nvSpPr>
               <p:cNvPr id="9" name="TextBox 8"/>
@@ -6864,8 +6865,8 @@
           </a:p>
         </p:txBody>
       </p:sp>
-      <mc:AlternateContent xmlns:mc="http://schemas.openxmlformats.org/markup-compatibility/2006">
-        <mc:Choice xmlns:a14="http://schemas.microsoft.com/office/drawing/2010/main" Requires="a14">
+      <mc:AlternateContent xmlns:mc="http://schemas.openxmlformats.org/markup-compatibility/2006" xmlns:a14="http://schemas.microsoft.com/office/drawing/2010/main">
+        <mc:Choice Requires="a14">
           <p:sp>
             <p:nvSpPr>
               <p:cNvPr id="14" name="TextBox 13"/>
@@ -7082,7 +7083,7 @@
             </p:txBody>
           </p:sp>
         </mc:Choice>
-        <mc:Fallback>
+        <mc:Fallback xmlns="">
           <p:sp>
             <p:nvSpPr>
               <p:cNvPr id="14" name="TextBox 13"/>
